--- a/Linear-Algebra2.pptx
+++ b/Linear-Algebra2.pptx
@@ -7,53 +7,47 @@
   <p:sldIdLst>
     <p:sldId id="256" r:id="rId5"/>
     <p:sldId id="257" r:id="rId6"/>
-    <p:sldId id="331" r:id="rId7"/>
-    <p:sldId id="268" r:id="rId8"/>
-    <p:sldId id="269" r:id="rId9"/>
-    <p:sldId id="324" r:id="rId10"/>
-    <p:sldId id="325" r:id="rId11"/>
-    <p:sldId id="299" r:id="rId12"/>
-    <p:sldId id="300" r:id="rId13"/>
-    <p:sldId id="301" r:id="rId14"/>
-    <p:sldId id="302" r:id="rId15"/>
-    <p:sldId id="335" r:id="rId16"/>
-    <p:sldId id="303" r:id="rId17"/>
-    <p:sldId id="320" r:id="rId18"/>
-    <p:sldId id="326" r:id="rId19"/>
-    <p:sldId id="273" r:id="rId20"/>
-    <p:sldId id="327" r:id="rId21"/>
-    <p:sldId id="304" r:id="rId22"/>
-    <p:sldId id="328" r:id="rId23"/>
-    <p:sldId id="305" r:id="rId24"/>
-    <p:sldId id="329" r:id="rId25"/>
-    <p:sldId id="321" r:id="rId26"/>
-    <p:sldId id="311" r:id="rId27"/>
-    <p:sldId id="312" r:id="rId28"/>
-    <p:sldId id="336" r:id="rId29"/>
-    <p:sldId id="333" r:id="rId30"/>
-    <p:sldId id="330" r:id="rId31"/>
-    <p:sldId id="313" r:id="rId32"/>
-    <p:sldId id="270" r:id="rId33"/>
-    <p:sldId id="306" r:id="rId34"/>
-    <p:sldId id="338" r:id="rId35"/>
-    <p:sldId id="339" r:id="rId36"/>
-    <p:sldId id="307" r:id="rId37"/>
-    <p:sldId id="308" r:id="rId38"/>
-    <p:sldId id="309" r:id="rId39"/>
-    <p:sldId id="332" r:id="rId40"/>
-    <p:sldId id="337" r:id="rId41"/>
-    <p:sldId id="314" r:id="rId42"/>
-    <p:sldId id="315" r:id="rId43"/>
-    <p:sldId id="316" r:id="rId44"/>
-    <p:sldId id="310" r:id="rId45"/>
+    <p:sldId id="268" r:id="rId7"/>
+    <p:sldId id="269" r:id="rId8"/>
+    <p:sldId id="324" r:id="rId9"/>
+    <p:sldId id="325" r:id="rId10"/>
+    <p:sldId id="299" r:id="rId11"/>
+    <p:sldId id="300" r:id="rId12"/>
+    <p:sldId id="301" r:id="rId13"/>
+    <p:sldId id="302" r:id="rId14"/>
+    <p:sldId id="335" r:id="rId15"/>
+    <p:sldId id="303" r:id="rId16"/>
+    <p:sldId id="320" r:id="rId17"/>
+    <p:sldId id="326" r:id="rId18"/>
+    <p:sldId id="273" r:id="rId19"/>
+    <p:sldId id="327" r:id="rId20"/>
+    <p:sldId id="304" r:id="rId21"/>
+    <p:sldId id="328" r:id="rId22"/>
+    <p:sldId id="305" r:id="rId23"/>
+    <p:sldId id="329" r:id="rId24"/>
+    <p:sldId id="321" r:id="rId25"/>
+    <p:sldId id="311" r:id="rId26"/>
+    <p:sldId id="312" r:id="rId27"/>
+    <p:sldId id="336" r:id="rId28"/>
+    <p:sldId id="333" r:id="rId29"/>
+    <p:sldId id="330" r:id="rId30"/>
+    <p:sldId id="313" r:id="rId31"/>
+    <p:sldId id="270" r:id="rId32"/>
+    <p:sldId id="306" r:id="rId33"/>
+    <p:sldId id="338" r:id="rId34"/>
+    <p:sldId id="339" r:id="rId35"/>
+    <p:sldId id="307" r:id="rId36"/>
+    <p:sldId id="308" r:id="rId37"/>
+    <p:sldId id="309" r:id="rId38"/>
+    <p:sldId id="332" r:id="rId39"/>
+    <p:sldId id="337" r:id="rId40"/>
+    <p:sldId id="314" r:id="rId41"/>
+    <p:sldId id="315" r:id="rId42"/>
+    <p:sldId id="316" r:id="rId43"/>
+    <p:sldId id="310" r:id="rId44"/>
+    <p:sldId id="331" r:id="rId45"/>
     <p:sldId id="286" r:id="rId46"/>
-    <p:sldId id="322" r:id="rId47"/>
-    <p:sldId id="323" r:id="rId48"/>
-    <p:sldId id="317" r:id="rId49"/>
-    <p:sldId id="318" r:id="rId50"/>
-    <p:sldId id="319" r:id="rId51"/>
-    <p:sldId id="334" r:id="rId52"/>
-    <p:sldId id="260" r:id="rId53"/>
+    <p:sldId id="260" r:id="rId47"/>
   </p:sldIdLst>
   <p:sldSz cx="9144000" cy="5143500" type="screen16x9"/>
   <p:notesSz cx="6858000" cy="9144000"/>
@@ -1497,17 +1491,7 @@
                 <a:latin typeface="Segoe UI Light" panose="020B0502040204020203" pitchFamily="34" charset="0"/>
                 <a:cs typeface="Segoe UI Light" panose="020B0502040204020203" pitchFamily="34" charset="0"/>
               </a:rPr>
-              <a:t>For AI [</a:t>
-            </a:r>
-            <a:r>
-              <a:rPr lang="en-US" sz="4800" dirty="0" smtClean="0">
-                <a:solidFill>
-                  <a:schemeClr val="bg1"/>
-                </a:solidFill>
-                <a:latin typeface="Segoe UI Light" panose="020B0502040204020203" pitchFamily="34" charset="0"/>
-                <a:cs typeface="Segoe UI Light" panose="020B0502040204020203" pitchFamily="34" charset="0"/>
-              </a:rPr>
-              <a:t>P3]</a:t>
+              <a:t>For AI [P2]</a:t>
             </a:r>
             <a:endParaRPr lang="en-US" sz="4800" dirty="0">
               <a:solidFill>
@@ -1680,9 +1664,9 @@
             </a:pPr>
             <a:r>
               <a:rPr lang="fr-FR" b="1" dirty="0" smtClean="0">
-                <a:latin typeface="+mj-lt"/>
-              </a:rPr>
-              <a:t>2. EXPERIENCE</a:t>
+                <a:latin typeface="FreeMono" pitchFamily="49"/>
+              </a:rPr>
+              <a:t>3.PERFORMANCE</a:t>
             </a:r>
           </a:p>
           <a:p>
@@ -1693,128 +1677,53 @@
             </a:pPr>
             <a:r>
               <a:rPr lang="en-US" sz="2400" b="1" dirty="0" smtClean="0">
-                <a:latin typeface="+mj-lt"/>
-              </a:rPr>
-              <a:t>Training </a:t>
-            </a:r>
-            <a:r>
-              <a:rPr lang="en-US" sz="2400" b="1" dirty="0" err="1" smtClean="0">
-                <a:latin typeface="+mj-lt"/>
-              </a:rPr>
-              <a:t>Datas</a:t>
-            </a:r>
-            <a:endParaRPr lang="en-US" sz="2000" b="1" dirty="0" smtClean="0">
-              <a:latin typeface="+mj-lt"/>
+                <a:latin typeface="FreeMono" pitchFamily="49"/>
+              </a:rPr>
+              <a:t>Success percent</a:t>
+            </a:r>
+            <a:endParaRPr lang="en-US" sz="2000" b="1" dirty="0">
+              <a:latin typeface="FreeMono" pitchFamily="49"/>
             </a:endParaRPr>
           </a:p>
           <a:p>
-            <a:pPr lvl="2">
+            <a:pPr lvl="1">
               <a:buSzPct val="45000"/>
               <a:buFont typeface="StarSymbol"/>
               <a:buChar char="●"/>
             </a:pPr>
             <a:r>
               <a:rPr lang="en-US" sz="2000" b="1" dirty="0" smtClean="0">
-                <a:latin typeface="+mj-lt"/>
-              </a:rPr>
-              <a:t>Images, Sons</a:t>
-            </a:r>
-          </a:p>
-          <a:p>
-            <a:pPr lvl="2">
+                <a:latin typeface="FreeMono" pitchFamily="49"/>
+              </a:rPr>
+              <a:t>Performance = F(</a:t>
+            </a:r>
+            <a:r>
+              <a:rPr lang="en-US" sz="2000" b="1" dirty="0" err="1" smtClean="0">
+                <a:latin typeface="FreeMono" pitchFamily="49"/>
+              </a:rPr>
+              <a:t>Experence</a:t>
+            </a:r>
+            <a:r>
+              <a:rPr lang="en-US" sz="2000" b="1" dirty="0" smtClean="0">
+                <a:latin typeface="FreeMono" pitchFamily="49"/>
+              </a:rPr>
+              <a:t>)</a:t>
+            </a:r>
+          </a:p>
+          <a:p>
+            <a:pPr lvl="1">
               <a:buSzPct val="45000"/>
               <a:buFont typeface="StarSymbol"/>
               <a:buChar char="●"/>
             </a:pPr>
             <a:r>
-              <a:rPr lang="en-US" sz="2000" b="1" dirty="0" err="1" smtClean="0">
-                <a:latin typeface="+mj-lt"/>
-              </a:rPr>
-              <a:t>Données</a:t>
-            </a:r>
-            <a:r>
               <a:rPr lang="en-US" sz="2000" b="1" dirty="0" smtClean="0">
-                <a:latin typeface="+mj-lt"/>
-              </a:rPr>
-              <a:t> </a:t>
-            </a:r>
-            <a:r>
-              <a:rPr lang="en-US" sz="2000" b="1" dirty="0" err="1" smtClean="0">
-                <a:latin typeface="+mj-lt"/>
-              </a:rPr>
-              <a:t>financières</a:t>
-            </a:r>
-            <a:endParaRPr lang="en-US" sz="2000" b="1" dirty="0" smtClean="0">
-              <a:latin typeface="+mj-lt"/>
-            </a:endParaRPr>
-          </a:p>
-          <a:p>
-            <a:pPr lvl="2">
-              <a:buSzPct val="45000"/>
-              <a:buFont typeface="StarSymbol"/>
-              <a:buChar char="●"/>
-            </a:pPr>
-            <a:r>
-              <a:rPr lang="en-US" sz="2000" b="1" dirty="0" smtClean="0">
-                <a:latin typeface="+mj-lt"/>
-              </a:rPr>
-              <a:t>Obstacles </a:t>
-            </a:r>
-            <a:r>
-              <a:rPr lang="en-US" sz="2000" b="1" dirty="0" err="1" smtClean="0">
-                <a:latin typeface="+mj-lt"/>
-              </a:rPr>
-              <a:t>rencontrés</a:t>
-            </a:r>
-            <a:endParaRPr lang="en-US" sz="2000" b="1" dirty="0" smtClean="0">
-              <a:latin typeface="+mj-lt"/>
-            </a:endParaRPr>
-          </a:p>
-          <a:p>
-            <a:pPr lvl="2">
-              <a:buSzPct val="45000"/>
-              <a:buFont typeface="StarSymbol"/>
-              <a:buChar char="●"/>
-            </a:pPr>
-            <a:r>
-              <a:rPr lang="en-US" sz="2000" b="1" dirty="0" err="1" smtClean="0">
-                <a:latin typeface="+mj-lt"/>
-              </a:rPr>
-              <a:t>Echecs</a:t>
-            </a:r>
-            <a:r>
-              <a:rPr lang="en-US" sz="2000" b="1" dirty="0" smtClean="0">
-                <a:latin typeface="+mj-lt"/>
-              </a:rPr>
-              <a:t> (</a:t>
-            </a:r>
-            <a:r>
-              <a:rPr lang="en-US" sz="2000" b="1" dirty="0" err="1" smtClean="0">
-                <a:latin typeface="+mj-lt"/>
-              </a:rPr>
-              <a:t>réalisés</a:t>
-            </a:r>
-            <a:r>
-              <a:rPr lang="en-US" sz="2000" b="1" dirty="0" smtClean="0">
-                <a:latin typeface="+mj-lt"/>
-              </a:rPr>
-              <a:t>)</a:t>
-            </a:r>
-          </a:p>
-          <a:p>
-            <a:pPr lvl="2">
-              <a:buSzPct val="45000"/>
-              <a:buFont typeface="StarSymbol"/>
-              <a:buChar char="●"/>
-            </a:pPr>
-            <a:r>
-              <a:rPr lang="en-US" sz="2000" b="1" dirty="0" smtClean="0">
-                <a:latin typeface="+mj-lt"/>
-              </a:rPr>
-              <a:t>And much more</a:t>
+                <a:latin typeface="FreeMono" pitchFamily="49"/>
+              </a:rPr>
+              <a:t>P1 &lt; P2 &lt; … &lt; PN</a:t>
             </a:r>
             <a:endParaRPr lang="fr-FR" sz="2000" b="1" dirty="0">
-              <a:latin typeface="+mj-lt"/>
+              <a:latin typeface="FreeMono" pitchFamily="49"/>
             </a:endParaRPr>
           </a:p>
           <a:p>
@@ -1854,7 +1763,7 @@
     </p:spTree>
     <p:extLst>
       <p:ext uri="{BB962C8B-B14F-4D97-AF65-F5344CB8AC3E}">
-        <p14:creationId xmlns:p14="http://schemas.microsoft.com/office/powerpoint/2010/main" val="3171493668"/>
+        <p14:creationId xmlns:p14="http://schemas.microsoft.com/office/powerpoint/2010/main" val="3589266335"/>
       </p:ext>
     </p:extLst>
   </p:cSld>
@@ -1872,6 +1781,209 @@
 </file>
 
 <file path=ppt/slides/slide11.xml><?xml version="1.0" encoding="utf-8"?>
+<p:sld xmlns:a="http://schemas.openxmlformats.org/drawingml/2006/main" xmlns:r="http://schemas.openxmlformats.org/officeDocument/2006/relationships" xmlns:p="http://schemas.openxmlformats.org/presentationml/2006/main">
+  <p:cSld>
+    <p:bg>
+      <p:bgPr>
+        <a:solidFill>
+          <a:schemeClr val="tx1"/>
+        </a:solidFill>
+        <a:effectLst/>
+      </p:bgPr>
+    </p:bg>
+    <p:spTree>
+      <p:nvGrpSpPr>
+        <p:cNvPr id="1" name=""/>
+        <p:cNvGrpSpPr/>
+        <p:nvPr/>
+      </p:nvGrpSpPr>
+      <p:grpSpPr>
+        <a:xfrm>
+          <a:off x="0" y="0"/>
+          <a:ext cx="0" cy="0"/>
+          <a:chOff x="0" y="0"/>
+          <a:chExt cx="0" cy="0"/>
+        </a:xfrm>
+      </p:grpSpPr>
+      <p:sp>
+        <p:nvSpPr>
+          <p:cNvPr id="4" name="Titre 3"/>
+          <p:cNvSpPr>
+            <a:spLocks noGrp="1"/>
+          </p:cNvSpPr>
+          <p:nvPr>
+            <p:ph type="ctrTitle"/>
+          </p:nvPr>
+        </p:nvSpPr>
+        <p:spPr/>
+        <p:txBody>
+          <a:bodyPr>
+            <a:normAutofit/>
+          </a:bodyPr>
+          <a:lstStyle/>
+          <a:p>
+            <a:r>
+              <a:rPr lang="en-US" sz="6000" dirty="0" smtClean="0">
+                <a:solidFill>
+                  <a:schemeClr val="bg1"/>
+                </a:solidFill>
+              </a:rPr>
+              <a:t>Category</a:t>
+            </a:r>
+            <a:endParaRPr lang="en-US" sz="6000" dirty="0">
+              <a:solidFill>
+                <a:schemeClr val="bg1"/>
+              </a:solidFill>
+            </a:endParaRPr>
+          </a:p>
+        </p:txBody>
+      </p:sp>
+      <p:sp>
+        <p:nvSpPr>
+          <p:cNvPr id="5" name="Sous-titre 4"/>
+          <p:cNvSpPr>
+            <a:spLocks noGrp="1"/>
+          </p:cNvSpPr>
+          <p:nvPr>
+            <p:ph type="subTitle" idx="1"/>
+          </p:nvPr>
+        </p:nvSpPr>
+        <p:spPr/>
+        <p:txBody>
+          <a:bodyPr>
+            <a:normAutofit/>
+          </a:bodyPr>
+          <a:lstStyle/>
+          <a:p>
+            <a:r>
+              <a:rPr lang="en-US" sz="2800" dirty="0" smtClean="0">
+                <a:solidFill>
+                  <a:schemeClr val="bg1"/>
+                </a:solidFill>
+              </a:rPr>
+              <a:t>Types </a:t>
+            </a:r>
+            <a:r>
+              <a:rPr lang="en-US" sz="2800" dirty="0" err="1" smtClean="0">
+                <a:solidFill>
+                  <a:schemeClr val="bg1"/>
+                </a:solidFill>
+              </a:rPr>
+              <a:t>d’apprentissages</a:t>
+            </a:r>
+            <a:endParaRPr lang="en-US" sz="2800" dirty="0">
+              <a:solidFill>
+                <a:schemeClr val="bg1"/>
+              </a:solidFill>
+            </a:endParaRPr>
+          </a:p>
+        </p:txBody>
+      </p:sp>
+    </p:spTree>
+    <p:extLst>
+      <p:ext uri="{BB962C8B-B14F-4D97-AF65-F5344CB8AC3E}">
+        <p14:creationId xmlns:p14="http://schemas.microsoft.com/office/powerpoint/2010/main" val="1242280120"/>
+      </p:ext>
+    </p:extLst>
+  </p:cSld>
+  <p:clrMapOvr>
+    <a:masterClrMapping/>
+  </p:clrMapOvr>
+  <p:timing>
+    <p:tnLst>
+      <p:par>
+        <p:cTn id="1" dur="indefinite" restart="never" nodeType="tmRoot">
+          <p:childTnLst>
+            <p:seq concurrent="1" nextAc="seek">
+              <p:cTn id="2" dur="indefinite" nodeType="mainSeq">
+                <p:childTnLst>
+                  <p:par>
+                    <p:cTn id="3" fill="hold">
+                      <p:stCondLst>
+                        <p:cond delay="indefinite"/>
+                      </p:stCondLst>
+                      <p:childTnLst>
+                        <p:par>
+                          <p:cTn id="4" fill="hold">
+                            <p:stCondLst>
+                              <p:cond delay="0"/>
+                            </p:stCondLst>
+                            <p:childTnLst>
+                              <p:par>
+                                <p:cTn id="5" presetID="6" presetClass="entr" presetSubtype="16" fill="hold" nodeType="clickEffect">
+                                  <p:stCondLst>
+                                    <p:cond delay="0"/>
+                                  </p:stCondLst>
+                                  <p:childTnLst>
+                                    <p:set>
+                                      <p:cBhvr>
+                                        <p:cTn id="6" dur="1" fill="hold">
+                                          <p:stCondLst>
+                                            <p:cond delay="0"/>
+                                          </p:stCondLst>
+                                        </p:cTn>
+                                        <p:tgtEl>
+                                          <p:spTgt spid="5">
+                                            <p:txEl>
+                                              <p:pRg st="0" end="0"/>
+                                            </p:txEl>
+                                          </p:spTgt>
+                                        </p:tgtEl>
+                                        <p:attrNameLst>
+                                          <p:attrName>style.visibility</p:attrName>
+                                        </p:attrNameLst>
+                                      </p:cBhvr>
+                                      <p:to>
+                                        <p:strVal val="visible"/>
+                                      </p:to>
+                                    </p:set>
+                                    <p:animEffect transition="in" filter="circle(in)">
+                                      <p:cBhvr>
+                                        <p:cTn id="7" dur="2000"/>
+                                        <p:tgtEl>
+                                          <p:spTgt spid="5">
+                                            <p:txEl>
+                                              <p:pRg st="0" end="0"/>
+                                            </p:txEl>
+                                          </p:spTgt>
+                                        </p:tgtEl>
+                                      </p:cBhvr>
+                                    </p:animEffect>
+                                  </p:childTnLst>
+                                </p:cTn>
+                              </p:par>
+                            </p:childTnLst>
+                          </p:cTn>
+                        </p:par>
+                      </p:childTnLst>
+                    </p:cTn>
+                  </p:par>
+                </p:childTnLst>
+              </p:cTn>
+              <p:prevCondLst>
+                <p:cond evt="onPrev" delay="0">
+                  <p:tgtEl>
+                    <p:sldTgt/>
+                  </p:tgtEl>
+                </p:cond>
+              </p:prevCondLst>
+              <p:nextCondLst>
+                <p:cond evt="onNext" delay="0">
+                  <p:tgtEl>
+                    <p:sldTgt/>
+                  </p:tgtEl>
+                </p:cond>
+              </p:nextCondLst>
+            </p:seq>
+          </p:childTnLst>
+        </p:cTn>
+      </p:par>
+    </p:tnLst>
+  </p:timing>
+</p:sld>
+</file>
+
+<file path=ppt/slides/slide12.xml><?xml version="1.0" encoding="utf-8"?>
 <p:sld xmlns:a="http://schemas.openxmlformats.org/drawingml/2006/main" xmlns:r="http://schemas.openxmlformats.org/officeDocument/2006/relationships" xmlns:p="http://schemas.openxmlformats.org/presentationml/2006/main">
   <p:cSld>
     <p:spTree>
@@ -1940,423 +2052,6 @@
           <a:lstStyle/>
           <a:p>
             <a:r>
-              <a:rPr lang="en-US" dirty="0"/>
-              <a:t>Machine Learning RULES</a:t>
-            </a:r>
-          </a:p>
-        </p:txBody>
-      </p:sp>
-      <p:sp>
-        <p:nvSpPr>
-          <p:cNvPr id="5" name="Espace réservé du contenu 4"/>
-          <p:cNvSpPr>
-            <a:spLocks noGrp="1"/>
-          </p:cNvSpPr>
-          <p:nvPr>
-            <p:ph idx="1"/>
-          </p:nvPr>
-        </p:nvSpPr>
-        <p:spPr/>
-        <p:txBody>
-          <a:bodyPr>
-            <a:normAutofit/>
-          </a:bodyPr>
-          <a:lstStyle/>
-          <a:p>
-            <a:pPr marL="0" indent="0">
-              <a:buSzPct val="45000"/>
-              <a:buNone/>
-            </a:pPr>
-            <a:r>
-              <a:rPr lang="fr-FR" b="1" dirty="0" smtClean="0">
-                <a:latin typeface="FreeMono" pitchFamily="49"/>
-              </a:rPr>
-              <a:t>3.PERFORMANCE</a:t>
-            </a:r>
-          </a:p>
-          <a:p>
-            <a:pPr lvl="1">
-              <a:buSzPct val="45000"/>
-              <a:buFont typeface="StarSymbol"/>
-              <a:buChar char="●"/>
-            </a:pPr>
-            <a:r>
-              <a:rPr lang="en-US" sz="2400" b="1" dirty="0" smtClean="0">
-                <a:latin typeface="FreeMono" pitchFamily="49"/>
-              </a:rPr>
-              <a:t>Success percent</a:t>
-            </a:r>
-            <a:endParaRPr lang="en-US" sz="2000" b="1" dirty="0">
-              <a:latin typeface="FreeMono" pitchFamily="49"/>
-            </a:endParaRPr>
-          </a:p>
-          <a:p>
-            <a:pPr lvl="1">
-              <a:buSzPct val="45000"/>
-              <a:buFont typeface="StarSymbol"/>
-              <a:buChar char="●"/>
-            </a:pPr>
-            <a:r>
-              <a:rPr lang="en-US" sz="2000" b="1" dirty="0" smtClean="0">
-                <a:latin typeface="FreeMono" pitchFamily="49"/>
-              </a:rPr>
-              <a:t>Performance = F(</a:t>
-            </a:r>
-            <a:r>
-              <a:rPr lang="en-US" sz="2000" b="1" dirty="0" err="1" smtClean="0">
-                <a:latin typeface="FreeMono" pitchFamily="49"/>
-              </a:rPr>
-              <a:t>Experence</a:t>
-            </a:r>
-            <a:r>
-              <a:rPr lang="en-US" sz="2000" b="1" dirty="0" smtClean="0">
-                <a:latin typeface="FreeMono" pitchFamily="49"/>
-              </a:rPr>
-              <a:t>)</a:t>
-            </a:r>
-          </a:p>
-          <a:p>
-            <a:pPr lvl="1">
-              <a:buSzPct val="45000"/>
-              <a:buFont typeface="StarSymbol"/>
-              <a:buChar char="●"/>
-            </a:pPr>
-            <a:r>
-              <a:rPr lang="en-US" sz="2000" b="1" dirty="0" smtClean="0">
-                <a:latin typeface="FreeMono" pitchFamily="49"/>
-              </a:rPr>
-              <a:t>P1 &lt; P2 &lt; … &lt; PN</a:t>
-            </a:r>
-            <a:endParaRPr lang="fr-FR" sz="2000" b="1" dirty="0">
-              <a:latin typeface="FreeMono" pitchFamily="49"/>
-            </a:endParaRPr>
-          </a:p>
-          <a:p>
-            <a:endParaRPr lang="en-US" dirty="0"/>
-          </a:p>
-        </p:txBody>
-      </p:sp>
-      <p:pic>
-        <p:nvPicPr>
-          <p:cNvPr id="8" name="Espace réservé du contenu 7"/>
-          <p:cNvPicPr>
-            <a:picLocks noGrp="1" noChangeAspect="1"/>
-          </p:cNvPicPr>
-          <p:nvPr>
-            <p:ph idx="10"/>
-          </p:nvPr>
-        </p:nvPicPr>
-        <p:blipFill>
-          <a:blip r:embed="rId3">
-            <a:extLst>
-              <a:ext uri="{28A0092B-C50C-407E-A947-70E740481C1C}">
-                <a14:useLocalDpi xmlns:a14="http://schemas.microsoft.com/office/drawing/2010/main" val="0"/>
-              </a:ext>
-            </a:extLst>
-          </a:blip>
-          <a:stretch>
-            <a:fillRect/>
-          </a:stretch>
-        </p:blipFill>
-        <p:spPr>
-          <a:xfrm>
-            <a:off x="4576763" y="925514"/>
-            <a:ext cx="4343400" cy="3483648"/>
-          </a:xfrm>
-        </p:spPr>
-      </p:pic>
-    </p:spTree>
-    <p:extLst>
-      <p:ext uri="{BB962C8B-B14F-4D97-AF65-F5344CB8AC3E}">
-        <p14:creationId xmlns:p14="http://schemas.microsoft.com/office/powerpoint/2010/main" val="3589266335"/>
-      </p:ext>
-    </p:extLst>
-  </p:cSld>
-  <p:clrMapOvr>
-    <a:masterClrMapping/>
-  </p:clrMapOvr>
-  <p:timing>
-    <p:tnLst>
-      <p:par>
-        <p:cTn id="1" dur="indefinite" restart="never" nodeType="tmRoot"/>
-      </p:par>
-    </p:tnLst>
-  </p:timing>
-</p:sld>
-</file>
-
-<file path=ppt/slides/slide12.xml><?xml version="1.0" encoding="utf-8"?>
-<p:sld xmlns:a="http://schemas.openxmlformats.org/drawingml/2006/main" xmlns:r="http://schemas.openxmlformats.org/officeDocument/2006/relationships" xmlns:p="http://schemas.openxmlformats.org/presentationml/2006/main">
-  <p:cSld>
-    <p:bg>
-      <p:bgPr>
-        <a:solidFill>
-          <a:schemeClr val="tx1"/>
-        </a:solidFill>
-        <a:effectLst/>
-      </p:bgPr>
-    </p:bg>
-    <p:spTree>
-      <p:nvGrpSpPr>
-        <p:cNvPr id="1" name=""/>
-        <p:cNvGrpSpPr/>
-        <p:nvPr/>
-      </p:nvGrpSpPr>
-      <p:grpSpPr>
-        <a:xfrm>
-          <a:off x="0" y="0"/>
-          <a:ext cx="0" cy="0"/>
-          <a:chOff x="0" y="0"/>
-          <a:chExt cx="0" cy="0"/>
-        </a:xfrm>
-      </p:grpSpPr>
-      <p:sp>
-        <p:nvSpPr>
-          <p:cNvPr id="4" name="Titre 3"/>
-          <p:cNvSpPr>
-            <a:spLocks noGrp="1"/>
-          </p:cNvSpPr>
-          <p:nvPr>
-            <p:ph type="ctrTitle"/>
-          </p:nvPr>
-        </p:nvSpPr>
-        <p:spPr/>
-        <p:txBody>
-          <a:bodyPr>
-            <a:normAutofit/>
-          </a:bodyPr>
-          <a:lstStyle/>
-          <a:p>
-            <a:r>
-              <a:rPr lang="en-US" sz="6000" dirty="0" smtClean="0">
-                <a:solidFill>
-                  <a:schemeClr val="bg1"/>
-                </a:solidFill>
-              </a:rPr>
-              <a:t>Category</a:t>
-            </a:r>
-            <a:endParaRPr lang="en-US" sz="6000" dirty="0">
-              <a:solidFill>
-                <a:schemeClr val="bg1"/>
-              </a:solidFill>
-            </a:endParaRPr>
-          </a:p>
-        </p:txBody>
-      </p:sp>
-      <p:sp>
-        <p:nvSpPr>
-          <p:cNvPr id="5" name="Sous-titre 4"/>
-          <p:cNvSpPr>
-            <a:spLocks noGrp="1"/>
-          </p:cNvSpPr>
-          <p:nvPr>
-            <p:ph type="subTitle" idx="1"/>
-          </p:nvPr>
-        </p:nvSpPr>
-        <p:spPr/>
-        <p:txBody>
-          <a:bodyPr>
-            <a:normAutofit/>
-          </a:bodyPr>
-          <a:lstStyle/>
-          <a:p>
-            <a:r>
-              <a:rPr lang="en-US" sz="2800" dirty="0" smtClean="0">
-                <a:solidFill>
-                  <a:schemeClr val="bg1"/>
-                </a:solidFill>
-              </a:rPr>
-              <a:t>Types </a:t>
-            </a:r>
-            <a:r>
-              <a:rPr lang="en-US" sz="2800" dirty="0" err="1" smtClean="0">
-                <a:solidFill>
-                  <a:schemeClr val="bg1"/>
-                </a:solidFill>
-              </a:rPr>
-              <a:t>d’apprentissages</a:t>
-            </a:r>
-            <a:endParaRPr lang="en-US" sz="2800" dirty="0">
-              <a:solidFill>
-                <a:schemeClr val="bg1"/>
-              </a:solidFill>
-            </a:endParaRPr>
-          </a:p>
-        </p:txBody>
-      </p:sp>
-    </p:spTree>
-    <p:extLst>
-      <p:ext uri="{BB962C8B-B14F-4D97-AF65-F5344CB8AC3E}">
-        <p14:creationId xmlns:p14="http://schemas.microsoft.com/office/powerpoint/2010/main" val="1242280120"/>
-      </p:ext>
-    </p:extLst>
-  </p:cSld>
-  <p:clrMapOvr>
-    <a:masterClrMapping/>
-  </p:clrMapOvr>
-  <p:timing>
-    <p:tnLst>
-      <p:par>
-        <p:cTn id="1" dur="indefinite" restart="never" nodeType="tmRoot">
-          <p:childTnLst>
-            <p:seq concurrent="1" nextAc="seek">
-              <p:cTn id="2" dur="indefinite" nodeType="mainSeq">
-                <p:childTnLst>
-                  <p:par>
-                    <p:cTn id="3" fill="hold">
-                      <p:stCondLst>
-                        <p:cond delay="indefinite"/>
-                      </p:stCondLst>
-                      <p:childTnLst>
-                        <p:par>
-                          <p:cTn id="4" fill="hold">
-                            <p:stCondLst>
-                              <p:cond delay="0"/>
-                            </p:stCondLst>
-                            <p:childTnLst>
-                              <p:par>
-                                <p:cTn id="5" presetID="6" presetClass="entr" presetSubtype="16" fill="hold" nodeType="clickEffect">
-                                  <p:stCondLst>
-                                    <p:cond delay="0"/>
-                                  </p:stCondLst>
-                                  <p:childTnLst>
-                                    <p:set>
-                                      <p:cBhvr>
-                                        <p:cTn id="6" dur="1" fill="hold">
-                                          <p:stCondLst>
-                                            <p:cond delay="0"/>
-                                          </p:stCondLst>
-                                        </p:cTn>
-                                        <p:tgtEl>
-                                          <p:spTgt spid="5">
-                                            <p:txEl>
-                                              <p:pRg st="0" end="0"/>
-                                            </p:txEl>
-                                          </p:spTgt>
-                                        </p:tgtEl>
-                                        <p:attrNameLst>
-                                          <p:attrName>style.visibility</p:attrName>
-                                        </p:attrNameLst>
-                                      </p:cBhvr>
-                                      <p:to>
-                                        <p:strVal val="visible"/>
-                                      </p:to>
-                                    </p:set>
-                                    <p:animEffect transition="in" filter="circle(in)">
-                                      <p:cBhvr>
-                                        <p:cTn id="7" dur="2000"/>
-                                        <p:tgtEl>
-                                          <p:spTgt spid="5">
-                                            <p:txEl>
-                                              <p:pRg st="0" end="0"/>
-                                            </p:txEl>
-                                          </p:spTgt>
-                                        </p:tgtEl>
-                                      </p:cBhvr>
-                                    </p:animEffect>
-                                  </p:childTnLst>
-                                </p:cTn>
-                              </p:par>
-                            </p:childTnLst>
-                          </p:cTn>
-                        </p:par>
-                      </p:childTnLst>
-                    </p:cTn>
-                  </p:par>
-                </p:childTnLst>
-              </p:cTn>
-              <p:prevCondLst>
-                <p:cond evt="onPrev" delay="0">
-                  <p:tgtEl>
-                    <p:sldTgt/>
-                  </p:tgtEl>
-                </p:cond>
-              </p:prevCondLst>
-              <p:nextCondLst>
-                <p:cond evt="onNext" delay="0">
-                  <p:tgtEl>
-                    <p:sldTgt/>
-                  </p:tgtEl>
-                </p:cond>
-              </p:nextCondLst>
-            </p:seq>
-          </p:childTnLst>
-        </p:cTn>
-      </p:par>
-    </p:tnLst>
-  </p:timing>
-</p:sld>
-</file>
-
-<file path=ppt/slides/slide13.xml><?xml version="1.0" encoding="utf-8"?>
-<p:sld xmlns:a="http://schemas.openxmlformats.org/drawingml/2006/main" xmlns:r="http://schemas.openxmlformats.org/officeDocument/2006/relationships" xmlns:p="http://schemas.openxmlformats.org/presentationml/2006/main">
-  <p:cSld>
-    <p:spTree>
-      <p:nvGrpSpPr>
-        <p:cNvPr id="1" name=""/>
-        <p:cNvGrpSpPr/>
-        <p:nvPr/>
-      </p:nvGrpSpPr>
-      <p:grpSpPr>
-        <a:xfrm>
-          <a:off x="0" y="0"/>
-          <a:ext cx="0" cy="0"/>
-          <a:chOff x="0" y="0"/>
-          <a:chExt cx="0" cy="0"/>
-        </a:xfrm>
-      </p:grpSpPr>
-      <p:pic>
-        <p:nvPicPr>
-          <p:cNvPr id="3" name="Picture 2">
-            <a:extLst>
-              <a:ext uri="{FF2B5EF4-FFF2-40B4-BE49-F238E27FC236}">
-                <a16:creationId xmlns:a16="http://schemas.microsoft.com/office/drawing/2014/main" xmlns="" id="{7E4ED65F-B8F7-C24A-8BF3-835815BCD9A2}"/>
-              </a:ext>
-            </a:extLst>
-          </p:cNvPr>
-          <p:cNvPicPr>
-            <a:picLocks noChangeAspect="1"/>
-          </p:cNvPicPr>
-          <p:nvPr/>
-        </p:nvPicPr>
-        <p:blipFill>
-          <a:blip r:embed="rId2"/>
-          <a:stretch>
-            <a:fillRect/>
-          </a:stretch>
-        </p:blipFill>
-        <p:spPr>
-          <a:xfrm>
-            <a:off x="0" y="0"/>
-            <a:ext cx="9144000" cy="5143500"/>
-          </a:xfrm>
-          <a:prstGeom prst="rect">
-            <a:avLst/>
-          </a:prstGeom>
-        </p:spPr>
-      </p:pic>
-      <p:sp>
-        <p:nvSpPr>
-          <p:cNvPr id="4" name="Title 3"/>
-          <p:cNvSpPr>
-            <a:spLocks noGrp="1"/>
-          </p:cNvSpPr>
-          <p:nvPr>
-            <p:ph type="title"/>
-          </p:nvPr>
-        </p:nvSpPr>
-        <p:spPr>
-          <a:prstGeom prst="rect">
-            <a:avLst/>
-          </a:prstGeom>
-        </p:spPr>
-        <p:txBody>
-          <a:bodyPr>
-            <a:normAutofit fontScale="90000"/>
-          </a:bodyPr>
-          <a:lstStyle/>
-          <a:p>
-            <a:r>
               <a:rPr lang="en-US" dirty="0" smtClean="0"/>
               <a:t>Machine Learning Category</a:t>
             </a:r>
@@ -3293,7 +2988,7 @@
 </p:sld>
 </file>
 
-<file path=ppt/slides/slide14.xml><?xml version="1.0" encoding="utf-8"?>
+<file path=ppt/slides/slide13.xml><?xml version="1.0" encoding="utf-8"?>
 <p:sld xmlns:a="http://schemas.openxmlformats.org/drawingml/2006/main" xmlns:r="http://schemas.openxmlformats.org/officeDocument/2006/relationships" xmlns:p="http://schemas.openxmlformats.org/presentationml/2006/main">
   <p:cSld>
     <p:bg>
@@ -3470,6 +3165,276 @@
                                         </p:tgtEl>
                                       </p:cBhvr>
                                     </p:animEffect>
+                                  </p:childTnLst>
+                                </p:cTn>
+                              </p:par>
+                            </p:childTnLst>
+                          </p:cTn>
+                        </p:par>
+                      </p:childTnLst>
+                    </p:cTn>
+                  </p:par>
+                </p:childTnLst>
+              </p:cTn>
+              <p:prevCondLst>
+                <p:cond evt="onPrev" delay="0">
+                  <p:tgtEl>
+                    <p:sldTgt/>
+                  </p:tgtEl>
+                </p:cond>
+              </p:prevCondLst>
+              <p:nextCondLst>
+                <p:cond evt="onNext" delay="0">
+                  <p:tgtEl>
+                    <p:sldTgt/>
+                  </p:tgtEl>
+                </p:cond>
+              </p:nextCondLst>
+            </p:seq>
+          </p:childTnLst>
+        </p:cTn>
+      </p:par>
+    </p:tnLst>
+  </p:timing>
+</p:sld>
+</file>
+
+<file path=ppt/slides/slide14.xml><?xml version="1.0" encoding="utf-8"?>
+<p:sld xmlns:a="http://schemas.openxmlformats.org/drawingml/2006/main" xmlns:r="http://schemas.openxmlformats.org/officeDocument/2006/relationships" xmlns:p="http://schemas.openxmlformats.org/presentationml/2006/main">
+  <p:cSld>
+    <p:spTree>
+      <p:nvGrpSpPr>
+        <p:cNvPr id="1" name=""/>
+        <p:cNvGrpSpPr/>
+        <p:nvPr/>
+      </p:nvGrpSpPr>
+      <p:grpSpPr>
+        <a:xfrm>
+          <a:off x="0" y="0"/>
+          <a:ext cx="0" cy="0"/>
+          <a:chOff x="0" y="0"/>
+          <a:chExt cx="0" cy="0"/>
+        </a:xfrm>
+      </p:grpSpPr>
+      <p:pic>
+        <p:nvPicPr>
+          <p:cNvPr id="3" name="Picture 2">
+            <a:extLst>
+              <a:ext uri="{FF2B5EF4-FFF2-40B4-BE49-F238E27FC236}">
+                <a16:creationId xmlns:a16="http://schemas.microsoft.com/office/drawing/2014/main" xmlns="" id="{2A456100-564B-3744-BE2D-55C75AE036BE}"/>
+              </a:ext>
+            </a:extLst>
+          </p:cNvPr>
+          <p:cNvPicPr>
+            <a:picLocks noChangeAspect="1"/>
+          </p:cNvPicPr>
+          <p:nvPr/>
+        </p:nvPicPr>
+        <p:blipFill>
+          <a:blip r:embed="rId2"/>
+          <a:stretch>
+            <a:fillRect/>
+          </a:stretch>
+        </p:blipFill>
+        <p:spPr>
+          <a:xfrm>
+            <a:off x="0" y="0"/>
+            <a:ext cx="9144000" cy="5143500"/>
+          </a:xfrm>
+          <a:prstGeom prst="rect">
+            <a:avLst/>
+          </a:prstGeom>
+        </p:spPr>
+      </p:pic>
+      <p:sp>
+        <p:nvSpPr>
+          <p:cNvPr id="5" name="Content Placeholder 4"/>
+          <p:cNvSpPr>
+            <a:spLocks noGrp="1"/>
+          </p:cNvSpPr>
+          <p:nvPr>
+            <p:ph idx="1"/>
+          </p:nvPr>
+        </p:nvSpPr>
+        <p:spPr/>
+        <p:txBody>
+          <a:bodyPr>
+            <a:normAutofit/>
+          </a:bodyPr>
+          <a:lstStyle/>
+          <a:p>
+            <a:pPr lvl="0">
+              <a:buSzPct val="45000"/>
+              <a:buFont typeface="StarSymbol"/>
+              <a:buChar char="●"/>
+            </a:pPr>
+            <a:r>
+              <a:rPr lang="fr-FR" dirty="0"/>
+              <a:t>L</a:t>
+            </a:r>
+            <a:r>
+              <a:rPr lang="fr-FR" dirty="0" smtClean="0"/>
+              <a:t>'apprentissage </a:t>
+            </a:r>
+            <a:r>
+              <a:rPr lang="fr-FR" dirty="0"/>
+              <a:t>supervisé est une tâche d'apprentissage automatique consistant à apprendre une fonction de prédiction à partir d'exemples annotés, au contraire de l'apprentissage non supervisé. On distingue les problèmes de régression des problèmes de classement. </a:t>
+            </a:r>
+            <a:r>
+              <a:rPr lang="fr-FR" dirty="0">
+                <a:hlinkClick r:id="rId3"/>
+              </a:rPr>
+              <a:t>Wikipédia</a:t>
+            </a:r>
+            <a:endParaRPr lang="fr-FR" dirty="0"/>
+          </a:p>
+        </p:txBody>
+      </p:sp>
+      <p:sp>
+        <p:nvSpPr>
+          <p:cNvPr id="4" name="Title 3"/>
+          <p:cNvSpPr>
+            <a:spLocks noGrp="1"/>
+          </p:cNvSpPr>
+          <p:nvPr>
+            <p:ph type="title"/>
+          </p:nvPr>
+        </p:nvSpPr>
+        <p:spPr>
+          <a:xfrm>
+            <a:off x="233169" y="141555"/>
+            <a:ext cx="6362158" cy="406715"/>
+          </a:xfrm>
+          <a:prstGeom prst="rect">
+            <a:avLst/>
+          </a:prstGeom>
+        </p:spPr>
+        <p:txBody>
+          <a:bodyPr>
+            <a:normAutofit fontScale="90000"/>
+          </a:bodyPr>
+          <a:lstStyle/>
+          <a:p>
+            <a:r>
+              <a:rPr lang="en-US" dirty="0" smtClean="0"/>
+              <a:t>Supervised</a:t>
+            </a:r>
+            <a:endParaRPr lang="en-US" dirty="0"/>
+          </a:p>
+        </p:txBody>
+      </p:sp>
+    </p:spTree>
+    <p:extLst>
+      <p:ext uri="{BB962C8B-B14F-4D97-AF65-F5344CB8AC3E}">
+        <p14:creationId xmlns:p14="http://schemas.microsoft.com/office/powerpoint/2010/main" val="2186973123"/>
+      </p:ext>
+    </p:extLst>
+  </p:cSld>
+  <p:clrMapOvr>
+    <a:masterClrMapping/>
+  </p:clrMapOvr>
+  <p:timing>
+    <p:tnLst>
+      <p:par>
+        <p:cTn id="1" dur="indefinite" restart="never" nodeType="tmRoot">
+          <p:childTnLst>
+            <p:seq concurrent="1" nextAc="seek">
+              <p:cTn id="2" dur="indefinite" nodeType="mainSeq">
+                <p:childTnLst>
+                  <p:par>
+                    <p:cTn id="3" fill="hold">
+                      <p:stCondLst>
+                        <p:cond delay="indefinite"/>
+                      </p:stCondLst>
+                      <p:childTnLst>
+                        <p:par>
+                          <p:cTn id="4" fill="hold">
+                            <p:stCondLst>
+                              <p:cond delay="0"/>
+                            </p:stCondLst>
+                            <p:childTnLst>
+                              <p:par>
+                                <p:cTn id="5" presetID="2" presetClass="entr" presetSubtype="4" fill="hold" nodeType="clickEffect">
+                                  <p:stCondLst>
+                                    <p:cond delay="0"/>
+                                  </p:stCondLst>
+                                  <p:childTnLst>
+                                    <p:set>
+                                      <p:cBhvr>
+                                        <p:cTn id="6" dur="1" fill="hold">
+                                          <p:stCondLst>
+                                            <p:cond delay="0"/>
+                                          </p:stCondLst>
+                                        </p:cTn>
+                                        <p:tgtEl>
+                                          <p:spTgt spid="5">
+                                            <p:txEl>
+                                              <p:pRg st="0" end="0"/>
+                                            </p:txEl>
+                                          </p:spTgt>
+                                        </p:tgtEl>
+                                        <p:attrNameLst>
+                                          <p:attrName>style.visibility</p:attrName>
+                                        </p:attrNameLst>
+                                      </p:cBhvr>
+                                      <p:to>
+                                        <p:strVal val="visible"/>
+                                      </p:to>
+                                    </p:set>
+                                    <p:anim calcmode="lin" valueType="num">
+                                      <p:cBhvr additive="base">
+                                        <p:cTn id="7" dur="500" fill="hold"/>
+                                        <p:tgtEl>
+                                          <p:spTgt spid="5">
+                                            <p:txEl>
+                                              <p:pRg st="0" end="0"/>
+                                            </p:txEl>
+                                          </p:spTgt>
+                                        </p:tgtEl>
+                                        <p:attrNameLst>
+                                          <p:attrName>ppt_x</p:attrName>
+                                        </p:attrNameLst>
+                                      </p:cBhvr>
+                                      <p:tavLst>
+                                        <p:tav tm="0">
+                                          <p:val>
+                                            <p:strVal val="#ppt_x"/>
+                                          </p:val>
+                                        </p:tav>
+                                        <p:tav tm="100000">
+                                          <p:val>
+                                            <p:strVal val="#ppt_x"/>
+                                          </p:val>
+                                        </p:tav>
+                                      </p:tavLst>
+                                    </p:anim>
+                                    <p:anim calcmode="lin" valueType="num">
+                                      <p:cBhvr additive="base">
+                                        <p:cTn id="8" dur="500" fill="hold"/>
+                                        <p:tgtEl>
+                                          <p:spTgt spid="5">
+                                            <p:txEl>
+                                              <p:pRg st="0" end="0"/>
+                                            </p:txEl>
+                                          </p:spTgt>
+                                        </p:tgtEl>
+                                        <p:attrNameLst>
+                                          <p:attrName>ppt_y</p:attrName>
+                                        </p:attrNameLst>
+                                      </p:cBhvr>
+                                      <p:tavLst>
+                                        <p:tav tm="0">
+                                          <p:val>
+                                            <p:strVal val="1+#ppt_h/2"/>
+                                          </p:val>
+                                        </p:tav>
+                                        <p:tav tm="100000">
+                                          <p:val>
+                                            <p:strVal val="#ppt_y"/>
+                                          </p:val>
+                                        </p:tav>
+                                      </p:tavLst>
+                                    </p:anim>
                                   </p:childTnLst>
                                 </p:cTn>
                               </p:par>
@@ -3575,276 +3540,6 @@
             </a:pPr>
             <a:r>
               <a:rPr lang="fr-FR" dirty="0"/>
-              <a:t>L</a:t>
-            </a:r>
-            <a:r>
-              <a:rPr lang="fr-FR" dirty="0" smtClean="0"/>
-              <a:t>'apprentissage </a:t>
-            </a:r>
-            <a:r>
-              <a:rPr lang="fr-FR" dirty="0"/>
-              <a:t>supervisé est une tâche d'apprentissage automatique consistant à apprendre une fonction de prédiction à partir d'exemples annotés, au contraire de l'apprentissage non supervisé. On distingue les problèmes de régression des problèmes de classement. </a:t>
-            </a:r>
-            <a:r>
-              <a:rPr lang="fr-FR" dirty="0">
-                <a:hlinkClick r:id="rId3"/>
-              </a:rPr>
-              <a:t>Wikipédia</a:t>
-            </a:r>
-            <a:endParaRPr lang="fr-FR" dirty="0"/>
-          </a:p>
-        </p:txBody>
-      </p:sp>
-      <p:sp>
-        <p:nvSpPr>
-          <p:cNvPr id="4" name="Title 3"/>
-          <p:cNvSpPr>
-            <a:spLocks noGrp="1"/>
-          </p:cNvSpPr>
-          <p:nvPr>
-            <p:ph type="title"/>
-          </p:nvPr>
-        </p:nvSpPr>
-        <p:spPr>
-          <a:xfrm>
-            <a:off x="233169" y="141555"/>
-            <a:ext cx="6362158" cy="406715"/>
-          </a:xfrm>
-          <a:prstGeom prst="rect">
-            <a:avLst/>
-          </a:prstGeom>
-        </p:spPr>
-        <p:txBody>
-          <a:bodyPr>
-            <a:normAutofit fontScale="90000"/>
-          </a:bodyPr>
-          <a:lstStyle/>
-          <a:p>
-            <a:r>
-              <a:rPr lang="en-US" dirty="0" smtClean="0"/>
-              <a:t>Supervised</a:t>
-            </a:r>
-            <a:endParaRPr lang="en-US" dirty="0"/>
-          </a:p>
-        </p:txBody>
-      </p:sp>
-    </p:spTree>
-    <p:extLst>
-      <p:ext uri="{BB962C8B-B14F-4D97-AF65-F5344CB8AC3E}">
-        <p14:creationId xmlns:p14="http://schemas.microsoft.com/office/powerpoint/2010/main" val="2186973123"/>
-      </p:ext>
-    </p:extLst>
-  </p:cSld>
-  <p:clrMapOvr>
-    <a:masterClrMapping/>
-  </p:clrMapOvr>
-  <p:timing>
-    <p:tnLst>
-      <p:par>
-        <p:cTn id="1" dur="indefinite" restart="never" nodeType="tmRoot">
-          <p:childTnLst>
-            <p:seq concurrent="1" nextAc="seek">
-              <p:cTn id="2" dur="indefinite" nodeType="mainSeq">
-                <p:childTnLst>
-                  <p:par>
-                    <p:cTn id="3" fill="hold">
-                      <p:stCondLst>
-                        <p:cond delay="indefinite"/>
-                      </p:stCondLst>
-                      <p:childTnLst>
-                        <p:par>
-                          <p:cTn id="4" fill="hold">
-                            <p:stCondLst>
-                              <p:cond delay="0"/>
-                            </p:stCondLst>
-                            <p:childTnLst>
-                              <p:par>
-                                <p:cTn id="5" presetID="2" presetClass="entr" presetSubtype="4" fill="hold" nodeType="clickEffect">
-                                  <p:stCondLst>
-                                    <p:cond delay="0"/>
-                                  </p:stCondLst>
-                                  <p:childTnLst>
-                                    <p:set>
-                                      <p:cBhvr>
-                                        <p:cTn id="6" dur="1" fill="hold">
-                                          <p:stCondLst>
-                                            <p:cond delay="0"/>
-                                          </p:stCondLst>
-                                        </p:cTn>
-                                        <p:tgtEl>
-                                          <p:spTgt spid="5">
-                                            <p:txEl>
-                                              <p:pRg st="0" end="0"/>
-                                            </p:txEl>
-                                          </p:spTgt>
-                                        </p:tgtEl>
-                                        <p:attrNameLst>
-                                          <p:attrName>style.visibility</p:attrName>
-                                        </p:attrNameLst>
-                                      </p:cBhvr>
-                                      <p:to>
-                                        <p:strVal val="visible"/>
-                                      </p:to>
-                                    </p:set>
-                                    <p:anim calcmode="lin" valueType="num">
-                                      <p:cBhvr additive="base">
-                                        <p:cTn id="7" dur="500" fill="hold"/>
-                                        <p:tgtEl>
-                                          <p:spTgt spid="5">
-                                            <p:txEl>
-                                              <p:pRg st="0" end="0"/>
-                                            </p:txEl>
-                                          </p:spTgt>
-                                        </p:tgtEl>
-                                        <p:attrNameLst>
-                                          <p:attrName>ppt_x</p:attrName>
-                                        </p:attrNameLst>
-                                      </p:cBhvr>
-                                      <p:tavLst>
-                                        <p:tav tm="0">
-                                          <p:val>
-                                            <p:strVal val="#ppt_x"/>
-                                          </p:val>
-                                        </p:tav>
-                                        <p:tav tm="100000">
-                                          <p:val>
-                                            <p:strVal val="#ppt_x"/>
-                                          </p:val>
-                                        </p:tav>
-                                      </p:tavLst>
-                                    </p:anim>
-                                    <p:anim calcmode="lin" valueType="num">
-                                      <p:cBhvr additive="base">
-                                        <p:cTn id="8" dur="500" fill="hold"/>
-                                        <p:tgtEl>
-                                          <p:spTgt spid="5">
-                                            <p:txEl>
-                                              <p:pRg st="0" end="0"/>
-                                            </p:txEl>
-                                          </p:spTgt>
-                                        </p:tgtEl>
-                                        <p:attrNameLst>
-                                          <p:attrName>ppt_y</p:attrName>
-                                        </p:attrNameLst>
-                                      </p:cBhvr>
-                                      <p:tavLst>
-                                        <p:tav tm="0">
-                                          <p:val>
-                                            <p:strVal val="1+#ppt_h/2"/>
-                                          </p:val>
-                                        </p:tav>
-                                        <p:tav tm="100000">
-                                          <p:val>
-                                            <p:strVal val="#ppt_y"/>
-                                          </p:val>
-                                        </p:tav>
-                                      </p:tavLst>
-                                    </p:anim>
-                                  </p:childTnLst>
-                                </p:cTn>
-                              </p:par>
-                            </p:childTnLst>
-                          </p:cTn>
-                        </p:par>
-                      </p:childTnLst>
-                    </p:cTn>
-                  </p:par>
-                </p:childTnLst>
-              </p:cTn>
-              <p:prevCondLst>
-                <p:cond evt="onPrev" delay="0">
-                  <p:tgtEl>
-                    <p:sldTgt/>
-                  </p:tgtEl>
-                </p:cond>
-              </p:prevCondLst>
-              <p:nextCondLst>
-                <p:cond evt="onNext" delay="0">
-                  <p:tgtEl>
-                    <p:sldTgt/>
-                  </p:tgtEl>
-                </p:cond>
-              </p:nextCondLst>
-            </p:seq>
-          </p:childTnLst>
-        </p:cTn>
-      </p:par>
-    </p:tnLst>
-  </p:timing>
-</p:sld>
-</file>
-
-<file path=ppt/slides/slide16.xml><?xml version="1.0" encoding="utf-8"?>
-<p:sld xmlns:a="http://schemas.openxmlformats.org/drawingml/2006/main" xmlns:r="http://schemas.openxmlformats.org/officeDocument/2006/relationships" xmlns:p="http://schemas.openxmlformats.org/presentationml/2006/main">
-  <p:cSld>
-    <p:spTree>
-      <p:nvGrpSpPr>
-        <p:cNvPr id="1" name=""/>
-        <p:cNvGrpSpPr/>
-        <p:nvPr/>
-      </p:nvGrpSpPr>
-      <p:grpSpPr>
-        <a:xfrm>
-          <a:off x="0" y="0"/>
-          <a:ext cx="0" cy="0"/>
-          <a:chOff x="0" y="0"/>
-          <a:chExt cx="0" cy="0"/>
-        </a:xfrm>
-      </p:grpSpPr>
-      <p:pic>
-        <p:nvPicPr>
-          <p:cNvPr id="3" name="Picture 2">
-            <a:extLst>
-              <a:ext uri="{FF2B5EF4-FFF2-40B4-BE49-F238E27FC236}">
-                <a16:creationId xmlns:a16="http://schemas.microsoft.com/office/drawing/2014/main" xmlns="" id="{2A456100-564B-3744-BE2D-55C75AE036BE}"/>
-              </a:ext>
-            </a:extLst>
-          </p:cNvPr>
-          <p:cNvPicPr>
-            <a:picLocks noChangeAspect="1"/>
-          </p:cNvPicPr>
-          <p:nvPr/>
-        </p:nvPicPr>
-        <p:blipFill>
-          <a:blip r:embed="rId2"/>
-          <a:stretch>
-            <a:fillRect/>
-          </a:stretch>
-        </p:blipFill>
-        <p:spPr>
-          <a:xfrm>
-            <a:off x="0" y="0"/>
-            <a:ext cx="9144000" cy="5143500"/>
-          </a:xfrm>
-          <a:prstGeom prst="rect">
-            <a:avLst/>
-          </a:prstGeom>
-        </p:spPr>
-      </p:pic>
-      <p:sp>
-        <p:nvSpPr>
-          <p:cNvPr id="5" name="Content Placeholder 4"/>
-          <p:cNvSpPr>
-            <a:spLocks noGrp="1"/>
-          </p:cNvSpPr>
-          <p:nvPr>
-            <p:ph idx="1"/>
-          </p:nvPr>
-        </p:nvSpPr>
-        <p:spPr/>
-        <p:txBody>
-          <a:bodyPr>
-            <a:normAutofit/>
-          </a:bodyPr>
-          <a:lstStyle/>
-          <a:p>
-            <a:pPr lvl="0">
-              <a:buSzPct val="45000"/>
-              <a:buFont typeface="StarSymbol"/>
-              <a:buChar char="●"/>
-            </a:pPr>
-            <a:r>
-              <a:rPr lang="fr-FR" dirty="0"/>
               <a:t>les </a:t>
             </a:r>
             <a:r>
@@ -4464,7 +4159,7 @@
 </p:sld>
 </file>
 
-<file path=ppt/slides/slide17.xml><?xml version="1.0" encoding="utf-8"?>
+<file path=ppt/slides/slide16.xml><?xml version="1.0" encoding="utf-8"?>
 <p:sld xmlns:a="http://schemas.openxmlformats.org/drawingml/2006/main" xmlns:r="http://schemas.openxmlformats.org/officeDocument/2006/relationships" xmlns:p="http://schemas.openxmlformats.org/presentationml/2006/main">
   <p:cSld>
     <p:spTree>
@@ -5299,7 +4994,7 @@
 </p:sld>
 </file>
 
-<file path=ppt/slides/slide18.xml><?xml version="1.0" encoding="utf-8"?>
+<file path=ppt/slides/slide17.xml><?xml version="1.0" encoding="utf-8"?>
 <p:sld xmlns:a="http://schemas.openxmlformats.org/drawingml/2006/main" xmlns:r="http://schemas.openxmlformats.org/officeDocument/2006/relationships" xmlns:p="http://schemas.openxmlformats.org/presentationml/2006/main">
   <p:cSld>
     <p:spTree>
@@ -5435,7 +5130,7 @@
 </p:sld>
 </file>
 
-<file path=ppt/slides/slide19.xml><?xml version="1.0" encoding="utf-8"?>
+<file path=ppt/slides/slide18.xml><?xml version="1.0" encoding="utf-8"?>
 <p:sld xmlns:a="http://schemas.openxmlformats.org/drawingml/2006/main" xmlns:r="http://schemas.openxmlformats.org/officeDocument/2006/relationships" xmlns:p="http://schemas.openxmlformats.org/presentationml/2006/main">
   <p:cSld>
     <p:spTree>
@@ -6269,7 +5964,7 @@
 </p:sld>
 </file>
 
-<file path=ppt/slides/slide2.xml><?xml version="1.0" encoding="utf-8"?>
+<file path=ppt/slides/slide19.xml><?xml version="1.0" encoding="utf-8"?>
 <p:sld xmlns:a="http://schemas.openxmlformats.org/drawingml/2006/main" xmlns:r="http://schemas.openxmlformats.org/officeDocument/2006/relationships" xmlns:p="http://schemas.openxmlformats.org/presentationml/2006/main">
   <p:cSld>
     <p:spTree>
@@ -6333,74 +6028,22 @@
           </a:bodyPr>
           <a:lstStyle/>
           <a:p>
-            <a:pPr marL="514350" indent="-457200"/>
-            <a:r>
-              <a:rPr lang="en-US" dirty="0" smtClean="0"/>
-              <a:t>Learning Model (rappel)</a:t>
-            </a:r>
-          </a:p>
-          <a:p>
-            <a:pPr marL="514350" indent="-457200"/>
-            <a:r>
-              <a:rPr lang="en-US" dirty="0" err="1"/>
-              <a:t>C’est</a:t>
-            </a:r>
-            <a:r>
-              <a:rPr lang="en-US" dirty="0"/>
-              <a:t> quoi la </a:t>
-            </a:r>
-            <a:r>
-              <a:rPr lang="en-US" dirty="0" err="1" smtClean="0"/>
-              <a:t>régression</a:t>
-            </a:r>
-            <a:r>
-              <a:rPr lang="en-US" dirty="0" smtClean="0"/>
-              <a:t> </a:t>
-            </a:r>
-            <a:r>
-              <a:rPr lang="en-US" dirty="0" err="1"/>
-              <a:t>linéaire</a:t>
-            </a:r>
-            <a:r>
-              <a:rPr lang="en-US" dirty="0" smtClean="0"/>
-              <a:t>.</a:t>
-            </a:r>
-          </a:p>
-          <a:p>
-            <a:pPr marL="857250" lvl="1" indent="-457200"/>
-            <a:r>
-              <a:rPr lang="en-US" dirty="0" smtClean="0"/>
-              <a:t>Interpolation</a:t>
-            </a:r>
-          </a:p>
-          <a:p>
-            <a:pPr marL="857250" lvl="1" indent="-457200"/>
-            <a:r>
-              <a:rPr lang="en-US" dirty="0" smtClean="0"/>
-              <a:t>Extrapolation</a:t>
-            </a:r>
-            <a:endParaRPr lang="en-US" dirty="0" smtClean="0"/>
-          </a:p>
-          <a:p>
-            <a:pPr marL="514350" indent="-457200"/>
-            <a:r>
-              <a:rPr lang="en-US" dirty="0" smtClean="0"/>
-              <a:t>Applications</a:t>
-            </a:r>
-          </a:p>
-          <a:p>
-            <a:pPr marL="857250" lvl="1" indent="-457200"/>
-            <a:r>
-              <a:rPr lang="en-US" dirty="0" smtClean="0"/>
-              <a:t>Salary prediction (Linear Regression)</a:t>
+            <a:pPr lvl="0"/>
+            <a:r>
+              <a:rPr lang="fr-FR" dirty="0"/>
+              <a:t>En intelligence artificielle, plus précisément en apprentissage automatique, l'apprentissage par renforcement consiste, pour un agent autonome, à apprendre les actions à prendre, à partir d'expériences, de façon à optimiser une récompense quantitative au cours du </a:t>
+            </a:r>
+            <a:r>
+              <a:rPr lang="fr-FR" dirty="0" err="1"/>
+              <a:t>temps.</a:t>
+            </a:r>
+            <a:r>
+              <a:rPr lang="fr-FR" dirty="0" err="1">
+                <a:hlinkClick r:id="rId3"/>
+              </a:rPr>
+              <a:t>Wikipédia</a:t>
             </a:r>
             <a:endParaRPr lang="en-US" dirty="0"/>
-          </a:p>
-          <a:p>
-            <a:pPr marL="457200" lvl="1" indent="0">
-              <a:buNone/>
-            </a:pPr>
-            <a:endParaRPr lang="en-US" dirty="0" smtClean="0"/>
           </a:p>
         </p:txBody>
       </p:sp>
@@ -6430,8 +6073,8 @@
           <a:lstStyle/>
           <a:p>
             <a:r>
-              <a:rPr lang="en-US" dirty="0" err="1" smtClean="0"/>
-              <a:t>Sommaire</a:t>
+              <a:rPr lang="en-US" dirty="0" smtClean="0"/>
+              <a:t>Reinforcing</a:t>
             </a:r>
             <a:endParaRPr lang="en-US" dirty="0"/>
           </a:p>
@@ -6440,7 +6083,7 @@
     </p:spTree>
     <p:extLst>
       <p:ext uri="{BB962C8B-B14F-4D97-AF65-F5344CB8AC3E}">
-        <p14:creationId xmlns:p14="http://schemas.microsoft.com/office/powerpoint/2010/main" val="1610122803"/>
+        <p14:creationId xmlns:p14="http://schemas.microsoft.com/office/powerpoint/2010/main" val="2272658062"/>
       </p:ext>
     </p:extLst>
   </p:cSld>
@@ -6457,7 +6100,7 @@
 </p:sld>
 </file>
 
-<file path=ppt/slides/slide20.xml><?xml version="1.0" encoding="utf-8"?>
+<file path=ppt/slides/slide2.xml><?xml version="1.0" encoding="utf-8"?>
 <p:sld xmlns:a="http://schemas.openxmlformats.org/drawingml/2006/main" xmlns:r="http://schemas.openxmlformats.org/officeDocument/2006/relationships" xmlns:p="http://schemas.openxmlformats.org/presentationml/2006/main">
   <p:cSld>
     <p:spTree>
@@ -6517,26 +6160,94 @@
         <p:spPr/>
         <p:txBody>
           <a:bodyPr>
-            <a:normAutofit/>
+            <a:normAutofit lnSpcReduction="10000"/>
           </a:bodyPr>
           <a:lstStyle/>
           <a:p>
-            <a:pPr lvl="0"/>
-            <a:r>
-              <a:rPr lang="fr-FR" dirty="0"/>
-              <a:t>En intelligence artificielle, plus précisément en apprentissage automatique, l'apprentissage par renforcement consiste, pour un agent autonome, à apprendre les actions à prendre, à partir d'expériences, de façon à optimiser une récompense quantitative au cours du </a:t>
-            </a:r>
-            <a:r>
-              <a:rPr lang="fr-FR" dirty="0" err="1"/>
-              <a:t>temps.</a:t>
-            </a:r>
-            <a:r>
-              <a:rPr lang="fr-FR" dirty="0" err="1">
-                <a:hlinkClick r:id="rId3"/>
-              </a:rPr>
-              <a:t>Wikipédia</a:t>
+            <a:pPr marL="514350" indent="-457200"/>
+            <a:r>
+              <a:rPr lang="en-US" dirty="0" err="1" smtClean="0"/>
+              <a:t>C’est</a:t>
+            </a:r>
+            <a:r>
+              <a:rPr lang="en-US" dirty="0" smtClean="0"/>
+              <a:t> quoi le machine learning.</a:t>
+            </a:r>
+          </a:p>
+          <a:p>
+            <a:pPr marL="857250" lvl="1" indent="-457200"/>
+            <a:r>
+              <a:rPr lang="en-US" dirty="0" smtClean="0"/>
+              <a:t>Rules of Machine Learning</a:t>
+            </a:r>
+          </a:p>
+          <a:p>
+            <a:pPr marL="514350" indent="-457200"/>
+            <a:r>
+              <a:rPr lang="en-US" dirty="0" err="1" smtClean="0"/>
+              <a:t>Catégories</a:t>
+            </a:r>
+            <a:r>
+              <a:rPr lang="en-US" dirty="0" smtClean="0"/>
+              <a:t> (types) </a:t>
+            </a:r>
+            <a:r>
+              <a:rPr lang="en-US" dirty="0" err="1" smtClean="0"/>
+              <a:t>d’apprentissages</a:t>
+            </a:r>
+            <a:endParaRPr lang="en-US" dirty="0" smtClean="0"/>
+          </a:p>
+          <a:p>
+            <a:pPr marL="514350" indent="-457200"/>
+            <a:r>
+              <a:rPr lang="en-US" dirty="0" smtClean="0"/>
+              <a:t>Schema </a:t>
+            </a:r>
+            <a:r>
+              <a:rPr lang="en-US" dirty="0" err="1" smtClean="0"/>
+              <a:t>d’apprentissage</a:t>
+            </a:r>
+            <a:endParaRPr lang="en-US" dirty="0" smtClean="0"/>
+          </a:p>
+          <a:p>
+            <a:pPr marL="857250" lvl="1" indent="-457200"/>
+            <a:r>
+              <a:rPr lang="en-US" dirty="0" smtClean="0"/>
+              <a:t>Learning Model</a:t>
+            </a:r>
+          </a:p>
+          <a:p>
+            <a:pPr marL="857250" lvl="1" indent="-457200"/>
+            <a:r>
+              <a:rPr lang="en-US" dirty="0" smtClean="0"/>
+              <a:t>Cost (loss) and </a:t>
+            </a:r>
+            <a:r>
+              <a:rPr lang="en-US" dirty="0" err="1" smtClean="0"/>
+              <a:t>optimisation</a:t>
+            </a:r>
+            <a:endParaRPr lang="en-US" dirty="0" smtClean="0"/>
+          </a:p>
+          <a:p>
+            <a:pPr marL="514350" indent="-457200"/>
+            <a:r>
+              <a:rPr lang="en-US" dirty="0" smtClean="0"/>
+              <a:t>Applications</a:t>
+            </a:r>
+          </a:p>
+          <a:p>
+            <a:pPr marL="857250" lvl="1" indent="-457200"/>
+            <a:r>
+              <a:rPr lang="en-US" dirty="0" smtClean="0"/>
+              <a:t>Salary prediction (Linear Regression)</a:t>
             </a:r>
             <a:endParaRPr lang="en-US" dirty="0"/>
+          </a:p>
+          <a:p>
+            <a:pPr marL="457200" lvl="1" indent="0">
+              <a:buNone/>
+            </a:pPr>
+            <a:endParaRPr lang="en-US" dirty="0" smtClean="0"/>
           </a:p>
         </p:txBody>
       </p:sp>
@@ -6566,8 +6277,8 @@
           <a:lstStyle/>
           <a:p>
             <a:r>
-              <a:rPr lang="en-US" dirty="0" smtClean="0"/>
-              <a:t>Reinforcing</a:t>
+              <a:rPr lang="en-US" dirty="0" err="1" smtClean="0"/>
+              <a:t>Sommaire</a:t>
             </a:r>
             <a:endParaRPr lang="en-US" dirty="0"/>
           </a:p>
@@ -6576,7 +6287,7 @@
     </p:spTree>
     <p:extLst>
       <p:ext uri="{BB962C8B-B14F-4D97-AF65-F5344CB8AC3E}">
-        <p14:creationId xmlns:p14="http://schemas.microsoft.com/office/powerpoint/2010/main" val="2272658062"/>
+        <p14:creationId xmlns:p14="http://schemas.microsoft.com/office/powerpoint/2010/main" val="1610122803"/>
       </p:ext>
     </p:extLst>
   </p:cSld>
@@ -6593,7 +6304,7 @@
 </p:sld>
 </file>
 
-<file path=ppt/slides/slide21.xml><?xml version="1.0" encoding="utf-8"?>
+<file path=ppt/slides/slide20.xml><?xml version="1.0" encoding="utf-8"?>
 <p:sld xmlns:a="http://schemas.openxmlformats.org/drawingml/2006/main" xmlns:r="http://schemas.openxmlformats.org/officeDocument/2006/relationships" xmlns:p="http://schemas.openxmlformats.org/presentationml/2006/main">
   <p:cSld>
     <p:spTree>
@@ -6722,7 +6433,7 @@
 </p:sld>
 </file>
 
-<file path=ppt/slides/slide22.xml><?xml version="1.0" encoding="utf-8"?>
+<file path=ppt/slides/slide21.xml><?xml version="1.0" encoding="utf-8"?>
 <p:sld xmlns:a="http://schemas.openxmlformats.org/drawingml/2006/main" xmlns:r="http://schemas.openxmlformats.org/officeDocument/2006/relationships" xmlns:p="http://schemas.openxmlformats.org/presentationml/2006/main">
   <p:cSld>
     <p:bg>
@@ -6925,7 +6636,7 @@
 </p:sld>
 </file>
 
-<file path=ppt/slides/slide23.xml><?xml version="1.0" encoding="utf-8"?>
+<file path=ppt/slides/slide22.xml><?xml version="1.0" encoding="utf-8"?>
 <p:sld xmlns:a="http://schemas.openxmlformats.org/drawingml/2006/main" xmlns:r="http://schemas.openxmlformats.org/officeDocument/2006/relationships" xmlns:p="http://schemas.openxmlformats.org/presentationml/2006/main">
   <p:cSld>
     <p:spTree>
@@ -7658,7 +7369,7 @@
 </p:sld>
 </file>
 
-<file path=ppt/slides/slide24.xml><?xml version="1.0" encoding="utf-8"?>
+<file path=ppt/slides/slide23.xml><?xml version="1.0" encoding="utf-8"?>
 <p:sld xmlns:a="http://schemas.openxmlformats.org/drawingml/2006/main" xmlns:r="http://schemas.openxmlformats.org/officeDocument/2006/relationships" xmlns:p="http://schemas.openxmlformats.org/presentationml/2006/main">
   <p:cSld>
     <p:spTree>
@@ -8119,7 +7830,7 @@
 </p:sld>
 </file>
 
-<file path=ppt/slides/slide25.xml><?xml version="1.0" encoding="utf-8"?>
+<file path=ppt/slides/slide24.xml><?xml version="1.0" encoding="utf-8"?>
 <p:sld xmlns:a="http://schemas.openxmlformats.org/drawingml/2006/main" xmlns:r="http://schemas.openxmlformats.org/officeDocument/2006/relationships" xmlns:p="http://schemas.openxmlformats.org/presentationml/2006/main">
   <p:cSld>
     <p:spTree>
@@ -8395,7 +8106,7 @@
 </p:sld>
 </file>
 
-<file path=ppt/slides/slide26.xml><?xml version="1.0" encoding="utf-8"?>
+<file path=ppt/slides/slide25.xml><?xml version="1.0" encoding="utf-8"?>
 <p:sld xmlns:a="http://schemas.openxmlformats.org/drawingml/2006/main" xmlns:r="http://schemas.openxmlformats.org/officeDocument/2006/relationships" xmlns:p="http://schemas.openxmlformats.org/presentationml/2006/main">
   <p:cSld>
     <p:spTree>
@@ -8524,7 +8235,7 @@
 </p:sld>
 </file>
 
-<file path=ppt/slides/slide27.xml><?xml version="1.0" encoding="utf-8"?>
+<file path=ppt/slides/slide26.xml><?xml version="1.0" encoding="utf-8"?>
 <p:sld xmlns:a="http://schemas.openxmlformats.org/drawingml/2006/main" xmlns:r="http://schemas.openxmlformats.org/officeDocument/2006/relationships" xmlns:p="http://schemas.openxmlformats.org/presentationml/2006/main">
   <p:cSld>
     <p:bg>
@@ -8716,7 +8427,7 @@
 </p:sld>
 </file>
 
-<file path=ppt/slides/slide28.xml><?xml version="1.0" encoding="utf-8"?>
+<file path=ppt/slides/slide27.xml><?xml version="1.0" encoding="utf-8"?>
 <p:sld xmlns:a="http://schemas.openxmlformats.org/drawingml/2006/main" xmlns:r="http://schemas.openxmlformats.org/officeDocument/2006/relationships" xmlns:p="http://schemas.openxmlformats.org/presentationml/2006/main">
   <p:cSld>
     <p:spTree>
@@ -8807,7 +8518,7 @@
 </p:sld>
 </file>
 
-<file path=ppt/slides/slide29.xml><?xml version="1.0" encoding="utf-8"?>
+<file path=ppt/slides/slide28.xml><?xml version="1.0" encoding="utf-8"?>
 <p:sld xmlns:a="http://schemas.openxmlformats.org/drawingml/2006/main" xmlns:r="http://schemas.openxmlformats.org/officeDocument/2006/relationships" xmlns:p="http://schemas.openxmlformats.org/presentationml/2006/main">
   <p:cSld>
     <p:spTree>
@@ -8950,141 +8661,7 @@
 </p:sld>
 </file>
 
-<file path=ppt/slides/slide3.xml><?xml version="1.0" encoding="utf-8"?>
-<p:sld xmlns:a="http://schemas.openxmlformats.org/drawingml/2006/main" xmlns:r="http://schemas.openxmlformats.org/officeDocument/2006/relationships" xmlns:p="http://schemas.openxmlformats.org/presentationml/2006/main">
-  <p:cSld>
-    <p:spTree>
-      <p:nvGrpSpPr>
-        <p:cNvPr id="1" name=""/>
-        <p:cNvGrpSpPr/>
-        <p:nvPr/>
-      </p:nvGrpSpPr>
-      <p:grpSpPr>
-        <a:xfrm>
-          <a:off x="0" y="0"/>
-          <a:ext cx="0" cy="0"/>
-          <a:chOff x="0" y="0"/>
-          <a:chExt cx="0" cy="0"/>
-        </a:xfrm>
-      </p:grpSpPr>
-      <p:pic>
-        <p:nvPicPr>
-          <p:cNvPr id="3" name="Picture 2">
-            <a:extLst>
-              <a:ext uri="{FF2B5EF4-FFF2-40B4-BE49-F238E27FC236}">
-                <a16:creationId xmlns:a16="http://schemas.microsoft.com/office/drawing/2014/main" xmlns="" id="{2A456100-564B-3744-BE2D-55C75AE036BE}"/>
-              </a:ext>
-            </a:extLst>
-          </p:cNvPr>
-          <p:cNvPicPr>
-            <a:picLocks noChangeAspect="1"/>
-          </p:cNvPicPr>
-          <p:nvPr/>
-        </p:nvPicPr>
-        <p:blipFill>
-          <a:blip r:embed="rId2"/>
-          <a:stretch>
-            <a:fillRect/>
-          </a:stretch>
-        </p:blipFill>
-        <p:spPr>
-          <a:xfrm>
-            <a:off x="0" y="0"/>
-            <a:ext cx="9144000" cy="5143500"/>
-          </a:xfrm>
-          <a:prstGeom prst="rect">
-            <a:avLst/>
-          </a:prstGeom>
-        </p:spPr>
-      </p:pic>
-      <p:sp>
-        <p:nvSpPr>
-          <p:cNvPr id="4" name="Title 3"/>
-          <p:cNvSpPr>
-            <a:spLocks noGrp="1"/>
-          </p:cNvSpPr>
-          <p:nvPr>
-            <p:ph type="title"/>
-          </p:nvPr>
-        </p:nvSpPr>
-        <p:spPr>
-          <a:xfrm>
-            <a:off x="233169" y="141555"/>
-            <a:ext cx="6362158" cy="406715"/>
-          </a:xfrm>
-          <a:prstGeom prst="rect">
-            <a:avLst/>
-          </a:prstGeom>
-        </p:spPr>
-        <p:txBody>
-          <a:bodyPr>
-            <a:normAutofit fontScale="90000"/>
-          </a:bodyPr>
-          <a:lstStyle/>
-          <a:p>
-            <a:r>
-              <a:rPr lang="en-US" dirty="0" smtClean="0"/>
-              <a:t>What’s Linear Regression??</a:t>
-            </a:r>
-            <a:endParaRPr lang="en-US" dirty="0"/>
-          </a:p>
-        </p:txBody>
-      </p:sp>
-      <p:sp>
-        <p:nvSpPr>
-          <p:cNvPr id="2" name="Espace réservé du contenu 1"/>
-          <p:cNvSpPr>
-            <a:spLocks noGrp="1"/>
-          </p:cNvSpPr>
-          <p:nvPr>
-            <p:ph idx="1"/>
-          </p:nvPr>
-        </p:nvSpPr>
-        <p:spPr/>
-        <p:txBody>
-          <a:bodyPr>
-            <a:normAutofit/>
-          </a:bodyPr>
-          <a:lstStyle/>
-          <a:p>
-            <a:pPr marL="342900" lvl="1" indent="0" algn="ctr">
-              <a:buNone/>
-            </a:pPr>
-            <a:r>
-              <a:rPr lang="fr-FR" sz="3200" dirty="0"/>
-              <a:t>En statistiques, en économétrie et en apprentissage automatique, un modèle de régression linéaire est un modèle de régression qui cherche à établir une relation linéaire entre une variable, dite expliquée, et une ou plusieurs variables, dites explicatives. </a:t>
-            </a:r>
-            <a:r>
-              <a:rPr lang="fr-FR" sz="3200" dirty="0" smtClean="0">
-                <a:hlinkClick r:id="rId3"/>
-              </a:rPr>
-              <a:t>Wikipédia</a:t>
-            </a:r>
-            <a:endParaRPr lang="en-US" sz="3200" dirty="0"/>
-          </a:p>
-        </p:txBody>
-      </p:sp>
-    </p:spTree>
-    <p:extLst>
-      <p:ext uri="{BB962C8B-B14F-4D97-AF65-F5344CB8AC3E}">
-        <p14:creationId xmlns:p14="http://schemas.microsoft.com/office/powerpoint/2010/main" val="950275472"/>
-      </p:ext>
-    </p:extLst>
-  </p:cSld>
-  <p:clrMapOvr>
-    <a:masterClrMapping/>
-  </p:clrMapOvr>
-  <p:timing>
-    <p:tnLst>
-      <p:par>
-        <p:cTn id="1" dur="indefinite" restart="never" nodeType="tmRoot"/>
-      </p:par>
-    </p:tnLst>
-  </p:timing>
-</p:sld>
-</file>
-
-<file path=ppt/slides/slide30.xml><?xml version="1.0" encoding="utf-8"?>
+<file path=ppt/slides/slide29.xml><?xml version="1.0" encoding="utf-8"?>
 <p:sld xmlns:a="http://schemas.openxmlformats.org/drawingml/2006/main" xmlns:r="http://schemas.openxmlformats.org/officeDocument/2006/relationships" xmlns:p="http://schemas.openxmlformats.org/presentationml/2006/main">
   <p:cSld>
     <p:spTree>
@@ -9763,7 +9340,220 @@
 </p:sld>
 </file>
 
-<file path=ppt/slides/slide31.xml><?xml version="1.0" encoding="utf-8"?>
+<file path=ppt/slides/slide3.xml><?xml version="1.0" encoding="utf-8"?>
+<p:sld xmlns:a="http://schemas.openxmlformats.org/drawingml/2006/main" xmlns:r="http://schemas.openxmlformats.org/officeDocument/2006/relationships" xmlns:p="http://schemas.openxmlformats.org/presentationml/2006/main">
+  <p:cSld>
+    <p:spTree>
+      <p:nvGrpSpPr>
+        <p:cNvPr id="1" name=""/>
+        <p:cNvGrpSpPr/>
+        <p:nvPr/>
+      </p:nvGrpSpPr>
+      <p:grpSpPr>
+        <a:xfrm>
+          <a:off x="0" y="0"/>
+          <a:ext cx="0" cy="0"/>
+          <a:chOff x="0" y="0"/>
+          <a:chExt cx="0" cy="0"/>
+        </a:xfrm>
+      </p:grpSpPr>
+      <p:pic>
+        <p:nvPicPr>
+          <p:cNvPr id="3" name="Picture 2">
+            <a:extLst>
+              <a:ext uri="{FF2B5EF4-FFF2-40B4-BE49-F238E27FC236}">
+                <a16:creationId xmlns:a16="http://schemas.microsoft.com/office/drawing/2014/main" xmlns="" id="{2A456100-564B-3744-BE2D-55C75AE036BE}"/>
+              </a:ext>
+            </a:extLst>
+          </p:cNvPr>
+          <p:cNvPicPr>
+            <a:picLocks noChangeAspect="1"/>
+          </p:cNvPicPr>
+          <p:nvPr/>
+        </p:nvPicPr>
+        <p:blipFill>
+          <a:blip r:embed="rId2"/>
+          <a:stretch>
+            <a:fillRect/>
+          </a:stretch>
+        </p:blipFill>
+        <p:spPr>
+          <a:xfrm>
+            <a:off x="0" y="0"/>
+            <a:ext cx="9144000" cy="5143500"/>
+          </a:xfrm>
+          <a:prstGeom prst="rect">
+            <a:avLst/>
+          </a:prstGeom>
+        </p:spPr>
+      </p:pic>
+      <p:sp>
+        <p:nvSpPr>
+          <p:cNvPr id="5" name="Content Placeholder 4"/>
+          <p:cNvSpPr>
+            <a:spLocks noGrp="1"/>
+          </p:cNvSpPr>
+          <p:nvPr>
+            <p:ph idx="1"/>
+          </p:nvPr>
+        </p:nvSpPr>
+        <p:spPr/>
+        <p:txBody>
+          <a:bodyPr>
+            <a:normAutofit lnSpcReduction="10000"/>
+          </a:bodyPr>
+          <a:lstStyle/>
+          <a:p>
+            <a:pPr lvl="0">
+              <a:buSzPct val="45000"/>
+              <a:buFont typeface="StarSymbol"/>
+              <a:buChar char="●"/>
+            </a:pPr>
+            <a:r>
+              <a:rPr lang="fr-FR" dirty="0"/>
+              <a:t>L'</a:t>
+            </a:r>
+            <a:r>
+              <a:rPr lang="fr-FR" b="1" dirty="0"/>
+              <a:t>apprentissage automatique</a:t>
+            </a:r>
+            <a:r>
+              <a:rPr lang="fr-FR" dirty="0"/>
+              <a:t> (en anglais </a:t>
+            </a:r>
+            <a:r>
+              <a:rPr lang="fr-FR" i="1" dirty="0">
+                <a:solidFill>
+                  <a:srgbClr val="FF8C00"/>
+                </a:solidFill>
+              </a:rPr>
+              <a:t>machine </a:t>
+            </a:r>
+            <a:r>
+              <a:rPr lang="fr-FR" i="1" dirty="0" err="1">
+                <a:solidFill>
+                  <a:srgbClr val="FF8C00"/>
+                </a:solidFill>
+              </a:rPr>
+              <a:t>learning</a:t>
+            </a:r>
+            <a:r>
+              <a:rPr lang="fr-FR" dirty="0"/>
+              <a:t>, littéralement « l'</a:t>
+            </a:r>
+            <a:r>
+              <a:rPr lang="fr-FR" b="1" dirty="0"/>
+              <a:t>apprentissage machine</a:t>
+            </a:r>
+            <a:r>
+              <a:rPr lang="fr-FR" dirty="0"/>
+              <a:t> ») ou </a:t>
+            </a:r>
+            <a:r>
+              <a:rPr lang="fr-FR" b="1" dirty="0"/>
+              <a:t>apprentissage statistique</a:t>
+            </a:r>
+            <a:r>
+              <a:rPr lang="fr-FR" dirty="0"/>
+              <a:t> est un champ d'étude de l'</a:t>
+            </a:r>
+            <a:r>
+              <a:rPr lang="fr-FR" dirty="0">
+                <a:hlinkClick r:id="rId3" tooltip="Intelligence artificielle"/>
+              </a:rPr>
+              <a:t>intelligence artificielle</a:t>
+            </a:r>
+            <a:r>
+              <a:rPr lang="fr-FR" dirty="0"/>
+              <a:t> qui se fonde sur des approches statistiques pour donner aux </a:t>
+            </a:r>
+            <a:r>
+              <a:rPr lang="fr-FR" dirty="0">
+                <a:hlinkClick r:id="rId4" tooltip="Ordinateur"/>
+              </a:rPr>
+              <a:t>ordinateurs</a:t>
+            </a:r>
+            <a:r>
+              <a:rPr lang="fr-FR" dirty="0"/>
+              <a:t> la capacité d' « apprendre » à partir de données, c'est-à-dire d'améliorer leurs performances à résoudre des tâches sans être explicitement programmés pour chacune. Plus largement, cela concerne la conception, l'analyse, le développement et l'implémentation de telles méthodes</a:t>
+            </a:r>
+            <a:r>
+              <a:rPr lang="fr-FR" dirty="0" smtClean="0"/>
+              <a:t>.</a:t>
+            </a:r>
+            <a:r>
+              <a:rPr lang="en-US" dirty="0">
+                <a:hlinkClick r:id="rId5"/>
+              </a:rPr>
+              <a:t> </a:t>
+            </a:r>
+            <a:r>
+              <a:rPr lang="en-US" dirty="0" err="1">
+                <a:hlinkClick r:id="rId5"/>
+              </a:rPr>
+              <a:t>Wikipédia</a:t>
+            </a:r>
+            <a:endParaRPr lang="fr-FR" dirty="0">
+              <a:latin typeface="Segoe UI" panose="020B0502040204020203" pitchFamily="34" charset="0"/>
+              <a:cs typeface="Segoe UI" panose="020B0502040204020203" pitchFamily="34" charset="0"/>
+            </a:endParaRPr>
+          </a:p>
+        </p:txBody>
+      </p:sp>
+      <p:sp>
+        <p:nvSpPr>
+          <p:cNvPr id="4" name="Title 3"/>
+          <p:cNvSpPr>
+            <a:spLocks noGrp="1"/>
+          </p:cNvSpPr>
+          <p:nvPr>
+            <p:ph type="title"/>
+          </p:nvPr>
+        </p:nvSpPr>
+        <p:spPr>
+          <a:xfrm>
+            <a:off x="233169" y="141555"/>
+            <a:ext cx="6362158" cy="406715"/>
+          </a:xfrm>
+          <a:prstGeom prst="rect">
+            <a:avLst/>
+          </a:prstGeom>
+        </p:spPr>
+        <p:txBody>
+          <a:bodyPr>
+            <a:normAutofit fontScale="90000"/>
+          </a:bodyPr>
+          <a:lstStyle/>
+          <a:p>
+            <a:r>
+              <a:rPr lang="en-US" dirty="0" smtClean="0"/>
+              <a:t>What’s Machine Learning???</a:t>
+            </a:r>
+            <a:endParaRPr lang="en-US" dirty="0"/>
+          </a:p>
+        </p:txBody>
+      </p:sp>
+    </p:spTree>
+    <p:extLst>
+      <p:ext uri="{BB962C8B-B14F-4D97-AF65-F5344CB8AC3E}">
+        <p14:creationId xmlns:p14="http://schemas.microsoft.com/office/powerpoint/2010/main" val="3488808551"/>
+      </p:ext>
+    </p:extLst>
+  </p:cSld>
+  <p:clrMapOvr>
+    <a:masterClrMapping/>
+  </p:clrMapOvr>
+  <p:timing>
+    <p:tnLst>
+      <p:par>
+        <p:cTn id="1" dur="indefinite" restart="never" nodeType="tmRoot"/>
+      </p:par>
+    </p:tnLst>
+  </p:timing>
+</p:sld>
+</file>
+
+<file path=ppt/slides/slide30.xml><?xml version="1.0" encoding="utf-8"?>
 <p:sld xmlns:a="http://schemas.openxmlformats.org/drawingml/2006/main" xmlns:r="http://schemas.openxmlformats.org/officeDocument/2006/relationships" xmlns:p="http://schemas.openxmlformats.org/presentationml/2006/main">
   <p:cSld>
     <p:spTree>
@@ -10874,7 +10664,7 @@
 </p:sld>
 </file>
 
-<file path=ppt/slides/slide32.xml><?xml version="1.0" encoding="utf-8"?>
+<file path=ppt/slides/slide31.xml><?xml version="1.0" encoding="utf-8"?>
 <p:sld xmlns:a="http://schemas.openxmlformats.org/drawingml/2006/main" xmlns:r="http://schemas.openxmlformats.org/officeDocument/2006/relationships" xmlns:p="http://schemas.openxmlformats.org/presentationml/2006/main">
   <p:cSld>
     <p:spTree>
@@ -11420,7 +11210,7 @@
 </p:sld>
 </file>
 
-<file path=ppt/slides/slide33.xml><?xml version="1.0" encoding="utf-8"?>
+<file path=ppt/slides/slide32.xml><?xml version="1.0" encoding="utf-8"?>
 <p:sld xmlns:a="http://schemas.openxmlformats.org/drawingml/2006/main" xmlns:r="http://schemas.openxmlformats.org/officeDocument/2006/relationships" xmlns:p="http://schemas.openxmlformats.org/presentationml/2006/main">
   <p:cSld>
     <p:spTree>
@@ -12047,7 +11837,7 @@
 </p:sld>
 </file>
 
-<file path=ppt/slides/slide34.xml><?xml version="1.0" encoding="utf-8"?>
+<file path=ppt/slides/slide33.xml><?xml version="1.0" encoding="utf-8"?>
 <p:sld xmlns:a="http://schemas.openxmlformats.org/drawingml/2006/main" xmlns:r="http://schemas.openxmlformats.org/officeDocument/2006/relationships" xmlns:p="http://schemas.openxmlformats.org/presentationml/2006/main">
   <p:cSld>
     <p:spTree>
@@ -12544,6 +12334,1132 @@
                                           <p:spTgt spid="3">
                                             <p:txEl>
                                               <p:pRg st="2" end="2"/>
+                                            </p:txEl>
+                                          </p:spTgt>
+                                        </p:tgtEl>
+                                        <p:attrNameLst>
+                                          <p:attrName>ppt_y</p:attrName>
+                                        </p:attrNameLst>
+                                      </p:cBhvr>
+                                      <p:tavLst>
+                                        <p:tav tm="0">
+                                          <p:val>
+                                            <p:strVal val="#ppt_y+.1"/>
+                                          </p:val>
+                                        </p:tav>
+                                        <p:tav tm="100000">
+                                          <p:val>
+                                            <p:strVal val="#ppt_y"/>
+                                          </p:val>
+                                        </p:tav>
+                                      </p:tavLst>
+                                    </p:anim>
+                                  </p:childTnLst>
+                                </p:cTn>
+                              </p:par>
+                            </p:childTnLst>
+                          </p:cTn>
+                        </p:par>
+                      </p:childTnLst>
+                    </p:cTn>
+                  </p:par>
+                </p:childTnLst>
+              </p:cTn>
+              <p:prevCondLst>
+                <p:cond evt="onPrev" delay="0">
+                  <p:tgtEl>
+                    <p:sldTgt/>
+                  </p:tgtEl>
+                </p:cond>
+              </p:prevCondLst>
+              <p:nextCondLst>
+                <p:cond evt="onNext" delay="0">
+                  <p:tgtEl>
+                    <p:sldTgt/>
+                  </p:tgtEl>
+                </p:cond>
+              </p:nextCondLst>
+            </p:seq>
+          </p:childTnLst>
+        </p:cTn>
+      </p:par>
+    </p:tnLst>
+  </p:timing>
+</p:sld>
+</file>
+
+<file path=ppt/slides/slide34.xml><?xml version="1.0" encoding="utf-8"?>
+<p:sld xmlns:a="http://schemas.openxmlformats.org/drawingml/2006/main" xmlns:r="http://schemas.openxmlformats.org/officeDocument/2006/relationships" xmlns:p="http://schemas.openxmlformats.org/presentationml/2006/main">
+  <p:cSld>
+    <p:spTree>
+      <p:nvGrpSpPr>
+        <p:cNvPr id="1" name=""/>
+        <p:cNvGrpSpPr/>
+        <p:nvPr/>
+      </p:nvGrpSpPr>
+      <p:grpSpPr>
+        <a:xfrm>
+          <a:off x="0" y="0"/>
+          <a:ext cx="0" cy="0"/>
+          <a:chOff x="0" y="0"/>
+          <a:chExt cx="0" cy="0"/>
+        </a:xfrm>
+      </p:grpSpPr>
+      <p:sp>
+        <p:nvSpPr>
+          <p:cNvPr id="2" name="Espace réservé du contenu 1"/>
+          <p:cNvSpPr>
+            <a:spLocks noGrp="1"/>
+          </p:cNvSpPr>
+          <p:nvPr>
+            <p:ph idx="1"/>
+          </p:nvPr>
+        </p:nvSpPr>
+        <p:spPr/>
+        <p:txBody>
+          <a:bodyPr/>
+          <a:lstStyle/>
+          <a:p>
+            <a:r>
+              <a:rPr lang="en-US" dirty="0" smtClean="0"/>
+              <a:t>Un </a:t>
+            </a:r>
+            <a:r>
+              <a:rPr lang="en-US" dirty="0" err="1" smtClean="0"/>
+              <a:t>modèle</a:t>
+            </a:r>
+            <a:r>
+              <a:rPr lang="en-US" dirty="0" smtClean="0"/>
+              <a:t> </a:t>
+            </a:r>
+            <a:r>
+              <a:rPr lang="en-US" dirty="0" err="1" smtClean="0"/>
+              <a:t>d’apprentissage</a:t>
+            </a:r>
+            <a:r>
+              <a:rPr lang="en-US" dirty="0" smtClean="0"/>
+              <a:t> :</a:t>
+            </a:r>
+          </a:p>
+          <a:p>
+            <a:pPr lvl="1"/>
+            <a:r>
+              <a:rPr lang="en-US" dirty="0" err="1" smtClean="0">
+                <a:solidFill>
+                  <a:srgbClr val="FF8C00"/>
+                </a:solidFill>
+              </a:rPr>
+              <a:t>C’est</a:t>
+            </a:r>
+            <a:r>
+              <a:rPr lang="en-US" dirty="0" smtClean="0">
+                <a:solidFill>
+                  <a:srgbClr val="FF8C00"/>
+                </a:solidFill>
+              </a:rPr>
+              <a:t> </a:t>
+            </a:r>
+            <a:r>
+              <a:rPr lang="en-US" dirty="0" err="1" smtClean="0">
+                <a:solidFill>
+                  <a:srgbClr val="FF8C00"/>
+                </a:solidFill>
+              </a:rPr>
+              <a:t>une</a:t>
+            </a:r>
+            <a:r>
+              <a:rPr lang="en-US" dirty="0" smtClean="0">
+                <a:solidFill>
+                  <a:srgbClr val="FF8C00"/>
+                </a:solidFill>
+              </a:rPr>
+              <a:t> </a:t>
+            </a:r>
+            <a:r>
+              <a:rPr lang="en-US" dirty="0" err="1" smtClean="0">
+                <a:solidFill>
+                  <a:srgbClr val="FF8C00"/>
+                </a:solidFill>
+              </a:rPr>
+              <a:t>fonction</a:t>
+            </a:r>
+            <a:r>
+              <a:rPr lang="en-US" dirty="0" smtClean="0">
+                <a:solidFill>
+                  <a:srgbClr val="FF8C00"/>
+                </a:solidFill>
+              </a:rPr>
+              <a:t> </a:t>
+            </a:r>
+            <a:r>
+              <a:rPr lang="en-US" dirty="0" err="1" smtClean="0">
+                <a:solidFill>
+                  <a:srgbClr val="FF8C00"/>
+                </a:solidFill>
+              </a:rPr>
+              <a:t>mathématique</a:t>
+            </a:r>
+            <a:r>
+              <a:rPr lang="en-US" dirty="0" smtClean="0">
+                <a:solidFill>
+                  <a:srgbClr val="FF8C00"/>
+                </a:solidFill>
+              </a:rPr>
+              <a:t> </a:t>
+            </a:r>
+            <a:r>
+              <a:rPr lang="en-US" dirty="0" err="1" smtClean="0">
+                <a:solidFill>
+                  <a:srgbClr val="FF8C00"/>
+                </a:solidFill>
+              </a:rPr>
+              <a:t>ou</a:t>
+            </a:r>
+            <a:r>
+              <a:rPr lang="en-US" dirty="0" smtClean="0">
+                <a:solidFill>
+                  <a:srgbClr val="FF8C00"/>
+                </a:solidFill>
+              </a:rPr>
+              <a:t> </a:t>
+            </a:r>
+            <a:r>
+              <a:rPr lang="en-US" dirty="0" err="1" smtClean="0">
+                <a:solidFill>
+                  <a:srgbClr val="FF8C00"/>
+                </a:solidFill>
+              </a:rPr>
+              <a:t>logique</a:t>
+            </a:r>
+            <a:r>
+              <a:rPr lang="en-US" dirty="0" smtClean="0">
+                <a:solidFill>
+                  <a:srgbClr val="FF8C00"/>
+                </a:solidFill>
+              </a:rPr>
+              <a:t> </a:t>
+            </a:r>
+            <a:r>
+              <a:rPr lang="en-US" dirty="0" err="1" smtClean="0">
+                <a:solidFill>
+                  <a:srgbClr val="FF8C00"/>
+                </a:solidFill>
+              </a:rPr>
+              <a:t>quelconque</a:t>
+            </a:r>
+            <a:r>
+              <a:rPr lang="en-US" dirty="0" smtClean="0">
+                <a:solidFill>
+                  <a:srgbClr val="FF8C00"/>
+                </a:solidFill>
+              </a:rPr>
+              <a:t>(simple </a:t>
+            </a:r>
+            <a:r>
+              <a:rPr lang="en-US" dirty="0" err="1" smtClean="0">
+                <a:solidFill>
+                  <a:srgbClr val="FF8C00"/>
+                </a:solidFill>
+              </a:rPr>
+              <a:t>ou</a:t>
+            </a:r>
+            <a:r>
+              <a:rPr lang="en-US" dirty="0" smtClean="0">
+                <a:solidFill>
+                  <a:srgbClr val="FF8C00"/>
+                </a:solidFill>
+              </a:rPr>
+              <a:t> </a:t>
+            </a:r>
+            <a:r>
+              <a:rPr lang="en-US" dirty="0" err="1" smtClean="0">
+                <a:solidFill>
+                  <a:srgbClr val="FF8C00"/>
+                </a:solidFill>
+              </a:rPr>
+              <a:t>composée</a:t>
+            </a:r>
+            <a:r>
+              <a:rPr lang="en-US" dirty="0" smtClean="0">
+                <a:solidFill>
+                  <a:srgbClr val="FF8C00"/>
+                </a:solidFill>
+              </a:rPr>
+              <a:t>).</a:t>
+            </a:r>
+          </a:p>
+          <a:p>
+            <a:pPr lvl="2"/>
+            <a:r>
+              <a:rPr lang="en-US" b="1" dirty="0">
+                <a:solidFill>
+                  <a:schemeClr val="accent2"/>
+                </a:solidFill>
+              </a:rPr>
+              <a:t>PRODUIT</a:t>
+            </a:r>
+            <a:r>
+              <a:rPr lang="en-US" b="1" dirty="0"/>
+              <a:t>(data1,</a:t>
+            </a:r>
+            <a:r>
+              <a:rPr lang="en-US" b="1" dirty="0">
+                <a:solidFill>
+                  <a:srgbClr val="00B0F0"/>
+                </a:solidFill>
+              </a:rPr>
+              <a:t>2)</a:t>
+            </a:r>
+            <a:endParaRPr lang="en-US" dirty="0" smtClean="0"/>
+          </a:p>
+          <a:p>
+            <a:pPr lvl="2"/>
+            <a:r>
+              <a:rPr lang="en-US" b="1" dirty="0" smtClean="0">
+                <a:solidFill>
+                  <a:schemeClr val="accent2"/>
+                </a:solidFill>
+              </a:rPr>
+              <a:t>SOMME</a:t>
+            </a:r>
+            <a:r>
+              <a:rPr lang="en-US" b="1" dirty="0" smtClean="0"/>
+              <a:t>(data1,</a:t>
+            </a:r>
+            <a:r>
+              <a:rPr lang="en-US" b="1" dirty="0" smtClean="0">
+                <a:solidFill>
+                  <a:srgbClr val="00B0F0"/>
+                </a:solidFill>
+              </a:rPr>
+              <a:t>data2)</a:t>
+            </a:r>
+          </a:p>
+          <a:p>
+            <a:pPr lvl="1"/>
+            <a:endParaRPr lang="en-US" dirty="0"/>
+          </a:p>
+        </p:txBody>
+      </p:sp>
+      <p:sp>
+        <p:nvSpPr>
+          <p:cNvPr id="3" name="Espace réservé du contenu 2"/>
+          <p:cNvSpPr>
+            <a:spLocks noGrp="1"/>
+          </p:cNvSpPr>
+          <p:nvPr>
+            <p:ph idx="10"/>
+          </p:nvPr>
+        </p:nvSpPr>
+        <p:spPr/>
+        <p:txBody>
+          <a:bodyPr/>
+          <a:lstStyle/>
+          <a:p>
+            <a:r>
+              <a:rPr lang="en-US" dirty="0" smtClean="0">
+                <a:solidFill>
+                  <a:srgbClr val="FF8C00"/>
+                </a:solidFill>
+              </a:rPr>
+              <a:t>(</a:t>
+            </a:r>
+            <a:r>
+              <a:rPr lang="en-US" dirty="0" err="1" smtClean="0">
+                <a:solidFill>
+                  <a:srgbClr val="FF8C00"/>
+                </a:solidFill>
+              </a:rPr>
+              <a:t>ou</a:t>
+            </a:r>
+            <a:r>
+              <a:rPr lang="en-US" dirty="0" smtClean="0">
+                <a:solidFill>
+                  <a:srgbClr val="FF8C00"/>
+                </a:solidFill>
+              </a:rPr>
+              <a:t>)/</a:t>
+            </a:r>
+            <a:r>
+              <a:rPr lang="en-US" dirty="0" err="1" smtClean="0">
+                <a:solidFill>
+                  <a:srgbClr val="FF8C00"/>
+                </a:solidFill>
+              </a:rPr>
+              <a:t>C’est</a:t>
+            </a:r>
+            <a:r>
+              <a:rPr lang="en-US" dirty="0" smtClean="0">
+                <a:solidFill>
+                  <a:srgbClr val="FF8C00"/>
+                </a:solidFill>
+              </a:rPr>
+              <a:t> </a:t>
+            </a:r>
+            <a:r>
+              <a:rPr lang="en-US" dirty="0" err="1" smtClean="0">
+                <a:solidFill>
+                  <a:srgbClr val="FF8C00"/>
+                </a:solidFill>
+              </a:rPr>
+              <a:t>aussi</a:t>
+            </a:r>
+            <a:r>
+              <a:rPr lang="en-US" dirty="0" smtClean="0">
+                <a:solidFill>
+                  <a:srgbClr val="FF8C00"/>
+                </a:solidFill>
+              </a:rPr>
+              <a:t> </a:t>
+            </a:r>
+            <a:r>
+              <a:rPr lang="en-US" dirty="0" err="1" smtClean="0">
+                <a:solidFill>
+                  <a:srgbClr val="FF8C00"/>
+                </a:solidFill>
+              </a:rPr>
+              <a:t>une</a:t>
+            </a:r>
+            <a:r>
+              <a:rPr lang="en-US" dirty="0" smtClean="0">
+                <a:solidFill>
+                  <a:srgbClr val="FF8C00"/>
+                </a:solidFill>
+              </a:rPr>
+              <a:t> </a:t>
+            </a:r>
+            <a:r>
+              <a:rPr lang="en-US" dirty="0" err="1" smtClean="0">
+                <a:solidFill>
+                  <a:srgbClr val="FF8C00"/>
+                </a:solidFill>
+              </a:rPr>
+              <a:t>logique</a:t>
+            </a:r>
+            <a:r>
+              <a:rPr lang="en-US" dirty="0" smtClean="0">
+                <a:solidFill>
+                  <a:srgbClr val="FF8C00"/>
+                </a:solidFill>
+              </a:rPr>
+              <a:t>(schema) à </a:t>
+            </a:r>
+            <a:r>
+              <a:rPr lang="en-US" dirty="0" err="1" smtClean="0">
+                <a:solidFill>
+                  <a:srgbClr val="FF8C00"/>
+                </a:solidFill>
+              </a:rPr>
+              <a:t>suivre</a:t>
+            </a:r>
+            <a:endParaRPr lang="en-US" dirty="0" smtClean="0">
+              <a:solidFill>
+                <a:srgbClr val="FF8C00"/>
+              </a:solidFill>
+            </a:endParaRPr>
+          </a:p>
+          <a:p>
+            <a:pPr lvl="1"/>
+            <a:r>
+              <a:rPr lang="en-US" b="1" dirty="0">
+                <a:solidFill>
+                  <a:schemeClr val="accent2"/>
+                </a:solidFill>
+              </a:rPr>
+              <a:t>A – B – E</a:t>
+            </a:r>
+            <a:endParaRPr lang="en-US" dirty="0" smtClean="0"/>
+          </a:p>
+          <a:p>
+            <a:endParaRPr lang="en-US" dirty="0"/>
+          </a:p>
+        </p:txBody>
+      </p:sp>
+      <p:sp>
+        <p:nvSpPr>
+          <p:cNvPr id="4" name="Titre 3"/>
+          <p:cNvSpPr>
+            <a:spLocks noGrp="1"/>
+          </p:cNvSpPr>
+          <p:nvPr>
+            <p:ph type="title"/>
+          </p:nvPr>
+        </p:nvSpPr>
+        <p:spPr/>
+        <p:txBody>
+          <a:bodyPr>
+            <a:normAutofit fontScale="90000"/>
+          </a:bodyPr>
+          <a:lstStyle/>
+          <a:p>
+            <a:r>
+              <a:rPr lang="en-US" dirty="0"/>
+              <a:t>What’s Learning Model???</a:t>
+            </a:r>
+          </a:p>
+        </p:txBody>
+      </p:sp>
+      <p:pic>
+        <p:nvPicPr>
+          <p:cNvPr id="5" name="Image 4"/>
+          <p:cNvPicPr>
+            <a:picLocks noChangeAspect="1"/>
+          </p:cNvPicPr>
+          <p:nvPr/>
+        </p:nvPicPr>
+        <p:blipFill>
+          <a:blip r:embed="rId2">
+            <a:extLst>
+              <a:ext uri="{28A0092B-C50C-407E-A947-70E740481C1C}">
+                <a14:useLocalDpi xmlns:a14="http://schemas.microsoft.com/office/drawing/2010/main" val="0"/>
+              </a:ext>
+            </a:extLst>
+          </a:blip>
+          <a:stretch>
+            <a:fillRect/>
+          </a:stretch>
+        </p:blipFill>
+        <p:spPr>
+          <a:xfrm>
+            <a:off x="5103897" y="2281768"/>
+            <a:ext cx="2724150" cy="2133657"/>
+          </a:xfrm>
+          <a:prstGeom prst="rect">
+            <a:avLst/>
+          </a:prstGeom>
+        </p:spPr>
+      </p:pic>
+      <p:sp>
+        <p:nvSpPr>
+          <p:cNvPr id="6" name="ZoneTexte 5"/>
+          <p:cNvSpPr txBox="1"/>
+          <p:nvPr/>
+        </p:nvSpPr>
+        <p:spPr>
+          <a:xfrm>
+            <a:off x="5818340" y="2217264"/>
+            <a:ext cx="317716" cy="369332"/>
+          </a:xfrm>
+          <a:prstGeom prst="rect">
+            <a:avLst/>
+          </a:prstGeom>
+          <a:noFill/>
+        </p:spPr>
+        <p:txBody>
+          <a:bodyPr wrap="none" rtlCol="0">
+            <a:spAutoFit/>
+          </a:bodyPr>
+          <a:lstStyle/>
+          <a:p>
+            <a:r>
+              <a:rPr lang="en-US" dirty="0">
+                <a:solidFill>
+                  <a:srgbClr val="92D050"/>
+                </a:solidFill>
+              </a:rPr>
+              <a:t>A</a:t>
+            </a:r>
+          </a:p>
+        </p:txBody>
+      </p:sp>
+      <p:sp>
+        <p:nvSpPr>
+          <p:cNvPr id="7" name="ZoneTexte 6"/>
+          <p:cNvSpPr txBox="1"/>
+          <p:nvPr/>
+        </p:nvSpPr>
+        <p:spPr>
+          <a:xfrm>
+            <a:off x="6920944" y="2587971"/>
+            <a:ext cx="45719" cy="369332"/>
+          </a:xfrm>
+          <a:prstGeom prst="rect">
+            <a:avLst/>
+          </a:prstGeom>
+          <a:noFill/>
+        </p:spPr>
+        <p:txBody>
+          <a:bodyPr wrap="square" rtlCol="0">
+            <a:spAutoFit/>
+          </a:bodyPr>
+          <a:lstStyle/>
+          <a:p>
+            <a:r>
+              <a:rPr lang="en-US" dirty="0" smtClean="0">
+                <a:solidFill>
+                  <a:srgbClr val="92D050"/>
+                </a:solidFill>
+              </a:rPr>
+              <a:t>B</a:t>
+            </a:r>
+            <a:endParaRPr lang="en-US" dirty="0">
+              <a:solidFill>
+                <a:srgbClr val="92D050"/>
+              </a:solidFill>
+            </a:endParaRPr>
+          </a:p>
+        </p:txBody>
+      </p:sp>
+      <p:sp>
+        <p:nvSpPr>
+          <p:cNvPr id="8" name="ZoneTexte 7"/>
+          <p:cNvSpPr txBox="1"/>
+          <p:nvPr/>
+        </p:nvSpPr>
+        <p:spPr>
+          <a:xfrm>
+            <a:off x="6317534" y="3112718"/>
+            <a:ext cx="296876" cy="369332"/>
+          </a:xfrm>
+          <a:prstGeom prst="rect">
+            <a:avLst/>
+          </a:prstGeom>
+          <a:noFill/>
+        </p:spPr>
+        <p:txBody>
+          <a:bodyPr wrap="none" rtlCol="0">
+            <a:spAutoFit/>
+          </a:bodyPr>
+          <a:lstStyle/>
+          <a:p>
+            <a:r>
+              <a:rPr lang="en-US" dirty="0" smtClean="0">
+                <a:solidFill>
+                  <a:srgbClr val="92D050"/>
+                </a:solidFill>
+              </a:rPr>
+              <a:t>E</a:t>
+            </a:r>
+            <a:endParaRPr lang="en-US" dirty="0">
+              <a:solidFill>
+                <a:srgbClr val="92D050"/>
+              </a:solidFill>
+            </a:endParaRPr>
+          </a:p>
+        </p:txBody>
+      </p:sp>
+    </p:spTree>
+    <p:extLst>
+      <p:ext uri="{BB962C8B-B14F-4D97-AF65-F5344CB8AC3E}">
+        <p14:creationId xmlns:p14="http://schemas.microsoft.com/office/powerpoint/2010/main" val="82068627"/>
+      </p:ext>
+    </p:extLst>
+  </p:cSld>
+  <p:clrMapOvr>
+    <a:masterClrMapping/>
+  </p:clrMapOvr>
+  <p:timing>
+    <p:tnLst>
+      <p:par>
+        <p:cTn id="1" dur="indefinite" restart="never" nodeType="tmRoot">
+          <p:childTnLst>
+            <p:seq concurrent="1" nextAc="seek">
+              <p:cTn id="2" dur="indefinite" nodeType="mainSeq">
+                <p:childTnLst>
+                  <p:par>
+                    <p:cTn id="3" fill="hold">
+                      <p:stCondLst>
+                        <p:cond delay="indefinite"/>
+                      </p:stCondLst>
+                      <p:childTnLst>
+                        <p:par>
+                          <p:cTn id="4" fill="hold">
+                            <p:stCondLst>
+                              <p:cond delay="0"/>
+                            </p:stCondLst>
+                            <p:childTnLst>
+                              <p:par>
+                                <p:cTn id="5" presetID="2" presetClass="entr" presetSubtype="4" fill="hold" nodeType="clickEffect">
+                                  <p:stCondLst>
+                                    <p:cond delay="0"/>
+                                  </p:stCondLst>
+                                  <p:childTnLst>
+                                    <p:set>
+                                      <p:cBhvr>
+                                        <p:cTn id="6" dur="1" fill="hold">
+                                          <p:stCondLst>
+                                            <p:cond delay="0"/>
+                                          </p:stCondLst>
+                                        </p:cTn>
+                                        <p:tgtEl>
+                                          <p:spTgt spid="2">
+                                            <p:txEl>
+                                              <p:pRg st="1" end="1"/>
+                                            </p:txEl>
+                                          </p:spTgt>
+                                        </p:tgtEl>
+                                        <p:attrNameLst>
+                                          <p:attrName>style.visibility</p:attrName>
+                                        </p:attrNameLst>
+                                      </p:cBhvr>
+                                      <p:to>
+                                        <p:strVal val="visible"/>
+                                      </p:to>
+                                    </p:set>
+                                    <p:anim calcmode="lin" valueType="num">
+                                      <p:cBhvr additive="base">
+                                        <p:cTn id="7" dur="500" fill="hold"/>
+                                        <p:tgtEl>
+                                          <p:spTgt spid="2">
+                                            <p:txEl>
+                                              <p:pRg st="1" end="1"/>
+                                            </p:txEl>
+                                          </p:spTgt>
+                                        </p:tgtEl>
+                                        <p:attrNameLst>
+                                          <p:attrName>ppt_x</p:attrName>
+                                        </p:attrNameLst>
+                                      </p:cBhvr>
+                                      <p:tavLst>
+                                        <p:tav tm="0">
+                                          <p:val>
+                                            <p:strVal val="#ppt_x"/>
+                                          </p:val>
+                                        </p:tav>
+                                        <p:tav tm="100000">
+                                          <p:val>
+                                            <p:strVal val="#ppt_x"/>
+                                          </p:val>
+                                        </p:tav>
+                                      </p:tavLst>
+                                    </p:anim>
+                                    <p:anim calcmode="lin" valueType="num">
+                                      <p:cBhvr additive="base">
+                                        <p:cTn id="8" dur="500" fill="hold"/>
+                                        <p:tgtEl>
+                                          <p:spTgt spid="2">
+                                            <p:txEl>
+                                              <p:pRg st="1" end="1"/>
+                                            </p:txEl>
+                                          </p:spTgt>
+                                        </p:tgtEl>
+                                        <p:attrNameLst>
+                                          <p:attrName>ppt_y</p:attrName>
+                                        </p:attrNameLst>
+                                      </p:cBhvr>
+                                      <p:tavLst>
+                                        <p:tav tm="0">
+                                          <p:val>
+                                            <p:strVal val="1+#ppt_h/2"/>
+                                          </p:val>
+                                        </p:tav>
+                                        <p:tav tm="100000">
+                                          <p:val>
+                                            <p:strVal val="#ppt_y"/>
+                                          </p:val>
+                                        </p:tav>
+                                      </p:tavLst>
+                                    </p:anim>
+                                  </p:childTnLst>
+                                </p:cTn>
+                              </p:par>
+                            </p:childTnLst>
+                          </p:cTn>
+                        </p:par>
+                      </p:childTnLst>
+                    </p:cTn>
+                  </p:par>
+                  <p:par>
+                    <p:cTn id="9" fill="hold">
+                      <p:stCondLst>
+                        <p:cond delay="indefinite"/>
+                      </p:stCondLst>
+                      <p:childTnLst>
+                        <p:par>
+                          <p:cTn id="10" fill="hold">
+                            <p:stCondLst>
+                              <p:cond delay="0"/>
+                            </p:stCondLst>
+                            <p:childTnLst>
+                              <p:par>
+                                <p:cTn id="11" presetID="2" presetClass="entr" presetSubtype="4" fill="hold" nodeType="clickEffect">
+                                  <p:stCondLst>
+                                    <p:cond delay="0"/>
+                                  </p:stCondLst>
+                                  <p:childTnLst>
+                                    <p:set>
+                                      <p:cBhvr>
+                                        <p:cTn id="12" dur="1" fill="hold">
+                                          <p:stCondLst>
+                                            <p:cond delay="0"/>
+                                          </p:stCondLst>
+                                        </p:cTn>
+                                        <p:tgtEl>
+                                          <p:spTgt spid="2">
+                                            <p:txEl>
+                                              <p:pRg st="0" end="0"/>
+                                            </p:txEl>
+                                          </p:spTgt>
+                                        </p:tgtEl>
+                                        <p:attrNameLst>
+                                          <p:attrName>style.visibility</p:attrName>
+                                        </p:attrNameLst>
+                                      </p:cBhvr>
+                                      <p:to>
+                                        <p:strVal val="visible"/>
+                                      </p:to>
+                                    </p:set>
+                                    <p:anim calcmode="lin" valueType="num">
+                                      <p:cBhvr additive="base">
+                                        <p:cTn id="13" dur="500" fill="hold"/>
+                                        <p:tgtEl>
+                                          <p:spTgt spid="2">
+                                            <p:txEl>
+                                              <p:pRg st="0" end="0"/>
+                                            </p:txEl>
+                                          </p:spTgt>
+                                        </p:tgtEl>
+                                        <p:attrNameLst>
+                                          <p:attrName>ppt_x</p:attrName>
+                                        </p:attrNameLst>
+                                      </p:cBhvr>
+                                      <p:tavLst>
+                                        <p:tav tm="0">
+                                          <p:val>
+                                            <p:strVal val="#ppt_x"/>
+                                          </p:val>
+                                        </p:tav>
+                                        <p:tav tm="100000">
+                                          <p:val>
+                                            <p:strVal val="#ppt_x"/>
+                                          </p:val>
+                                        </p:tav>
+                                      </p:tavLst>
+                                    </p:anim>
+                                    <p:anim calcmode="lin" valueType="num">
+                                      <p:cBhvr additive="base">
+                                        <p:cTn id="14" dur="500" fill="hold"/>
+                                        <p:tgtEl>
+                                          <p:spTgt spid="2">
+                                            <p:txEl>
+                                              <p:pRg st="0" end="0"/>
+                                            </p:txEl>
+                                          </p:spTgt>
+                                        </p:tgtEl>
+                                        <p:attrNameLst>
+                                          <p:attrName>ppt_y</p:attrName>
+                                        </p:attrNameLst>
+                                      </p:cBhvr>
+                                      <p:tavLst>
+                                        <p:tav tm="0">
+                                          <p:val>
+                                            <p:strVal val="1+#ppt_h/2"/>
+                                          </p:val>
+                                        </p:tav>
+                                        <p:tav tm="100000">
+                                          <p:val>
+                                            <p:strVal val="#ppt_y"/>
+                                          </p:val>
+                                        </p:tav>
+                                      </p:tavLst>
+                                    </p:anim>
+                                  </p:childTnLst>
+                                </p:cTn>
+                              </p:par>
+                            </p:childTnLst>
+                          </p:cTn>
+                        </p:par>
+                      </p:childTnLst>
+                    </p:cTn>
+                  </p:par>
+                  <p:par>
+                    <p:cTn id="15" fill="hold">
+                      <p:stCondLst>
+                        <p:cond delay="indefinite"/>
+                      </p:stCondLst>
+                      <p:childTnLst>
+                        <p:par>
+                          <p:cTn id="16" fill="hold">
+                            <p:stCondLst>
+                              <p:cond delay="0"/>
+                            </p:stCondLst>
+                            <p:childTnLst>
+                              <p:par>
+                                <p:cTn id="17" presetID="42" presetClass="entr" presetSubtype="0" fill="hold" nodeType="clickEffect">
+                                  <p:stCondLst>
+                                    <p:cond delay="0"/>
+                                  </p:stCondLst>
+                                  <p:childTnLst>
+                                    <p:set>
+                                      <p:cBhvr>
+                                        <p:cTn id="18" dur="1" fill="hold">
+                                          <p:stCondLst>
+                                            <p:cond delay="0"/>
+                                          </p:stCondLst>
+                                        </p:cTn>
+                                        <p:tgtEl>
+                                          <p:spTgt spid="2">
+                                            <p:txEl>
+                                              <p:pRg st="2" end="2"/>
+                                            </p:txEl>
+                                          </p:spTgt>
+                                        </p:tgtEl>
+                                        <p:attrNameLst>
+                                          <p:attrName>style.visibility</p:attrName>
+                                        </p:attrNameLst>
+                                      </p:cBhvr>
+                                      <p:to>
+                                        <p:strVal val="visible"/>
+                                      </p:to>
+                                    </p:set>
+                                    <p:animEffect transition="in" filter="fade">
+                                      <p:cBhvr>
+                                        <p:cTn id="19" dur="1000"/>
+                                        <p:tgtEl>
+                                          <p:spTgt spid="2">
+                                            <p:txEl>
+                                              <p:pRg st="2" end="2"/>
+                                            </p:txEl>
+                                          </p:spTgt>
+                                        </p:tgtEl>
+                                      </p:cBhvr>
+                                    </p:animEffect>
+                                    <p:anim calcmode="lin" valueType="num">
+                                      <p:cBhvr>
+                                        <p:cTn id="20" dur="1000" fill="hold"/>
+                                        <p:tgtEl>
+                                          <p:spTgt spid="2">
+                                            <p:txEl>
+                                              <p:pRg st="2" end="2"/>
+                                            </p:txEl>
+                                          </p:spTgt>
+                                        </p:tgtEl>
+                                        <p:attrNameLst>
+                                          <p:attrName>ppt_x</p:attrName>
+                                        </p:attrNameLst>
+                                      </p:cBhvr>
+                                      <p:tavLst>
+                                        <p:tav tm="0">
+                                          <p:val>
+                                            <p:strVal val="#ppt_x"/>
+                                          </p:val>
+                                        </p:tav>
+                                        <p:tav tm="100000">
+                                          <p:val>
+                                            <p:strVal val="#ppt_x"/>
+                                          </p:val>
+                                        </p:tav>
+                                      </p:tavLst>
+                                    </p:anim>
+                                    <p:anim calcmode="lin" valueType="num">
+                                      <p:cBhvr>
+                                        <p:cTn id="21" dur="1000" fill="hold"/>
+                                        <p:tgtEl>
+                                          <p:spTgt spid="2">
+                                            <p:txEl>
+                                              <p:pRg st="2" end="2"/>
+                                            </p:txEl>
+                                          </p:spTgt>
+                                        </p:tgtEl>
+                                        <p:attrNameLst>
+                                          <p:attrName>ppt_y</p:attrName>
+                                        </p:attrNameLst>
+                                      </p:cBhvr>
+                                      <p:tavLst>
+                                        <p:tav tm="0">
+                                          <p:val>
+                                            <p:strVal val="#ppt_y+.1"/>
+                                          </p:val>
+                                        </p:tav>
+                                        <p:tav tm="100000">
+                                          <p:val>
+                                            <p:strVal val="#ppt_y"/>
+                                          </p:val>
+                                        </p:tav>
+                                      </p:tavLst>
+                                    </p:anim>
+                                  </p:childTnLst>
+                                </p:cTn>
+                              </p:par>
+                              <p:par>
+                                <p:cTn id="22" presetID="42" presetClass="entr" presetSubtype="0" fill="hold" nodeType="withEffect">
+                                  <p:stCondLst>
+                                    <p:cond delay="0"/>
+                                  </p:stCondLst>
+                                  <p:childTnLst>
+                                    <p:set>
+                                      <p:cBhvr>
+                                        <p:cTn id="23" dur="1" fill="hold">
+                                          <p:stCondLst>
+                                            <p:cond delay="0"/>
+                                          </p:stCondLst>
+                                        </p:cTn>
+                                        <p:tgtEl>
+                                          <p:spTgt spid="2">
+                                            <p:txEl>
+                                              <p:pRg st="3" end="3"/>
+                                            </p:txEl>
+                                          </p:spTgt>
+                                        </p:tgtEl>
+                                        <p:attrNameLst>
+                                          <p:attrName>style.visibility</p:attrName>
+                                        </p:attrNameLst>
+                                      </p:cBhvr>
+                                      <p:to>
+                                        <p:strVal val="visible"/>
+                                      </p:to>
+                                    </p:set>
+                                    <p:animEffect transition="in" filter="fade">
+                                      <p:cBhvr>
+                                        <p:cTn id="24" dur="1000"/>
+                                        <p:tgtEl>
+                                          <p:spTgt spid="2">
+                                            <p:txEl>
+                                              <p:pRg st="3" end="3"/>
+                                            </p:txEl>
+                                          </p:spTgt>
+                                        </p:tgtEl>
+                                      </p:cBhvr>
+                                    </p:animEffect>
+                                    <p:anim calcmode="lin" valueType="num">
+                                      <p:cBhvr>
+                                        <p:cTn id="25" dur="1000" fill="hold"/>
+                                        <p:tgtEl>
+                                          <p:spTgt spid="2">
+                                            <p:txEl>
+                                              <p:pRg st="3" end="3"/>
+                                            </p:txEl>
+                                          </p:spTgt>
+                                        </p:tgtEl>
+                                        <p:attrNameLst>
+                                          <p:attrName>ppt_x</p:attrName>
+                                        </p:attrNameLst>
+                                      </p:cBhvr>
+                                      <p:tavLst>
+                                        <p:tav tm="0">
+                                          <p:val>
+                                            <p:strVal val="#ppt_x"/>
+                                          </p:val>
+                                        </p:tav>
+                                        <p:tav tm="100000">
+                                          <p:val>
+                                            <p:strVal val="#ppt_x"/>
+                                          </p:val>
+                                        </p:tav>
+                                      </p:tavLst>
+                                    </p:anim>
+                                    <p:anim calcmode="lin" valueType="num">
+                                      <p:cBhvr>
+                                        <p:cTn id="26" dur="1000" fill="hold"/>
+                                        <p:tgtEl>
+                                          <p:spTgt spid="2">
+                                            <p:txEl>
+                                              <p:pRg st="3" end="3"/>
+                                            </p:txEl>
+                                          </p:spTgt>
+                                        </p:tgtEl>
+                                        <p:attrNameLst>
+                                          <p:attrName>ppt_y</p:attrName>
+                                        </p:attrNameLst>
+                                      </p:cBhvr>
+                                      <p:tavLst>
+                                        <p:tav tm="0">
+                                          <p:val>
+                                            <p:strVal val="#ppt_y+.1"/>
+                                          </p:val>
+                                        </p:tav>
+                                        <p:tav tm="100000">
+                                          <p:val>
+                                            <p:strVal val="#ppt_y"/>
+                                          </p:val>
+                                        </p:tav>
+                                      </p:tavLst>
+                                    </p:anim>
+                                  </p:childTnLst>
+                                </p:cTn>
+                              </p:par>
+                            </p:childTnLst>
+                          </p:cTn>
+                        </p:par>
+                      </p:childTnLst>
+                    </p:cTn>
+                  </p:par>
+                  <p:par>
+                    <p:cTn id="27" fill="hold">
+                      <p:stCondLst>
+                        <p:cond delay="indefinite"/>
+                      </p:stCondLst>
+                      <p:childTnLst>
+                        <p:par>
+                          <p:cTn id="28" fill="hold">
+                            <p:stCondLst>
+                              <p:cond delay="0"/>
+                            </p:stCondLst>
+                            <p:childTnLst>
+                              <p:par>
+                                <p:cTn id="29" presetID="42" presetClass="entr" presetSubtype="0" fill="hold" nodeType="clickEffect">
+                                  <p:stCondLst>
+                                    <p:cond delay="0"/>
+                                  </p:stCondLst>
+                                  <p:childTnLst>
+                                    <p:set>
+                                      <p:cBhvr>
+                                        <p:cTn id="30" dur="1" fill="hold">
+                                          <p:stCondLst>
+                                            <p:cond delay="0"/>
+                                          </p:stCondLst>
+                                        </p:cTn>
+                                        <p:tgtEl>
+                                          <p:spTgt spid="3">
+                                            <p:txEl>
+                                              <p:pRg st="0" end="0"/>
+                                            </p:txEl>
+                                          </p:spTgt>
+                                        </p:tgtEl>
+                                        <p:attrNameLst>
+                                          <p:attrName>style.visibility</p:attrName>
+                                        </p:attrNameLst>
+                                      </p:cBhvr>
+                                      <p:to>
+                                        <p:strVal val="visible"/>
+                                      </p:to>
+                                    </p:set>
+                                    <p:animEffect transition="in" filter="fade">
+                                      <p:cBhvr>
+                                        <p:cTn id="31" dur="1000"/>
+                                        <p:tgtEl>
+                                          <p:spTgt spid="3">
+                                            <p:txEl>
+                                              <p:pRg st="0" end="0"/>
+                                            </p:txEl>
+                                          </p:spTgt>
+                                        </p:tgtEl>
+                                      </p:cBhvr>
+                                    </p:animEffect>
+                                    <p:anim calcmode="lin" valueType="num">
+                                      <p:cBhvr>
+                                        <p:cTn id="32" dur="1000" fill="hold"/>
+                                        <p:tgtEl>
+                                          <p:spTgt spid="3">
+                                            <p:txEl>
+                                              <p:pRg st="0" end="0"/>
+                                            </p:txEl>
+                                          </p:spTgt>
+                                        </p:tgtEl>
+                                        <p:attrNameLst>
+                                          <p:attrName>ppt_x</p:attrName>
+                                        </p:attrNameLst>
+                                      </p:cBhvr>
+                                      <p:tavLst>
+                                        <p:tav tm="0">
+                                          <p:val>
+                                            <p:strVal val="#ppt_x"/>
+                                          </p:val>
+                                        </p:tav>
+                                        <p:tav tm="100000">
+                                          <p:val>
+                                            <p:strVal val="#ppt_x"/>
+                                          </p:val>
+                                        </p:tav>
+                                      </p:tavLst>
+                                    </p:anim>
+                                    <p:anim calcmode="lin" valueType="num">
+                                      <p:cBhvr>
+                                        <p:cTn id="33" dur="1000" fill="hold"/>
+                                        <p:tgtEl>
+                                          <p:spTgt spid="3">
+                                            <p:txEl>
+                                              <p:pRg st="0" end="0"/>
                                             </p:txEl>
                                           </p:spTgt>
                                         </p:tgtEl>
@@ -12617,1132 +13533,6 @@
       </p:grpSpPr>
       <p:sp>
         <p:nvSpPr>
-          <p:cNvPr id="2" name="Espace réservé du contenu 1"/>
-          <p:cNvSpPr>
-            <a:spLocks noGrp="1"/>
-          </p:cNvSpPr>
-          <p:nvPr>
-            <p:ph idx="1"/>
-          </p:nvPr>
-        </p:nvSpPr>
-        <p:spPr/>
-        <p:txBody>
-          <a:bodyPr/>
-          <a:lstStyle/>
-          <a:p>
-            <a:r>
-              <a:rPr lang="en-US" dirty="0" smtClean="0"/>
-              <a:t>Un </a:t>
-            </a:r>
-            <a:r>
-              <a:rPr lang="en-US" dirty="0" err="1" smtClean="0"/>
-              <a:t>modèle</a:t>
-            </a:r>
-            <a:r>
-              <a:rPr lang="en-US" dirty="0" smtClean="0"/>
-              <a:t> </a:t>
-            </a:r>
-            <a:r>
-              <a:rPr lang="en-US" dirty="0" err="1" smtClean="0"/>
-              <a:t>d’apprentissage</a:t>
-            </a:r>
-            <a:r>
-              <a:rPr lang="en-US" dirty="0" smtClean="0"/>
-              <a:t> :</a:t>
-            </a:r>
-          </a:p>
-          <a:p>
-            <a:pPr lvl="1"/>
-            <a:r>
-              <a:rPr lang="en-US" dirty="0" err="1" smtClean="0">
-                <a:solidFill>
-                  <a:srgbClr val="FF8C00"/>
-                </a:solidFill>
-              </a:rPr>
-              <a:t>C’est</a:t>
-            </a:r>
-            <a:r>
-              <a:rPr lang="en-US" dirty="0" smtClean="0">
-                <a:solidFill>
-                  <a:srgbClr val="FF8C00"/>
-                </a:solidFill>
-              </a:rPr>
-              <a:t> </a:t>
-            </a:r>
-            <a:r>
-              <a:rPr lang="en-US" dirty="0" err="1" smtClean="0">
-                <a:solidFill>
-                  <a:srgbClr val="FF8C00"/>
-                </a:solidFill>
-              </a:rPr>
-              <a:t>une</a:t>
-            </a:r>
-            <a:r>
-              <a:rPr lang="en-US" dirty="0" smtClean="0">
-                <a:solidFill>
-                  <a:srgbClr val="FF8C00"/>
-                </a:solidFill>
-              </a:rPr>
-              <a:t> </a:t>
-            </a:r>
-            <a:r>
-              <a:rPr lang="en-US" dirty="0" err="1" smtClean="0">
-                <a:solidFill>
-                  <a:srgbClr val="FF8C00"/>
-                </a:solidFill>
-              </a:rPr>
-              <a:t>fonction</a:t>
-            </a:r>
-            <a:r>
-              <a:rPr lang="en-US" dirty="0" smtClean="0">
-                <a:solidFill>
-                  <a:srgbClr val="FF8C00"/>
-                </a:solidFill>
-              </a:rPr>
-              <a:t> </a:t>
-            </a:r>
-            <a:r>
-              <a:rPr lang="en-US" dirty="0" err="1" smtClean="0">
-                <a:solidFill>
-                  <a:srgbClr val="FF8C00"/>
-                </a:solidFill>
-              </a:rPr>
-              <a:t>mathématique</a:t>
-            </a:r>
-            <a:r>
-              <a:rPr lang="en-US" dirty="0" smtClean="0">
-                <a:solidFill>
-                  <a:srgbClr val="FF8C00"/>
-                </a:solidFill>
-              </a:rPr>
-              <a:t> </a:t>
-            </a:r>
-            <a:r>
-              <a:rPr lang="en-US" dirty="0" err="1" smtClean="0">
-                <a:solidFill>
-                  <a:srgbClr val="FF8C00"/>
-                </a:solidFill>
-              </a:rPr>
-              <a:t>ou</a:t>
-            </a:r>
-            <a:r>
-              <a:rPr lang="en-US" dirty="0" smtClean="0">
-                <a:solidFill>
-                  <a:srgbClr val="FF8C00"/>
-                </a:solidFill>
-              </a:rPr>
-              <a:t> </a:t>
-            </a:r>
-            <a:r>
-              <a:rPr lang="en-US" dirty="0" err="1" smtClean="0">
-                <a:solidFill>
-                  <a:srgbClr val="FF8C00"/>
-                </a:solidFill>
-              </a:rPr>
-              <a:t>logique</a:t>
-            </a:r>
-            <a:r>
-              <a:rPr lang="en-US" dirty="0" smtClean="0">
-                <a:solidFill>
-                  <a:srgbClr val="FF8C00"/>
-                </a:solidFill>
-              </a:rPr>
-              <a:t> </a:t>
-            </a:r>
-            <a:r>
-              <a:rPr lang="en-US" dirty="0" err="1" smtClean="0">
-                <a:solidFill>
-                  <a:srgbClr val="FF8C00"/>
-                </a:solidFill>
-              </a:rPr>
-              <a:t>quelconque</a:t>
-            </a:r>
-            <a:r>
-              <a:rPr lang="en-US" dirty="0" smtClean="0">
-                <a:solidFill>
-                  <a:srgbClr val="FF8C00"/>
-                </a:solidFill>
-              </a:rPr>
-              <a:t>(simple </a:t>
-            </a:r>
-            <a:r>
-              <a:rPr lang="en-US" dirty="0" err="1" smtClean="0">
-                <a:solidFill>
-                  <a:srgbClr val="FF8C00"/>
-                </a:solidFill>
-              </a:rPr>
-              <a:t>ou</a:t>
-            </a:r>
-            <a:r>
-              <a:rPr lang="en-US" dirty="0" smtClean="0">
-                <a:solidFill>
-                  <a:srgbClr val="FF8C00"/>
-                </a:solidFill>
-              </a:rPr>
-              <a:t> </a:t>
-            </a:r>
-            <a:r>
-              <a:rPr lang="en-US" dirty="0" err="1" smtClean="0">
-                <a:solidFill>
-                  <a:srgbClr val="FF8C00"/>
-                </a:solidFill>
-              </a:rPr>
-              <a:t>composée</a:t>
-            </a:r>
-            <a:r>
-              <a:rPr lang="en-US" dirty="0" smtClean="0">
-                <a:solidFill>
-                  <a:srgbClr val="FF8C00"/>
-                </a:solidFill>
-              </a:rPr>
-              <a:t>).</a:t>
-            </a:r>
-          </a:p>
-          <a:p>
-            <a:pPr lvl="2"/>
-            <a:r>
-              <a:rPr lang="en-US" b="1" dirty="0">
-                <a:solidFill>
-                  <a:schemeClr val="accent2"/>
-                </a:solidFill>
-              </a:rPr>
-              <a:t>PRODUIT</a:t>
-            </a:r>
-            <a:r>
-              <a:rPr lang="en-US" b="1" dirty="0"/>
-              <a:t>(data1,</a:t>
-            </a:r>
-            <a:r>
-              <a:rPr lang="en-US" b="1" dirty="0">
-                <a:solidFill>
-                  <a:srgbClr val="00B0F0"/>
-                </a:solidFill>
-              </a:rPr>
-              <a:t>2)</a:t>
-            </a:r>
-            <a:endParaRPr lang="en-US" dirty="0" smtClean="0"/>
-          </a:p>
-          <a:p>
-            <a:pPr lvl="2"/>
-            <a:r>
-              <a:rPr lang="en-US" b="1" dirty="0" smtClean="0">
-                <a:solidFill>
-                  <a:schemeClr val="accent2"/>
-                </a:solidFill>
-              </a:rPr>
-              <a:t>SOMME</a:t>
-            </a:r>
-            <a:r>
-              <a:rPr lang="en-US" b="1" dirty="0" smtClean="0"/>
-              <a:t>(data1,</a:t>
-            </a:r>
-            <a:r>
-              <a:rPr lang="en-US" b="1" dirty="0" smtClean="0">
-                <a:solidFill>
-                  <a:srgbClr val="00B0F0"/>
-                </a:solidFill>
-              </a:rPr>
-              <a:t>data2)</a:t>
-            </a:r>
-          </a:p>
-          <a:p>
-            <a:pPr lvl="1"/>
-            <a:endParaRPr lang="en-US" dirty="0"/>
-          </a:p>
-        </p:txBody>
-      </p:sp>
-      <p:sp>
-        <p:nvSpPr>
-          <p:cNvPr id="3" name="Espace réservé du contenu 2"/>
-          <p:cNvSpPr>
-            <a:spLocks noGrp="1"/>
-          </p:cNvSpPr>
-          <p:nvPr>
-            <p:ph idx="10"/>
-          </p:nvPr>
-        </p:nvSpPr>
-        <p:spPr/>
-        <p:txBody>
-          <a:bodyPr/>
-          <a:lstStyle/>
-          <a:p>
-            <a:r>
-              <a:rPr lang="en-US" dirty="0" smtClean="0">
-                <a:solidFill>
-                  <a:srgbClr val="FF8C00"/>
-                </a:solidFill>
-              </a:rPr>
-              <a:t>(</a:t>
-            </a:r>
-            <a:r>
-              <a:rPr lang="en-US" dirty="0" err="1" smtClean="0">
-                <a:solidFill>
-                  <a:srgbClr val="FF8C00"/>
-                </a:solidFill>
-              </a:rPr>
-              <a:t>ou</a:t>
-            </a:r>
-            <a:r>
-              <a:rPr lang="en-US" dirty="0" smtClean="0">
-                <a:solidFill>
-                  <a:srgbClr val="FF8C00"/>
-                </a:solidFill>
-              </a:rPr>
-              <a:t>)/</a:t>
-            </a:r>
-            <a:r>
-              <a:rPr lang="en-US" dirty="0" err="1" smtClean="0">
-                <a:solidFill>
-                  <a:srgbClr val="FF8C00"/>
-                </a:solidFill>
-              </a:rPr>
-              <a:t>C’est</a:t>
-            </a:r>
-            <a:r>
-              <a:rPr lang="en-US" dirty="0" smtClean="0">
-                <a:solidFill>
-                  <a:srgbClr val="FF8C00"/>
-                </a:solidFill>
-              </a:rPr>
-              <a:t> </a:t>
-            </a:r>
-            <a:r>
-              <a:rPr lang="en-US" dirty="0" err="1" smtClean="0">
-                <a:solidFill>
-                  <a:srgbClr val="FF8C00"/>
-                </a:solidFill>
-              </a:rPr>
-              <a:t>aussi</a:t>
-            </a:r>
-            <a:r>
-              <a:rPr lang="en-US" dirty="0" smtClean="0">
-                <a:solidFill>
-                  <a:srgbClr val="FF8C00"/>
-                </a:solidFill>
-              </a:rPr>
-              <a:t> </a:t>
-            </a:r>
-            <a:r>
-              <a:rPr lang="en-US" dirty="0" err="1" smtClean="0">
-                <a:solidFill>
-                  <a:srgbClr val="FF8C00"/>
-                </a:solidFill>
-              </a:rPr>
-              <a:t>une</a:t>
-            </a:r>
-            <a:r>
-              <a:rPr lang="en-US" dirty="0" smtClean="0">
-                <a:solidFill>
-                  <a:srgbClr val="FF8C00"/>
-                </a:solidFill>
-              </a:rPr>
-              <a:t> </a:t>
-            </a:r>
-            <a:r>
-              <a:rPr lang="en-US" dirty="0" err="1" smtClean="0">
-                <a:solidFill>
-                  <a:srgbClr val="FF8C00"/>
-                </a:solidFill>
-              </a:rPr>
-              <a:t>logique</a:t>
-            </a:r>
-            <a:r>
-              <a:rPr lang="en-US" dirty="0" smtClean="0">
-                <a:solidFill>
-                  <a:srgbClr val="FF8C00"/>
-                </a:solidFill>
-              </a:rPr>
-              <a:t>(schema) à </a:t>
-            </a:r>
-            <a:r>
-              <a:rPr lang="en-US" dirty="0" err="1" smtClean="0">
-                <a:solidFill>
-                  <a:srgbClr val="FF8C00"/>
-                </a:solidFill>
-              </a:rPr>
-              <a:t>suivre</a:t>
-            </a:r>
-            <a:endParaRPr lang="en-US" dirty="0" smtClean="0">
-              <a:solidFill>
-                <a:srgbClr val="FF8C00"/>
-              </a:solidFill>
-            </a:endParaRPr>
-          </a:p>
-          <a:p>
-            <a:pPr lvl="1"/>
-            <a:r>
-              <a:rPr lang="en-US" b="1" dirty="0">
-                <a:solidFill>
-                  <a:schemeClr val="accent2"/>
-                </a:solidFill>
-              </a:rPr>
-              <a:t>A – B – E</a:t>
-            </a:r>
-            <a:endParaRPr lang="en-US" dirty="0" smtClean="0"/>
-          </a:p>
-          <a:p>
-            <a:endParaRPr lang="en-US" dirty="0"/>
-          </a:p>
-        </p:txBody>
-      </p:sp>
-      <p:sp>
-        <p:nvSpPr>
-          <p:cNvPr id="4" name="Titre 3"/>
-          <p:cNvSpPr>
-            <a:spLocks noGrp="1"/>
-          </p:cNvSpPr>
-          <p:nvPr>
-            <p:ph type="title"/>
-          </p:nvPr>
-        </p:nvSpPr>
-        <p:spPr/>
-        <p:txBody>
-          <a:bodyPr>
-            <a:normAutofit fontScale="90000"/>
-          </a:bodyPr>
-          <a:lstStyle/>
-          <a:p>
-            <a:r>
-              <a:rPr lang="en-US" dirty="0"/>
-              <a:t>What’s Learning Model???</a:t>
-            </a:r>
-          </a:p>
-        </p:txBody>
-      </p:sp>
-      <p:pic>
-        <p:nvPicPr>
-          <p:cNvPr id="5" name="Image 4"/>
-          <p:cNvPicPr>
-            <a:picLocks noChangeAspect="1"/>
-          </p:cNvPicPr>
-          <p:nvPr/>
-        </p:nvPicPr>
-        <p:blipFill>
-          <a:blip r:embed="rId2">
-            <a:extLst>
-              <a:ext uri="{28A0092B-C50C-407E-A947-70E740481C1C}">
-                <a14:useLocalDpi xmlns:a14="http://schemas.microsoft.com/office/drawing/2010/main" val="0"/>
-              </a:ext>
-            </a:extLst>
-          </a:blip>
-          <a:stretch>
-            <a:fillRect/>
-          </a:stretch>
-        </p:blipFill>
-        <p:spPr>
-          <a:xfrm>
-            <a:off x="5103897" y="2281768"/>
-            <a:ext cx="2724150" cy="2133657"/>
-          </a:xfrm>
-          <a:prstGeom prst="rect">
-            <a:avLst/>
-          </a:prstGeom>
-        </p:spPr>
-      </p:pic>
-      <p:sp>
-        <p:nvSpPr>
-          <p:cNvPr id="6" name="ZoneTexte 5"/>
-          <p:cNvSpPr txBox="1"/>
-          <p:nvPr/>
-        </p:nvSpPr>
-        <p:spPr>
-          <a:xfrm>
-            <a:off x="5818340" y="2217264"/>
-            <a:ext cx="317716" cy="369332"/>
-          </a:xfrm>
-          <a:prstGeom prst="rect">
-            <a:avLst/>
-          </a:prstGeom>
-          <a:noFill/>
-        </p:spPr>
-        <p:txBody>
-          <a:bodyPr wrap="none" rtlCol="0">
-            <a:spAutoFit/>
-          </a:bodyPr>
-          <a:lstStyle/>
-          <a:p>
-            <a:r>
-              <a:rPr lang="en-US" dirty="0">
-                <a:solidFill>
-                  <a:srgbClr val="92D050"/>
-                </a:solidFill>
-              </a:rPr>
-              <a:t>A</a:t>
-            </a:r>
-          </a:p>
-        </p:txBody>
-      </p:sp>
-      <p:sp>
-        <p:nvSpPr>
-          <p:cNvPr id="7" name="ZoneTexte 6"/>
-          <p:cNvSpPr txBox="1"/>
-          <p:nvPr/>
-        </p:nvSpPr>
-        <p:spPr>
-          <a:xfrm>
-            <a:off x="6920944" y="2587971"/>
-            <a:ext cx="45719" cy="369332"/>
-          </a:xfrm>
-          <a:prstGeom prst="rect">
-            <a:avLst/>
-          </a:prstGeom>
-          <a:noFill/>
-        </p:spPr>
-        <p:txBody>
-          <a:bodyPr wrap="square" rtlCol="0">
-            <a:spAutoFit/>
-          </a:bodyPr>
-          <a:lstStyle/>
-          <a:p>
-            <a:r>
-              <a:rPr lang="en-US" dirty="0" smtClean="0">
-                <a:solidFill>
-                  <a:srgbClr val="92D050"/>
-                </a:solidFill>
-              </a:rPr>
-              <a:t>B</a:t>
-            </a:r>
-            <a:endParaRPr lang="en-US" dirty="0">
-              <a:solidFill>
-                <a:srgbClr val="92D050"/>
-              </a:solidFill>
-            </a:endParaRPr>
-          </a:p>
-        </p:txBody>
-      </p:sp>
-      <p:sp>
-        <p:nvSpPr>
-          <p:cNvPr id="8" name="ZoneTexte 7"/>
-          <p:cNvSpPr txBox="1"/>
-          <p:nvPr/>
-        </p:nvSpPr>
-        <p:spPr>
-          <a:xfrm>
-            <a:off x="6317534" y="3112718"/>
-            <a:ext cx="296876" cy="369332"/>
-          </a:xfrm>
-          <a:prstGeom prst="rect">
-            <a:avLst/>
-          </a:prstGeom>
-          <a:noFill/>
-        </p:spPr>
-        <p:txBody>
-          <a:bodyPr wrap="none" rtlCol="0">
-            <a:spAutoFit/>
-          </a:bodyPr>
-          <a:lstStyle/>
-          <a:p>
-            <a:r>
-              <a:rPr lang="en-US" dirty="0" smtClean="0">
-                <a:solidFill>
-                  <a:srgbClr val="92D050"/>
-                </a:solidFill>
-              </a:rPr>
-              <a:t>E</a:t>
-            </a:r>
-            <a:endParaRPr lang="en-US" dirty="0">
-              <a:solidFill>
-                <a:srgbClr val="92D050"/>
-              </a:solidFill>
-            </a:endParaRPr>
-          </a:p>
-        </p:txBody>
-      </p:sp>
-    </p:spTree>
-    <p:extLst>
-      <p:ext uri="{BB962C8B-B14F-4D97-AF65-F5344CB8AC3E}">
-        <p14:creationId xmlns:p14="http://schemas.microsoft.com/office/powerpoint/2010/main" val="82068627"/>
-      </p:ext>
-    </p:extLst>
-  </p:cSld>
-  <p:clrMapOvr>
-    <a:masterClrMapping/>
-  </p:clrMapOvr>
-  <p:timing>
-    <p:tnLst>
-      <p:par>
-        <p:cTn id="1" dur="indefinite" restart="never" nodeType="tmRoot">
-          <p:childTnLst>
-            <p:seq concurrent="1" nextAc="seek">
-              <p:cTn id="2" dur="indefinite" nodeType="mainSeq">
-                <p:childTnLst>
-                  <p:par>
-                    <p:cTn id="3" fill="hold">
-                      <p:stCondLst>
-                        <p:cond delay="indefinite"/>
-                      </p:stCondLst>
-                      <p:childTnLst>
-                        <p:par>
-                          <p:cTn id="4" fill="hold">
-                            <p:stCondLst>
-                              <p:cond delay="0"/>
-                            </p:stCondLst>
-                            <p:childTnLst>
-                              <p:par>
-                                <p:cTn id="5" presetID="2" presetClass="entr" presetSubtype="4" fill="hold" nodeType="clickEffect">
-                                  <p:stCondLst>
-                                    <p:cond delay="0"/>
-                                  </p:stCondLst>
-                                  <p:childTnLst>
-                                    <p:set>
-                                      <p:cBhvr>
-                                        <p:cTn id="6" dur="1" fill="hold">
-                                          <p:stCondLst>
-                                            <p:cond delay="0"/>
-                                          </p:stCondLst>
-                                        </p:cTn>
-                                        <p:tgtEl>
-                                          <p:spTgt spid="2">
-                                            <p:txEl>
-                                              <p:pRg st="1" end="1"/>
-                                            </p:txEl>
-                                          </p:spTgt>
-                                        </p:tgtEl>
-                                        <p:attrNameLst>
-                                          <p:attrName>style.visibility</p:attrName>
-                                        </p:attrNameLst>
-                                      </p:cBhvr>
-                                      <p:to>
-                                        <p:strVal val="visible"/>
-                                      </p:to>
-                                    </p:set>
-                                    <p:anim calcmode="lin" valueType="num">
-                                      <p:cBhvr additive="base">
-                                        <p:cTn id="7" dur="500" fill="hold"/>
-                                        <p:tgtEl>
-                                          <p:spTgt spid="2">
-                                            <p:txEl>
-                                              <p:pRg st="1" end="1"/>
-                                            </p:txEl>
-                                          </p:spTgt>
-                                        </p:tgtEl>
-                                        <p:attrNameLst>
-                                          <p:attrName>ppt_x</p:attrName>
-                                        </p:attrNameLst>
-                                      </p:cBhvr>
-                                      <p:tavLst>
-                                        <p:tav tm="0">
-                                          <p:val>
-                                            <p:strVal val="#ppt_x"/>
-                                          </p:val>
-                                        </p:tav>
-                                        <p:tav tm="100000">
-                                          <p:val>
-                                            <p:strVal val="#ppt_x"/>
-                                          </p:val>
-                                        </p:tav>
-                                      </p:tavLst>
-                                    </p:anim>
-                                    <p:anim calcmode="lin" valueType="num">
-                                      <p:cBhvr additive="base">
-                                        <p:cTn id="8" dur="500" fill="hold"/>
-                                        <p:tgtEl>
-                                          <p:spTgt spid="2">
-                                            <p:txEl>
-                                              <p:pRg st="1" end="1"/>
-                                            </p:txEl>
-                                          </p:spTgt>
-                                        </p:tgtEl>
-                                        <p:attrNameLst>
-                                          <p:attrName>ppt_y</p:attrName>
-                                        </p:attrNameLst>
-                                      </p:cBhvr>
-                                      <p:tavLst>
-                                        <p:tav tm="0">
-                                          <p:val>
-                                            <p:strVal val="1+#ppt_h/2"/>
-                                          </p:val>
-                                        </p:tav>
-                                        <p:tav tm="100000">
-                                          <p:val>
-                                            <p:strVal val="#ppt_y"/>
-                                          </p:val>
-                                        </p:tav>
-                                      </p:tavLst>
-                                    </p:anim>
-                                  </p:childTnLst>
-                                </p:cTn>
-                              </p:par>
-                            </p:childTnLst>
-                          </p:cTn>
-                        </p:par>
-                      </p:childTnLst>
-                    </p:cTn>
-                  </p:par>
-                  <p:par>
-                    <p:cTn id="9" fill="hold">
-                      <p:stCondLst>
-                        <p:cond delay="indefinite"/>
-                      </p:stCondLst>
-                      <p:childTnLst>
-                        <p:par>
-                          <p:cTn id="10" fill="hold">
-                            <p:stCondLst>
-                              <p:cond delay="0"/>
-                            </p:stCondLst>
-                            <p:childTnLst>
-                              <p:par>
-                                <p:cTn id="11" presetID="2" presetClass="entr" presetSubtype="4" fill="hold" nodeType="clickEffect">
-                                  <p:stCondLst>
-                                    <p:cond delay="0"/>
-                                  </p:stCondLst>
-                                  <p:childTnLst>
-                                    <p:set>
-                                      <p:cBhvr>
-                                        <p:cTn id="12" dur="1" fill="hold">
-                                          <p:stCondLst>
-                                            <p:cond delay="0"/>
-                                          </p:stCondLst>
-                                        </p:cTn>
-                                        <p:tgtEl>
-                                          <p:spTgt spid="2">
-                                            <p:txEl>
-                                              <p:pRg st="0" end="0"/>
-                                            </p:txEl>
-                                          </p:spTgt>
-                                        </p:tgtEl>
-                                        <p:attrNameLst>
-                                          <p:attrName>style.visibility</p:attrName>
-                                        </p:attrNameLst>
-                                      </p:cBhvr>
-                                      <p:to>
-                                        <p:strVal val="visible"/>
-                                      </p:to>
-                                    </p:set>
-                                    <p:anim calcmode="lin" valueType="num">
-                                      <p:cBhvr additive="base">
-                                        <p:cTn id="13" dur="500" fill="hold"/>
-                                        <p:tgtEl>
-                                          <p:spTgt spid="2">
-                                            <p:txEl>
-                                              <p:pRg st="0" end="0"/>
-                                            </p:txEl>
-                                          </p:spTgt>
-                                        </p:tgtEl>
-                                        <p:attrNameLst>
-                                          <p:attrName>ppt_x</p:attrName>
-                                        </p:attrNameLst>
-                                      </p:cBhvr>
-                                      <p:tavLst>
-                                        <p:tav tm="0">
-                                          <p:val>
-                                            <p:strVal val="#ppt_x"/>
-                                          </p:val>
-                                        </p:tav>
-                                        <p:tav tm="100000">
-                                          <p:val>
-                                            <p:strVal val="#ppt_x"/>
-                                          </p:val>
-                                        </p:tav>
-                                      </p:tavLst>
-                                    </p:anim>
-                                    <p:anim calcmode="lin" valueType="num">
-                                      <p:cBhvr additive="base">
-                                        <p:cTn id="14" dur="500" fill="hold"/>
-                                        <p:tgtEl>
-                                          <p:spTgt spid="2">
-                                            <p:txEl>
-                                              <p:pRg st="0" end="0"/>
-                                            </p:txEl>
-                                          </p:spTgt>
-                                        </p:tgtEl>
-                                        <p:attrNameLst>
-                                          <p:attrName>ppt_y</p:attrName>
-                                        </p:attrNameLst>
-                                      </p:cBhvr>
-                                      <p:tavLst>
-                                        <p:tav tm="0">
-                                          <p:val>
-                                            <p:strVal val="1+#ppt_h/2"/>
-                                          </p:val>
-                                        </p:tav>
-                                        <p:tav tm="100000">
-                                          <p:val>
-                                            <p:strVal val="#ppt_y"/>
-                                          </p:val>
-                                        </p:tav>
-                                      </p:tavLst>
-                                    </p:anim>
-                                  </p:childTnLst>
-                                </p:cTn>
-                              </p:par>
-                            </p:childTnLst>
-                          </p:cTn>
-                        </p:par>
-                      </p:childTnLst>
-                    </p:cTn>
-                  </p:par>
-                  <p:par>
-                    <p:cTn id="15" fill="hold">
-                      <p:stCondLst>
-                        <p:cond delay="indefinite"/>
-                      </p:stCondLst>
-                      <p:childTnLst>
-                        <p:par>
-                          <p:cTn id="16" fill="hold">
-                            <p:stCondLst>
-                              <p:cond delay="0"/>
-                            </p:stCondLst>
-                            <p:childTnLst>
-                              <p:par>
-                                <p:cTn id="17" presetID="42" presetClass="entr" presetSubtype="0" fill="hold" nodeType="clickEffect">
-                                  <p:stCondLst>
-                                    <p:cond delay="0"/>
-                                  </p:stCondLst>
-                                  <p:childTnLst>
-                                    <p:set>
-                                      <p:cBhvr>
-                                        <p:cTn id="18" dur="1" fill="hold">
-                                          <p:stCondLst>
-                                            <p:cond delay="0"/>
-                                          </p:stCondLst>
-                                        </p:cTn>
-                                        <p:tgtEl>
-                                          <p:spTgt spid="2">
-                                            <p:txEl>
-                                              <p:pRg st="2" end="2"/>
-                                            </p:txEl>
-                                          </p:spTgt>
-                                        </p:tgtEl>
-                                        <p:attrNameLst>
-                                          <p:attrName>style.visibility</p:attrName>
-                                        </p:attrNameLst>
-                                      </p:cBhvr>
-                                      <p:to>
-                                        <p:strVal val="visible"/>
-                                      </p:to>
-                                    </p:set>
-                                    <p:animEffect transition="in" filter="fade">
-                                      <p:cBhvr>
-                                        <p:cTn id="19" dur="1000"/>
-                                        <p:tgtEl>
-                                          <p:spTgt spid="2">
-                                            <p:txEl>
-                                              <p:pRg st="2" end="2"/>
-                                            </p:txEl>
-                                          </p:spTgt>
-                                        </p:tgtEl>
-                                      </p:cBhvr>
-                                    </p:animEffect>
-                                    <p:anim calcmode="lin" valueType="num">
-                                      <p:cBhvr>
-                                        <p:cTn id="20" dur="1000" fill="hold"/>
-                                        <p:tgtEl>
-                                          <p:spTgt spid="2">
-                                            <p:txEl>
-                                              <p:pRg st="2" end="2"/>
-                                            </p:txEl>
-                                          </p:spTgt>
-                                        </p:tgtEl>
-                                        <p:attrNameLst>
-                                          <p:attrName>ppt_x</p:attrName>
-                                        </p:attrNameLst>
-                                      </p:cBhvr>
-                                      <p:tavLst>
-                                        <p:tav tm="0">
-                                          <p:val>
-                                            <p:strVal val="#ppt_x"/>
-                                          </p:val>
-                                        </p:tav>
-                                        <p:tav tm="100000">
-                                          <p:val>
-                                            <p:strVal val="#ppt_x"/>
-                                          </p:val>
-                                        </p:tav>
-                                      </p:tavLst>
-                                    </p:anim>
-                                    <p:anim calcmode="lin" valueType="num">
-                                      <p:cBhvr>
-                                        <p:cTn id="21" dur="1000" fill="hold"/>
-                                        <p:tgtEl>
-                                          <p:spTgt spid="2">
-                                            <p:txEl>
-                                              <p:pRg st="2" end="2"/>
-                                            </p:txEl>
-                                          </p:spTgt>
-                                        </p:tgtEl>
-                                        <p:attrNameLst>
-                                          <p:attrName>ppt_y</p:attrName>
-                                        </p:attrNameLst>
-                                      </p:cBhvr>
-                                      <p:tavLst>
-                                        <p:tav tm="0">
-                                          <p:val>
-                                            <p:strVal val="#ppt_y+.1"/>
-                                          </p:val>
-                                        </p:tav>
-                                        <p:tav tm="100000">
-                                          <p:val>
-                                            <p:strVal val="#ppt_y"/>
-                                          </p:val>
-                                        </p:tav>
-                                      </p:tavLst>
-                                    </p:anim>
-                                  </p:childTnLst>
-                                </p:cTn>
-                              </p:par>
-                              <p:par>
-                                <p:cTn id="22" presetID="42" presetClass="entr" presetSubtype="0" fill="hold" nodeType="withEffect">
-                                  <p:stCondLst>
-                                    <p:cond delay="0"/>
-                                  </p:stCondLst>
-                                  <p:childTnLst>
-                                    <p:set>
-                                      <p:cBhvr>
-                                        <p:cTn id="23" dur="1" fill="hold">
-                                          <p:stCondLst>
-                                            <p:cond delay="0"/>
-                                          </p:stCondLst>
-                                        </p:cTn>
-                                        <p:tgtEl>
-                                          <p:spTgt spid="2">
-                                            <p:txEl>
-                                              <p:pRg st="3" end="3"/>
-                                            </p:txEl>
-                                          </p:spTgt>
-                                        </p:tgtEl>
-                                        <p:attrNameLst>
-                                          <p:attrName>style.visibility</p:attrName>
-                                        </p:attrNameLst>
-                                      </p:cBhvr>
-                                      <p:to>
-                                        <p:strVal val="visible"/>
-                                      </p:to>
-                                    </p:set>
-                                    <p:animEffect transition="in" filter="fade">
-                                      <p:cBhvr>
-                                        <p:cTn id="24" dur="1000"/>
-                                        <p:tgtEl>
-                                          <p:spTgt spid="2">
-                                            <p:txEl>
-                                              <p:pRg st="3" end="3"/>
-                                            </p:txEl>
-                                          </p:spTgt>
-                                        </p:tgtEl>
-                                      </p:cBhvr>
-                                    </p:animEffect>
-                                    <p:anim calcmode="lin" valueType="num">
-                                      <p:cBhvr>
-                                        <p:cTn id="25" dur="1000" fill="hold"/>
-                                        <p:tgtEl>
-                                          <p:spTgt spid="2">
-                                            <p:txEl>
-                                              <p:pRg st="3" end="3"/>
-                                            </p:txEl>
-                                          </p:spTgt>
-                                        </p:tgtEl>
-                                        <p:attrNameLst>
-                                          <p:attrName>ppt_x</p:attrName>
-                                        </p:attrNameLst>
-                                      </p:cBhvr>
-                                      <p:tavLst>
-                                        <p:tav tm="0">
-                                          <p:val>
-                                            <p:strVal val="#ppt_x"/>
-                                          </p:val>
-                                        </p:tav>
-                                        <p:tav tm="100000">
-                                          <p:val>
-                                            <p:strVal val="#ppt_x"/>
-                                          </p:val>
-                                        </p:tav>
-                                      </p:tavLst>
-                                    </p:anim>
-                                    <p:anim calcmode="lin" valueType="num">
-                                      <p:cBhvr>
-                                        <p:cTn id="26" dur="1000" fill="hold"/>
-                                        <p:tgtEl>
-                                          <p:spTgt spid="2">
-                                            <p:txEl>
-                                              <p:pRg st="3" end="3"/>
-                                            </p:txEl>
-                                          </p:spTgt>
-                                        </p:tgtEl>
-                                        <p:attrNameLst>
-                                          <p:attrName>ppt_y</p:attrName>
-                                        </p:attrNameLst>
-                                      </p:cBhvr>
-                                      <p:tavLst>
-                                        <p:tav tm="0">
-                                          <p:val>
-                                            <p:strVal val="#ppt_y+.1"/>
-                                          </p:val>
-                                        </p:tav>
-                                        <p:tav tm="100000">
-                                          <p:val>
-                                            <p:strVal val="#ppt_y"/>
-                                          </p:val>
-                                        </p:tav>
-                                      </p:tavLst>
-                                    </p:anim>
-                                  </p:childTnLst>
-                                </p:cTn>
-                              </p:par>
-                            </p:childTnLst>
-                          </p:cTn>
-                        </p:par>
-                      </p:childTnLst>
-                    </p:cTn>
-                  </p:par>
-                  <p:par>
-                    <p:cTn id="27" fill="hold">
-                      <p:stCondLst>
-                        <p:cond delay="indefinite"/>
-                      </p:stCondLst>
-                      <p:childTnLst>
-                        <p:par>
-                          <p:cTn id="28" fill="hold">
-                            <p:stCondLst>
-                              <p:cond delay="0"/>
-                            </p:stCondLst>
-                            <p:childTnLst>
-                              <p:par>
-                                <p:cTn id="29" presetID="42" presetClass="entr" presetSubtype="0" fill="hold" nodeType="clickEffect">
-                                  <p:stCondLst>
-                                    <p:cond delay="0"/>
-                                  </p:stCondLst>
-                                  <p:childTnLst>
-                                    <p:set>
-                                      <p:cBhvr>
-                                        <p:cTn id="30" dur="1" fill="hold">
-                                          <p:stCondLst>
-                                            <p:cond delay="0"/>
-                                          </p:stCondLst>
-                                        </p:cTn>
-                                        <p:tgtEl>
-                                          <p:spTgt spid="3">
-                                            <p:txEl>
-                                              <p:pRg st="0" end="0"/>
-                                            </p:txEl>
-                                          </p:spTgt>
-                                        </p:tgtEl>
-                                        <p:attrNameLst>
-                                          <p:attrName>style.visibility</p:attrName>
-                                        </p:attrNameLst>
-                                      </p:cBhvr>
-                                      <p:to>
-                                        <p:strVal val="visible"/>
-                                      </p:to>
-                                    </p:set>
-                                    <p:animEffect transition="in" filter="fade">
-                                      <p:cBhvr>
-                                        <p:cTn id="31" dur="1000"/>
-                                        <p:tgtEl>
-                                          <p:spTgt spid="3">
-                                            <p:txEl>
-                                              <p:pRg st="0" end="0"/>
-                                            </p:txEl>
-                                          </p:spTgt>
-                                        </p:tgtEl>
-                                      </p:cBhvr>
-                                    </p:animEffect>
-                                    <p:anim calcmode="lin" valueType="num">
-                                      <p:cBhvr>
-                                        <p:cTn id="32" dur="1000" fill="hold"/>
-                                        <p:tgtEl>
-                                          <p:spTgt spid="3">
-                                            <p:txEl>
-                                              <p:pRg st="0" end="0"/>
-                                            </p:txEl>
-                                          </p:spTgt>
-                                        </p:tgtEl>
-                                        <p:attrNameLst>
-                                          <p:attrName>ppt_x</p:attrName>
-                                        </p:attrNameLst>
-                                      </p:cBhvr>
-                                      <p:tavLst>
-                                        <p:tav tm="0">
-                                          <p:val>
-                                            <p:strVal val="#ppt_x"/>
-                                          </p:val>
-                                        </p:tav>
-                                        <p:tav tm="100000">
-                                          <p:val>
-                                            <p:strVal val="#ppt_x"/>
-                                          </p:val>
-                                        </p:tav>
-                                      </p:tavLst>
-                                    </p:anim>
-                                    <p:anim calcmode="lin" valueType="num">
-                                      <p:cBhvr>
-                                        <p:cTn id="33" dur="1000" fill="hold"/>
-                                        <p:tgtEl>
-                                          <p:spTgt spid="3">
-                                            <p:txEl>
-                                              <p:pRg st="0" end="0"/>
-                                            </p:txEl>
-                                          </p:spTgt>
-                                        </p:tgtEl>
-                                        <p:attrNameLst>
-                                          <p:attrName>ppt_y</p:attrName>
-                                        </p:attrNameLst>
-                                      </p:cBhvr>
-                                      <p:tavLst>
-                                        <p:tav tm="0">
-                                          <p:val>
-                                            <p:strVal val="#ppt_y+.1"/>
-                                          </p:val>
-                                        </p:tav>
-                                        <p:tav tm="100000">
-                                          <p:val>
-                                            <p:strVal val="#ppt_y"/>
-                                          </p:val>
-                                        </p:tav>
-                                      </p:tavLst>
-                                    </p:anim>
-                                  </p:childTnLst>
-                                </p:cTn>
-                              </p:par>
-                            </p:childTnLst>
-                          </p:cTn>
-                        </p:par>
-                      </p:childTnLst>
-                    </p:cTn>
-                  </p:par>
-                </p:childTnLst>
-              </p:cTn>
-              <p:prevCondLst>
-                <p:cond evt="onPrev" delay="0">
-                  <p:tgtEl>
-                    <p:sldTgt/>
-                  </p:tgtEl>
-                </p:cond>
-              </p:prevCondLst>
-              <p:nextCondLst>
-                <p:cond evt="onNext" delay="0">
-                  <p:tgtEl>
-                    <p:sldTgt/>
-                  </p:tgtEl>
-                </p:cond>
-              </p:nextCondLst>
-            </p:seq>
-          </p:childTnLst>
-        </p:cTn>
-      </p:par>
-    </p:tnLst>
-  </p:timing>
-</p:sld>
-</file>
-
-<file path=ppt/slides/slide36.xml><?xml version="1.0" encoding="utf-8"?>
-<p:sld xmlns:a="http://schemas.openxmlformats.org/drawingml/2006/main" xmlns:r="http://schemas.openxmlformats.org/officeDocument/2006/relationships" xmlns:p="http://schemas.openxmlformats.org/presentationml/2006/main">
-  <p:cSld>
-    <p:spTree>
-      <p:nvGrpSpPr>
-        <p:cNvPr id="1" name=""/>
-        <p:cNvGrpSpPr/>
-        <p:nvPr/>
-      </p:nvGrpSpPr>
-      <p:grpSpPr>
-        <a:xfrm>
-          <a:off x="0" y="0"/>
-          <a:ext cx="0" cy="0"/>
-          <a:chOff x="0" y="0"/>
-          <a:chExt cx="0" cy="0"/>
-        </a:xfrm>
-      </p:grpSpPr>
-      <p:sp>
-        <p:nvSpPr>
           <p:cNvPr id="3" name="Titre 2"/>
           <p:cNvSpPr>
             <a:spLocks noGrp="1"/>
@@ -13815,7 +13605,7 @@
 </p:sld>
 </file>
 
-<file path=ppt/slides/slide37.xml><?xml version="1.0" encoding="utf-8"?>
+<file path=ppt/slides/slide36.xml><?xml version="1.0" encoding="utf-8"?>
 <p:sld xmlns:a="http://schemas.openxmlformats.org/drawingml/2006/main" xmlns:r="http://schemas.openxmlformats.org/officeDocument/2006/relationships" xmlns:p="http://schemas.openxmlformats.org/presentationml/2006/main">
   <p:cSld>
     <p:bg>
@@ -14007,7 +13797,7 @@
 </p:sld>
 </file>
 
-<file path=ppt/slides/slide38.xml><?xml version="1.0" encoding="utf-8"?>
+<file path=ppt/slides/slide37.xml><?xml version="1.0" encoding="utf-8"?>
 <p:sld xmlns:a="http://schemas.openxmlformats.org/drawingml/2006/main" xmlns:r="http://schemas.openxmlformats.org/officeDocument/2006/relationships" xmlns:p="http://schemas.openxmlformats.org/presentationml/2006/main">
   <p:cSld>
     <p:spTree>
@@ -14805,7 +14595,7 @@
 </p:sld>
 </file>
 
-<file path=ppt/slides/slide39.xml><?xml version="1.0" encoding="utf-8"?>
+<file path=ppt/slides/slide38.xml><?xml version="1.0" encoding="utf-8"?>
 <p:sld xmlns:a="http://schemas.openxmlformats.org/drawingml/2006/main" xmlns:r="http://schemas.openxmlformats.org/officeDocument/2006/relationships" xmlns:p="http://schemas.openxmlformats.org/presentationml/2006/main">
   <p:cSld>
     <p:spTree>
@@ -16120,220 +15910,7 @@
 </p:sld>
 </file>
 
-<file path=ppt/slides/slide4.xml><?xml version="1.0" encoding="utf-8"?>
-<p:sld xmlns:a="http://schemas.openxmlformats.org/drawingml/2006/main" xmlns:r="http://schemas.openxmlformats.org/officeDocument/2006/relationships" xmlns:p="http://schemas.openxmlformats.org/presentationml/2006/main">
-  <p:cSld>
-    <p:spTree>
-      <p:nvGrpSpPr>
-        <p:cNvPr id="1" name=""/>
-        <p:cNvGrpSpPr/>
-        <p:nvPr/>
-      </p:nvGrpSpPr>
-      <p:grpSpPr>
-        <a:xfrm>
-          <a:off x="0" y="0"/>
-          <a:ext cx="0" cy="0"/>
-          <a:chOff x="0" y="0"/>
-          <a:chExt cx="0" cy="0"/>
-        </a:xfrm>
-      </p:grpSpPr>
-      <p:pic>
-        <p:nvPicPr>
-          <p:cNvPr id="3" name="Picture 2">
-            <a:extLst>
-              <a:ext uri="{FF2B5EF4-FFF2-40B4-BE49-F238E27FC236}">
-                <a16:creationId xmlns:a16="http://schemas.microsoft.com/office/drawing/2014/main" xmlns="" id="{2A456100-564B-3744-BE2D-55C75AE036BE}"/>
-              </a:ext>
-            </a:extLst>
-          </p:cNvPr>
-          <p:cNvPicPr>
-            <a:picLocks noChangeAspect="1"/>
-          </p:cNvPicPr>
-          <p:nvPr/>
-        </p:nvPicPr>
-        <p:blipFill>
-          <a:blip r:embed="rId2"/>
-          <a:stretch>
-            <a:fillRect/>
-          </a:stretch>
-        </p:blipFill>
-        <p:spPr>
-          <a:xfrm>
-            <a:off x="0" y="0"/>
-            <a:ext cx="9144000" cy="5143500"/>
-          </a:xfrm>
-          <a:prstGeom prst="rect">
-            <a:avLst/>
-          </a:prstGeom>
-        </p:spPr>
-      </p:pic>
-      <p:sp>
-        <p:nvSpPr>
-          <p:cNvPr id="5" name="Content Placeholder 4"/>
-          <p:cNvSpPr>
-            <a:spLocks noGrp="1"/>
-          </p:cNvSpPr>
-          <p:nvPr>
-            <p:ph idx="1"/>
-          </p:nvPr>
-        </p:nvSpPr>
-        <p:spPr/>
-        <p:txBody>
-          <a:bodyPr>
-            <a:normAutofit lnSpcReduction="10000"/>
-          </a:bodyPr>
-          <a:lstStyle/>
-          <a:p>
-            <a:pPr lvl="0">
-              <a:buSzPct val="45000"/>
-              <a:buFont typeface="StarSymbol"/>
-              <a:buChar char="●"/>
-            </a:pPr>
-            <a:r>
-              <a:rPr lang="fr-FR" dirty="0"/>
-              <a:t>L'</a:t>
-            </a:r>
-            <a:r>
-              <a:rPr lang="fr-FR" b="1" dirty="0"/>
-              <a:t>apprentissage automatique</a:t>
-            </a:r>
-            <a:r>
-              <a:rPr lang="fr-FR" dirty="0"/>
-              <a:t> (en anglais </a:t>
-            </a:r>
-            <a:r>
-              <a:rPr lang="fr-FR" i="1" dirty="0">
-                <a:solidFill>
-                  <a:srgbClr val="FF8C00"/>
-                </a:solidFill>
-              </a:rPr>
-              <a:t>machine </a:t>
-            </a:r>
-            <a:r>
-              <a:rPr lang="fr-FR" i="1" dirty="0" err="1">
-                <a:solidFill>
-                  <a:srgbClr val="FF8C00"/>
-                </a:solidFill>
-              </a:rPr>
-              <a:t>learning</a:t>
-            </a:r>
-            <a:r>
-              <a:rPr lang="fr-FR" dirty="0"/>
-              <a:t>, littéralement « l'</a:t>
-            </a:r>
-            <a:r>
-              <a:rPr lang="fr-FR" b="1" dirty="0"/>
-              <a:t>apprentissage machine</a:t>
-            </a:r>
-            <a:r>
-              <a:rPr lang="fr-FR" dirty="0"/>
-              <a:t> ») ou </a:t>
-            </a:r>
-            <a:r>
-              <a:rPr lang="fr-FR" b="1" dirty="0"/>
-              <a:t>apprentissage statistique</a:t>
-            </a:r>
-            <a:r>
-              <a:rPr lang="fr-FR" dirty="0"/>
-              <a:t> est un champ d'étude de l'</a:t>
-            </a:r>
-            <a:r>
-              <a:rPr lang="fr-FR" dirty="0">
-                <a:hlinkClick r:id="rId3" tooltip="Intelligence artificielle"/>
-              </a:rPr>
-              <a:t>intelligence artificielle</a:t>
-            </a:r>
-            <a:r>
-              <a:rPr lang="fr-FR" dirty="0"/>
-              <a:t> qui se fonde sur des approches statistiques pour donner aux </a:t>
-            </a:r>
-            <a:r>
-              <a:rPr lang="fr-FR" dirty="0">
-                <a:hlinkClick r:id="rId4" tooltip="Ordinateur"/>
-              </a:rPr>
-              <a:t>ordinateurs</a:t>
-            </a:r>
-            <a:r>
-              <a:rPr lang="fr-FR" dirty="0"/>
-              <a:t> la capacité d' « apprendre » à partir de données, c'est-à-dire d'améliorer leurs performances à résoudre des tâches sans être explicitement programmés pour chacune. Plus largement, cela concerne la conception, l'analyse, le développement et l'implémentation de telles méthodes</a:t>
-            </a:r>
-            <a:r>
-              <a:rPr lang="fr-FR" dirty="0" smtClean="0"/>
-              <a:t>.</a:t>
-            </a:r>
-            <a:r>
-              <a:rPr lang="en-US" dirty="0">
-                <a:hlinkClick r:id="rId5"/>
-              </a:rPr>
-              <a:t> </a:t>
-            </a:r>
-            <a:r>
-              <a:rPr lang="en-US" dirty="0" err="1">
-                <a:hlinkClick r:id="rId5"/>
-              </a:rPr>
-              <a:t>Wikipédia</a:t>
-            </a:r>
-            <a:endParaRPr lang="fr-FR" dirty="0">
-              <a:latin typeface="Segoe UI" panose="020B0502040204020203" pitchFamily="34" charset="0"/>
-              <a:cs typeface="Segoe UI" panose="020B0502040204020203" pitchFamily="34" charset="0"/>
-            </a:endParaRPr>
-          </a:p>
-        </p:txBody>
-      </p:sp>
-      <p:sp>
-        <p:nvSpPr>
-          <p:cNvPr id="4" name="Title 3"/>
-          <p:cNvSpPr>
-            <a:spLocks noGrp="1"/>
-          </p:cNvSpPr>
-          <p:nvPr>
-            <p:ph type="title"/>
-          </p:nvPr>
-        </p:nvSpPr>
-        <p:spPr>
-          <a:xfrm>
-            <a:off x="233169" y="141555"/>
-            <a:ext cx="6362158" cy="406715"/>
-          </a:xfrm>
-          <a:prstGeom prst="rect">
-            <a:avLst/>
-          </a:prstGeom>
-        </p:spPr>
-        <p:txBody>
-          <a:bodyPr>
-            <a:normAutofit fontScale="90000"/>
-          </a:bodyPr>
-          <a:lstStyle/>
-          <a:p>
-            <a:r>
-              <a:rPr lang="en-US" dirty="0" smtClean="0"/>
-              <a:t>What’s Machine Learning???</a:t>
-            </a:r>
-            <a:endParaRPr lang="en-US" dirty="0"/>
-          </a:p>
-        </p:txBody>
-      </p:sp>
-    </p:spTree>
-    <p:extLst>
-      <p:ext uri="{BB962C8B-B14F-4D97-AF65-F5344CB8AC3E}">
-        <p14:creationId xmlns:p14="http://schemas.microsoft.com/office/powerpoint/2010/main" val="3488808551"/>
-      </p:ext>
-    </p:extLst>
-  </p:cSld>
-  <p:clrMapOvr>
-    <a:masterClrMapping/>
-  </p:clrMapOvr>
-  <p:timing>
-    <p:tnLst>
-      <p:par>
-        <p:cTn id="1" dur="indefinite" restart="never" nodeType="tmRoot"/>
-      </p:par>
-    </p:tnLst>
-  </p:timing>
-</p:sld>
-</file>
-
-<file path=ppt/slides/slide40.xml><?xml version="1.0" encoding="utf-8"?>
+<file path=ppt/slides/slide39.xml><?xml version="1.0" encoding="utf-8"?>
 <p:sld xmlns:a="http://schemas.openxmlformats.org/drawingml/2006/main" xmlns:r="http://schemas.openxmlformats.org/officeDocument/2006/relationships" xmlns:p="http://schemas.openxmlformats.org/presentationml/2006/main">
   <p:cSld>
     <p:spTree>
@@ -17631,6 +17208,263 @@
 </p:sld>
 </file>
 
+<file path=ppt/slides/slide4.xml><?xml version="1.0" encoding="utf-8"?>
+<p:sld xmlns:a="http://schemas.openxmlformats.org/drawingml/2006/main" xmlns:r="http://schemas.openxmlformats.org/officeDocument/2006/relationships" xmlns:p="http://schemas.openxmlformats.org/presentationml/2006/main">
+  <p:cSld>
+    <p:spTree>
+      <p:nvGrpSpPr>
+        <p:cNvPr id="1" name=""/>
+        <p:cNvGrpSpPr/>
+        <p:nvPr/>
+      </p:nvGrpSpPr>
+      <p:grpSpPr>
+        <a:xfrm>
+          <a:off x="0" y="0"/>
+          <a:ext cx="0" cy="0"/>
+          <a:chOff x="0" y="0"/>
+          <a:chExt cx="0" cy="0"/>
+        </a:xfrm>
+      </p:grpSpPr>
+      <p:pic>
+        <p:nvPicPr>
+          <p:cNvPr id="3" name="Picture 2">
+            <a:extLst>
+              <a:ext uri="{FF2B5EF4-FFF2-40B4-BE49-F238E27FC236}">
+                <a16:creationId xmlns:a16="http://schemas.microsoft.com/office/drawing/2014/main" xmlns="" id="{2A456100-564B-3744-BE2D-55C75AE036BE}"/>
+              </a:ext>
+            </a:extLst>
+          </p:cNvPr>
+          <p:cNvPicPr>
+            <a:picLocks noChangeAspect="1"/>
+          </p:cNvPicPr>
+          <p:nvPr/>
+        </p:nvPicPr>
+        <p:blipFill>
+          <a:blip r:embed="rId2"/>
+          <a:stretch>
+            <a:fillRect/>
+          </a:stretch>
+        </p:blipFill>
+        <p:spPr>
+          <a:xfrm>
+            <a:off x="0" y="0"/>
+            <a:ext cx="9144000" cy="5143500"/>
+          </a:xfrm>
+          <a:prstGeom prst="rect">
+            <a:avLst/>
+          </a:prstGeom>
+        </p:spPr>
+      </p:pic>
+      <p:pic>
+        <p:nvPicPr>
+          <p:cNvPr id="2" name="Espace réservé du contenu 1"/>
+          <p:cNvPicPr>
+            <a:picLocks noGrp="1" noChangeAspect="1"/>
+          </p:cNvPicPr>
+          <p:nvPr>
+            <p:ph idx="1"/>
+          </p:nvPr>
+        </p:nvPicPr>
+        <p:blipFill>
+          <a:blip r:embed="rId3">
+            <a:extLst>
+              <a:ext uri="{28A0092B-C50C-407E-A947-70E740481C1C}">
+                <a14:useLocalDpi xmlns:a14="http://schemas.microsoft.com/office/drawing/2010/main" val="0"/>
+              </a:ext>
+            </a:extLst>
+          </a:blip>
+          <a:stretch>
+            <a:fillRect/>
+          </a:stretch>
+        </p:blipFill>
+        <p:spPr>
+          <a:xfrm>
+            <a:off x="369518" y="925513"/>
+            <a:ext cx="8724378" cy="3554412"/>
+          </a:xfrm>
+        </p:spPr>
+      </p:pic>
+      <p:sp>
+        <p:nvSpPr>
+          <p:cNvPr id="4" name="Title 3"/>
+          <p:cNvSpPr>
+            <a:spLocks noGrp="1"/>
+          </p:cNvSpPr>
+          <p:nvPr>
+            <p:ph type="title"/>
+          </p:nvPr>
+        </p:nvSpPr>
+        <p:spPr>
+          <a:xfrm>
+            <a:off x="233169" y="141555"/>
+            <a:ext cx="6362158" cy="406715"/>
+          </a:xfrm>
+          <a:prstGeom prst="rect">
+            <a:avLst/>
+          </a:prstGeom>
+        </p:spPr>
+        <p:txBody>
+          <a:bodyPr>
+            <a:normAutofit fontScale="90000"/>
+          </a:bodyPr>
+          <a:lstStyle/>
+          <a:p>
+            <a:r>
+              <a:rPr lang="en-US" dirty="0"/>
+              <a:t>What’s Machine Learning???</a:t>
+            </a:r>
+          </a:p>
+        </p:txBody>
+      </p:sp>
+    </p:spTree>
+    <p:extLst>
+      <p:ext uri="{BB962C8B-B14F-4D97-AF65-F5344CB8AC3E}">
+        <p14:creationId xmlns:p14="http://schemas.microsoft.com/office/powerpoint/2010/main" val="452527284"/>
+      </p:ext>
+    </p:extLst>
+  </p:cSld>
+  <p:clrMapOvr>
+    <a:masterClrMapping/>
+  </p:clrMapOvr>
+  <p:timing>
+    <p:tnLst>
+      <p:par>
+        <p:cTn id="1" dur="indefinite" restart="never" nodeType="tmRoot"/>
+      </p:par>
+    </p:tnLst>
+  </p:timing>
+</p:sld>
+</file>
+
+<file path=ppt/slides/slide40.xml><?xml version="1.0" encoding="utf-8"?>
+<p:sld xmlns:a="http://schemas.openxmlformats.org/drawingml/2006/main" xmlns:r="http://schemas.openxmlformats.org/officeDocument/2006/relationships" xmlns:p="http://schemas.openxmlformats.org/presentationml/2006/main">
+  <p:cSld>
+    <p:spTree>
+      <p:nvGrpSpPr>
+        <p:cNvPr id="1" name=""/>
+        <p:cNvGrpSpPr/>
+        <p:nvPr/>
+      </p:nvGrpSpPr>
+      <p:grpSpPr>
+        <a:xfrm>
+          <a:off x="0" y="0"/>
+          <a:ext cx="0" cy="0"/>
+          <a:chOff x="0" y="0"/>
+          <a:chExt cx="0" cy="0"/>
+        </a:xfrm>
+      </p:grpSpPr>
+      <p:pic>
+        <p:nvPicPr>
+          <p:cNvPr id="3" name="Picture 2">
+            <a:extLst>
+              <a:ext uri="{FF2B5EF4-FFF2-40B4-BE49-F238E27FC236}">
+                <a16:creationId xmlns:a16="http://schemas.microsoft.com/office/drawing/2014/main" xmlns="" id="{2A456100-564B-3744-BE2D-55C75AE036BE}"/>
+              </a:ext>
+            </a:extLst>
+          </p:cNvPr>
+          <p:cNvPicPr>
+            <a:picLocks noChangeAspect="1"/>
+          </p:cNvPicPr>
+          <p:nvPr/>
+        </p:nvPicPr>
+        <p:blipFill>
+          <a:blip r:embed="rId2"/>
+          <a:stretch>
+            <a:fillRect/>
+          </a:stretch>
+        </p:blipFill>
+        <p:spPr>
+          <a:xfrm>
+            <a:off x="0" y="0"/>
+            <a:ext cx="9144000" cy="5143500"/>
+          </a:xfrm>
+          <a:prstGeom prst="rect">
+            <a:avLst/>
+          </a:prstGeom>
+        </p:spPr>
+      </p:pic>
+      <p:sp>
+        <p:nvSpPr>
+          <p:cNvPr id="4" name="Title 3"/>
+          <p:cNvSpPr>
+            <a:spLocks noGrp="1"/>
+          </p:cNvSpPr>
+          <p:nvPr>
+            <p:ph type="title"/>
+          </p:nvPr>
+        </p:nvSpPr>
+        <p:spPr>
+          <a:xfrm>
+            <a:off x="233169" y="141555"/>
+            <a:ext cx="6362158" cy="406715"/>
+          </a:xfrm>
+          <a:prstGeom prst="rect">
+            <a:avLst/>
+          </a:prstGeom>
+        </p:spPr>
+        <p:txBody>
+          <a:bodyPr>
+            <a:normAutofit fontScale="90000"/>
+          </a:bodyPr>
+          <a:lstStyle/>
+          <a:p>
+            <a:r>
+              <a:rPr lang="en-US" dirty="0" smtClean="0"/>
+              <a:t>Learning Model</a:t>
+            </a:r>
+            <a:endParaRPr lang="en-US" dirty="0"/>
+          </a:p>
+        </p:txBody>
+      </p:sp>
+      <p:pic>
+        <p:nvPicPr>
+          <p:cNvPr id="5" name="Espace réservé du contenu 4"/>
+          <p:cNvPicPr>
+            <a:picLocks noGrp="1" noChangeAspect="1"/>
+          </p:cNvPicPr>
+          <p:nvPr>
+            <p:ph idx="1"/>
+          </p:nvPr>
+        </p:nvPicPr>
+        <p:blipFill>
+          <a:blip r:embed="rId3">
+            <a:extLst>
+              <a:ext uri="{28A0092B-C50C-407E-A947-70E740481C1C}">
+                <a14:useLocalDpi xmlns:a14="http://schemas.microsoft.com/office/drawing/2010/main" val="0"/>
+              </a:ext>
+            </a:extLst>
+          </a:blip>
+          <a:stretch>
+            <a:fillRect/>
+          </a:stretch>
+        </p:blipFill>
+        <p:spPr>
+          <a:xfrm>
+            <a:off x="93945" y="925513"/>
+            <a:ext cx="8793271" cy="3554412"/>
+          </a:xfrm>
+        </p:spPr>
+      </p:pic>
+    </p:spTree>
+    <p:extLst>
+      <p:ext uri="{BB962C8B-B14F-4D97-AF65-F5344CB8AC3E}">
+        <p14:creationId xmlns:p14="http://schemas.microsoft.com/office/powerpoint/2010/main" val="2272850256"/>
+      </p:ext>
+    </p:extLst>
+  </p:cSld>
+  <p:clrMapOvr>
+    <a:masterClrMapping/>
+  </p:clrMapOvr>
+  <p:timing>
+    <p:tnLst>
+      <p:par>
+        <p:cTn id="1" dur="indefinite" restart="never" nodeType="tmRoot"/>
+      </p:par>
+    </p:tnLst>
+  </p:timing>
+</p:sld>
+</file>
+
 <file path=ppt/slides/slide41.xml><?xml version="1.0" encoding="utf-8"?>
 <p:sld xmlns:a="http://schemas.openxmlformats.org/drawingml/2006/main" xmlns:r="http://schemas.openxmlformats.org/officeDocument/2006/relationships" xmlns:p="http://schemas.openxmlformats.org/presentationml/2006/main">
   <p:cSld>
@@ -17705,45 +17539,357 @@
           <a:p>
             <a:r>
               <a:rPr lang="en-US" dirty="0" smtClean="0"/>
-              <a:t>Learning Model</a:t>
+              <a:t>Résumé</a:t>
             </a:r>
             <a:endParaRPr lang="en-US" dirty="0"/>
           </a:p>
         </p:txBody>
       </p:sp>
-      <p:pic>
-        <p:nvPicPr>
-          <p:cNvPr id="5" name="Espace réservé du contenu 4"/>
-          <p:cNvPicPr>
-            <a:picLocks noGrp="1" noChangeAspect="1"/>
-          </p:cNvPicPr>
+      <p:sp>
+        <p:nvSpPr>
+          <p:cNvPr id="2" name="Espace réservé du contenu 1"/>
+          <p:cNvSpPr>
+            <a:spLocks noGrp="1"/>
+          </p:cNvSpPr>
           <p:nvPr>
             <p:ph idx="1"/>
           </p:nvPr>
-        </p:nvPicPr>
-        <p:blipFill>
-          <a:blip r:embed="rId3">
-            <a:extLst>
-              <a:ext uri="{28A0092B-C50C-407E-A947-70E740481C1C}">
-                <a14:useLocalDpi xmlns:a14="http://schemas.microsoft.com/office/drawing/2010/main" val="0"/>
-              </a:ext>
-            </a:extLst>
-          </a:blip>
-          <a:stretch>
-            <a:fillRect/>
-          </a:stretch>
-        </p:blipFill>
-        <p:spPr>
-          <a:xfrm>
-            <a:off x="93945" y="925513"/>
-            <a:ext cx="8793271" cy="3554412"/>
-          </a:xfrm>
-        </p:spPr>
-      </p:pic>
+        </p:nvSpPr>
+        <p:spPr/>
+        <p:txBody>
+          <a:bodyPr/>
+          <a:lstStyle/>
+          <a:p>
+            <a:r>
+              <a:rPr lang="en-US" dirty="0" smtClean="0"/>
+              <a:t>Un </a:t>
+            </a:r>
+            <a:r>
+              <a:rPr lang="en-US" dirty="0" err="1" smtClean="0"/>
+              <a:t>modèle</a:t>
+            </a:r>
+            <a:r>
+              <a:rPr lang="en-US" dirty="0" smtClean="0"/>
+              <a:t> </a:t>
+            </a:r>
+            <a:r>
+              <a:rPr lang="en-US" dirty="0" err="1" smtClean="0"/>
+              <a:t>d’apprentissage</a:t>
+            </a:r>
+            <a:r>
+              <a:rPr lang="en-US" dirty="0" smtClean="0"/>
+              <a:t> </a:t>
+            </a:r>
+            <a:r>
+              <a:rPr lang="en-US" dirty="0" err="1" smtClean="0"/>
+              <a:t>est</a:t>
+            </a:r>
+            <a:r>
+              <a:rPr lang="en-US" dirty="0" smtClean="0"/>
+              <a:t> </a:t>
+            </a:r>
+            <a:r>
+              <a:rPr lang="en-US" dirty="0" err="1" smtClean="0"/>
+              <a:t>soit</a:t>
+            </a:r>
+            <a:r>
+              <a:rPr lang="en-US" dirty="0" smtClean="0"/>
+              <a:t> </a:t>
+            </a:r>
+            <a:r>
+              <a:rPr lang="en-US" dirty="0" err="1" smtClean="0"/>
+              <a:t>une</a:t>
+            </a:r>
+            <a:r>
+              <a:rPr lang="en-US" dirty="0" smtClean="0"/>
+              <a:t> </a:t>
+            </a:r>
+            <a:r>
+              <a:rPr lang="en-US" dirty="0" err="1" smtClean="0"/>
+              <a:t>fonction</a:t>
+            </a:r>
+            <a:r>
+              <a:rPr lang="en-US" dirty="0" smtClean="0"/>
+              <a:t> </a:t>
+            </a:r>
+            <a:r>
+              <a:rPr lang="en-US" dirty="0" err="1" smtClean="0"/>
+              <a:t>mathématique</a:t>
+            </a:r>
+            <a:r>
+              <a:rPr lang="en-US" dirty="0" smtClean="0"/>
+              <a:t> (</a:t>
+            </a:r>
+            <a:r>
+              <a:rPr lang="en-US" dirty="0" err="1" smtClean="0"/>
+              <a:t>ou</a:t>
+            </a:r>
+            <a:r>
+              <a:rPr lang="en-US" dirty="0" smtClean="0"/>
+              <a:t> </a:t>
+            </a:r>
+            <a:r>
+              <a:rPr lang="en-US" dirty="0" err="1" smtClean="0"/>
+              <a:t>logique</a:t>
+            </a:r>
+            <a:r>
+              <a:rPr lang="en-US" dirty="0" smtClean="0"/>
+              <a:t>) simple </a:t>
+            </a:r>
+            <a:r>
+              <a:rPr lang="en-US" dirty="0" err="1" smtClean="0"/>
+              <a:t>ou</a:t>
+            </a:r>
+            <a:r>
+              <a:rPr lang="en-US" dirty="0" smtClean="0"/>
+              <a:t> </a:t>
+            </a:r>
+            <a:r>
+              <a:rPr lang="en-US" dirty="0" err="1" smtClean="0"/>
+              <a:t>composée</a:t>
+            </a:r>
+            <a:r>
+              <a:rPr lang="en-US" dirty="0" smtClean="0"/>
+              <a:t>, </a:t>
+            </a:r>
+            <a:r>
+              <a:rPr lang="en-US" dirty="0" err="1" smtClean="0"/>
+              <a:t>soit</a:t>
+            </a:r>
+            <a:r>
+              <a:rPr lang="en-US" dirty="0" smtClean="0"/>
+              <a:t> </a:t>
+            </a:r>
+            <a:r>
+              <a:rPr lang="en-US" dirty="0" err="1" smtClean="0"/>
+              <a:t>une</a:t>
+            </a:r>
+            <a:r>
+              <a:rPr lang="en-US" dirty="0" smtClean="0"/>
+              <a:t> </a:t>
+            </a:r>
+            <a:r>
+              <a:rPr lang="en-US" dirty="0" err="1" smtClean="0"/>
+              <a:t>logique</a:t>
+            </a:r>
+            <a:r>
+              <a:rPr lang="en-US" dirty="0" smtClean="0"/>
+              <a:t>(schema) à </a:t>
+            </a:r>
+            <a:r>
+              <a:rPr lang="en-US" dirty="0" err="1" smtClean="0"/>
+              <a:t>suivre</a:t>
+            </a:r>
+            <a:r>
+              <a:rPr lang="en-US" dirty="0" smtClean="0"/>
+              <a:t> pour </a:t>
+            </a:r>
+            <a:r>
+              <a:rPr lang="en-US" dirty="0" err="1" smtClean="0"/>
+              <a:t>réaliser</a:t>
+            </a:r>
+            <a:r>
+              <a:rPr lang="en-US" dirty="0" smtClean="0"/>
+              <a:t> </a:t>
+            </a:r>
+            <a:r>
+              <a:rPr lang="en-US" dirty="0" err="1" smtClean="0"/>
+              <a:t>une</a:t>
+            </a:r>
+            <a:r>
+              <a:rPr lang="en-US" dirty="0" smtClean="0"/>
+              <a:t> </a:t>
+            </a:r>
+            <a:r>
+              <a:rPr lang="en-US" dirty="0" err="1" smtClean="0"/>
+              <a:t>tache</a:t>
+            </a:r>
+            <a:r>
+              <a:rPr lang="en-US" dirty="0" smtClean="0"/>
+              <a:t>.</a:t>
+            </a:r>
+          </a:p>
+          <a:p>
+            <a:r>
+              <a:rPr lang="en-US" dirty="0" err="1" smtClean="0"/>
+              <a:t>C’est</a:t>
+            </a:r>
+            <a:r>
+              <a:rPr lang="en-US" dirty="0" smtClean="0"/>
+              <a:t> à la machine de </a:t>
+            </a:r>
+            <a:r>
+              <a:rPr lang="en-US" dirty="0" err="1" smtClean="0"/>
+              <a:t>trouver</a:t>
+            </a:r>
+            <a:r>
+              <a:rPr lang="en-US" dirty="0" smtClean="0"/>
+              <a:t> </a:t>
+            </a:r>
+            <a:r>
+              <a:rPr lang="en-US" dirty="0" err="1" smtClean="0"/>
+              <a:t>ce</a:t>
+            </a:r>
+            <a:r>
+              <a:rPr lang="en-US" dirty="0" smtClean="0"/>
+              <a:t> </a:t>
+            </a:r>
+            <a:r>
+              <a:rPr lang="en-US" dirty="0" err="1" smtClean="0"/>
+              <a:t>modèle</a:t>
+            </a:r>
+            <a:r>
+              <a:rPr lang="en-US" dirty="0" smtClean="0"/>
+              <a:t> </a:t>
+            </a:r>
+            <a:r>
+              <a:rPr lang="en-US" dirty="0" err="1" smtClean="0"/>
+              <a:t>d’apprentissage</a:t>
+            </a:r>
+            <a:r>
+              <a:rPr lang="en-US" dirty="0" smtClean="0"/>
+              <a:t> (</a:t>
+            </a:r>
+            <a:r>
+              <a:rPr lang="en-US" dirty="0" err="1" smtClean="0"/>
+              <a:t>fonction</a:t>
+            </a:r>
+            <a:r>
+              <a:rPr lang="en-US" dirty="0" smtClean="0"/>
+              <a:t> </a:t>
+            </a:r>
+            <a:r>
+              <a:rPr lang="en-US" dirty="0" err="1" smtClean="0"/>
+              <a:t>ou</a:t>
+            </a:r>
+            <a:r>
+              <a:rPr lang="en-US" dirty="0" smtClean="0"/>
+              <a:t> </a:t>
+            </a:r>
+            <a:r>
+              <a:rPr lang="en-US" dirty="0" err="1" smtClean="0"/>
+              <a:t>logique</a:t>
+            </a:r>
+            <a:r>
+              <a:rPr lang="en-US" dirty="0" smtClean="0"/>
+              <a:t> à </a:t>
+            </a:r>
+            <a:r>
+              <a:rPr lang="en-US" dirty="0" err="1" smtClean="0"/>
+              <a:t>suivre</a:t>
+            </a:r>
+            <a:r>
+              <a:rPr lang="en-US" dirty="0" smtClean="0"/>
+              <a:t>) </a:t>
+            </a:r>
+            <a:r>
+              <a:rPr lang="en-US" dirty="0" err="1" smtClean="0"/>
+              <a:t>partant</a:t>
+            </a:r>
+            <a:r>
+              <a:rPr lang="en-US" dirty="0" smtClean="0"/>
+              <a:t> de </a:t>
+            </a:r>
+            <a:r>
+              <a:rPr lang="en-US" dirty="0" err="1" smtClean="0"/>
+              <a:t>données</a:t>
+            </a:r>
+            <a:r>
+              <a:rPr lang="en-US" dirty="0" smtClean="0"/>
+              <a:t> qui </a:t>
+            </a:r>
+            <a:r>
+              <a:rPr lang="en-US" dirty="0" err="1" smtClean="0"/>
+              <a:t>lui</a:t>
+            </a:r>
+            <a:r>
+              <a:rPr lang="en-US" dirty="0" smtClean="0"/>
+              <a:t> </a:t>
+            </a:r>
+            <a:r>
+              <a:rPr lang="en-US" dirty="0" err="1" smtClean="0"/>
+              <a:t>sont</a:t>
+            </a:r>
+            <a:r>
+              <a:rPr lang="en-US" dirty="0" smtClean="0"/>
+              <a:t> </a:t>
+            </a:r>
+            <a:r>
+              <a:rPr lang="en-US" dirty="0" err="1" smtClean="0"/>
+              <a:t>fournies</a:t>
+            </a:r>
+            <a:r>
+              <a:rPr lang="en-US" dirty="0" smtClean="0"/>
+              <a:t> (supervise &amp; unsupervised) </a:t>
+            </a:r>
+            <a:r>
+              <a:rPr lang="en-US" dirty="0" err="1" smtClean="0"/>
+              <a:t>ou</a:t>
+            </a:r>
+            <a:r>
+              <a:rPr lang="en-US" dirty="0" smtClean="0"/>
+              <a:t> </a:t>
+            </a:r>
+            <a:r>
+              <a:rPr lang="en-US" dirty="0" err="1" smtClean="0"/>
+              <a:t>celles</a:t>
+            </a:r>
+            <a:r>
+              <a:rPr lang="en-US" dirty="0" smtClean="0"/>
+              <a:t> </a:t>
+            </a:r>
+            <a:r>
+              <a:rPr lang="en-US" dirty="0" err="1" smtClean="0"/>
+              <a:t>qu’elle</a:t>
+            </a:r>
+            <a:r>
+              <a:rPr lang="en-US" dirty="0" smtClean="0"/>
+              <a:t> </a:t>
+            </a:r>
+            <a:r>
+              <a:rPr lang="en-US" dirty="0" err="1" smtClean="0"/>
+              <a:t>récupère</a:t>
+            </a:r>
+            <a:r>
+              <a:rPr lang="en-US" dirty="0" smtClean="0"/>
+              <a:t> </a:t>
+            </a:r>
+            <a:r>
+              <a:rPr lang="en-US" dirty="0" err="1" smtClean="0"/>
+              <a:t>dans</a:t>
+            </a:r>
+            <a:r>
+              <a:rPr lang="en-US" dirty="0" smtClean="0"/>
+              <a:t> un </a:t>
+            </a:r>
+            <a:r>
+              <a:rPr lang="en-US" dirty="0" err="1" smtClean="0"/>
+              <a:t>environnement</a:t>
+            </a:r>
+            <a:r>
+              <a:rPr lang="en-US" dirty="0" smtClean="0"/>
+              <a:t> </a:t>
+            </a:r>
+            <a:r>
+              <a:rPr lang="en-US" dirty="0" err="1" smtClean="0"/>
+              <a:t>donné</a:t>
+            </a:r>
+            <a:r>
+              <a:rPr lang="en-US" dirty="0"/>
+              <a:t> </a:t>
+            </a:r>
+            <a:r>
+              <a:rPr lang="en-US" dirty="0" smtClean="0"/>
+              <a:t>(Reinforcing).</a:t>
+            </a:r>
+            <a:endParaRPr lang="en-US" dirty="0"/>
+          </a:p>
+        </p:txBody>
+      </p:sp>
     </p:spTree>
     <p:extLst>
       <p:ext uri="{BB962C8B-B14F-4D97-AF65-F5344CB8AC3E}">
-        <p14:creationId xmlns:p14="http://schemas.microsoft.com/office/powerpoint/2010/main" val="2272850256"/>
+        <p14:creationId xmlns:p14="http://schemas.microsoft.com/office/powerpoint/2010/main" val="950275472"/>
       </p:ext>
     </p:extLst>
   </p:cSld>
@@ -17956,1685 +18102,6 @@
 </file>
 
 <file path=ppt/slides/slide43.xml><?xml version="1.0" encoding="utf-8"?>
-<p:sld xmlns:a="http://schemas.openxmlformats.org/drawingml/2006/main" xmlns:r="http://schemas.openxmlformats.org/officeDocument/2006/relationships" xmlns:p="http://schemas.openxmlformats.org/presentationml/2006/main">
-  <p:cSld>
-    <p:spTree>
-      <p:nvGrpSpPr>
-        <p:cNvPr id="1" name=""/>
-        <p:cNvGrpSpPr/>
-        <p:nvPr/>
-      </p:nvGrpSpPr>
-      <p:grpSpPr>
-        <a:xfrm>
-          <a:off x="0" y="0"/>
-          <a:ext cx="0" cy="0"/>
-          <a:chOff x="0" y="0"/>
-          <a:chExt cx="0" cy="0"/>
-        </a:xfrm>
-      </p:grpSpPr>
-      <p:pic>
-        <p:nvPicPr>
-          <p:cNvPr id="3" name="Picture 2">
-            <a:extLst>
-              <a:ext uri="{FF2B5EF4-FFF2-40B4-BE49-F238E27FC236}">
-                <a16:creationId xmlns:a16="http://schemas.microsoft.com/office/drawing/2014/main" xmlns="" id="{7E4ED65F-B8F7-C24A-8BF3-835815BCD9A2}"/>
-              </a:ext>
-            </a:extLst>
-          </p:cNvPr>
-          <p:cNvPicPr>
-            <a:picLocks noChangeAspect="1"/>
-          </p:cNvPicPr>
-          <p:nvPr/>
-        </p:nvPicPr>
-        <p:blipFill>
-          <a:blip r:embed="rId2"/>
-          <a:stretch>
-            <a:fillRect/>
-          </a:stretch>
-        </p:blipFill>
-        <p:spPr>
-          <a:xfrm>
-            <a:off x="0" y="0"/>
-            <a:ext cx="9144000" cy="5143500"/>
-          </a:xfrm>
-          <a:prstGeom prst="rect">
-            <a:avLst/>
-          </a:prstGeom>
-        </p:spPr>
-      </p:pic>
-      <p:sp>
-        <p:nvSpPr>
-          <p:cNvPr id="4" name="Title 3"/>
-          <p:cNvSpPr>
-            <a:spLocks noGrp="1"/>
-          </p:cNvSpPr>
-          <p:nvPr>
-            <p:ph type="title"/>
-          </p:nvPr>
-        </p:nvSpPr>
-        <p:spPr>
-          <a:prstGeom prst="rect">
-            <a:avLst/>
-          </a:prstGeom>
-        </p:spPr>
-        <p:txBody>
-          <a:bodyPr>
-            <a:normAutofit fontScale="90000"/>
-          </a:bodyPr>
-          <a:lstStyle/>
-          <a:p>
-            <a:r>
-              <a:rPr lang="en-US" dirty="0" smtClean="0"/>
-              <a:t>Linear Regression</a:t>
-            </a:r>
-            <a:endParaRPr lang="en-US" dirty="0"/>
-          </a:p>
-        </p:txBody>
-      </p:sp>
-      <p:sp>
-        <p:nvSpPr>
-          <p:cNvPr id="5" name="Espace réservé du contenu 4"/>
-          <p:cNvSpPr>
-            <a:spLocks noGrp="1"/>
-          </p:cNvSpPr>
-          <p:nvPr>
-            <p:ph idx="1"/>
-          </p:nvPr>
-        </p:nvSpPr>
-        <p:spPr/>
-        <p:txBody>
-          <a:bodyPr>
-            <a:normAutofit fontScale="92500" lnSpcReduction="10000"/>
-          </a:bodyPr>
-          <a:lstStyle/>
-          <a:p>
-            <a:r>
-              <a:rPr lang="fr-FR" dirty="0"/>
-              <a:t>En statistiques, en économétrie et en apprentissage automatique, un modèle de régression linéaire est un modèle de régression qui cherche à établir une relation linéaire entre une variable, dite expliquée, et une ou plusieurs variables, dites explicatives. </a:t>
-            </a:r>
-            <a:r>
-              <a:rPr lang="fr-FR" dirty="0">
-                <a:hlinkClick r:id="rId3"/>
-              </a:rPr>
-              <a:t>Wikipédia</a:t>
-            </a:r>
-            <a:endParaRPr lang="en-US" dirty="0"/>
-          </a:p>
-        </p:txBody>
-      </p:sp>
-      <p:sp>
-        <p:nvSpPr>
-          <p:cNvPr id="2" name="Espace réservé du contenu 1"/>
-          <p:cNvSpPr>
-            <a:spLocks noGrp="1"/>
-          </p:cNvSpPr>
-          <p:nvPr>
-            <p:ph idx="10"/>
-          </p:nvPr>
-        </p:nvSpPr>
-        <p:spPr/>
-        <p:txBody>
-          <a:bodyPr/>
-          <a:lstStyle/>
-          <a:p>
-            <a:r>
-              <a:rPr lang="en-US" dirty="0" err="1" smtClean="0">
-                <a:solidFill>
-                  <a:schemeClr val="tx1"/>
-                </a:solidFill>
-              </a:rPr>
-              <a:t>Selon</a:t>
-            </a:r>
-            <a:r>
-              <a:rPr lang="en-US" dirty="0" smtClean="0">
-                <a:solidFill>
-                  <a:schemeClr val="tx1"/>
-                </a:solidFill>
-              </a:rPr>
-              <a:t> le type de la variable en sortie</a:t>
-            </a:r>
-          </a:p>
-          <a:p>
-            <a:pPr marL="857250" lvl="1" indent="-514350">
-              <a:buFont typeface="+mj-lt"/>
-              <a:buAutoNum type="arabicPeriod"/>
-            </a:pPr>
-            <a:r>
-              <a:rPr lang="en-US" b="1" i="1" dirty="0" smtClean="0">
-                <a:solidFill>
-                  <a:schemeClr val="tx1"/>
-                </a:solidFill>
-              </a:rPr>
-              <a:t>Regression</a:t>
-            </a:r>
-          </a:p>
-          <a:p>
-            <a:pPr marL="857250" lvl="1" indent="-514350">
-              <a:buFont typeface="+mj-lt"/>
-              <a:buAutoNum type="arabicPeriod"/>
-            </a:pPr>
-            <a:r>
-              <a:rPr lang="en-US" b="1" i="1" dirty="0" smtClean="0">
-                <a:solidFill>
-                  <a:schemeClr val="tx1"/>
-                </a:solidFill>
-              </a:rPr>
-              <a:t>Classification</a:t>
-            </a:r>
-          </a:p>
-          <a:p>
-            <a:endParaRPr lang="en-US" dirty="0" smtClean="0">
-              <a:solidFill>
-                <a:schemeClr val="tx1"/>
-              </a:solidFill>
-            </a:endParaRPr>
-          </a:p>
-          <a:p>
-            <a:endParaRPr lang="en-US" dirty="0">
-              <a:solidFill>
-                <a:schemeClr val="tx1"/>
-              </a:solidFill>
-            </a:endParaRPr>
-          </a:p>
-        </p:txBody>
-      </p:sp>
-    </p:spTree>
-    <p:extLst>
-      <p:ext uri="{BB962C8B-B14F-4D97-AF65-F5344CB8AC3E}">
-        <p14:creationId xmlns:p14="http://schemas.microsoft.com/office/powerpoint/2010/main" val="1513896383"/>
-      </p:ext>
-    </p:extLst>
-  </p:cSld>
-  <p:clrMapOvr>
-    <a:masterClrMapping/>
-  </p:clrMapOvr>
-  <p:timing>
-    <p:tnLst>
-      <p:par>
-        <p:cTn id="1" dur="indefinite" restart="never" nodeType="tmRoot"/>
-      </p:par>
-    </p:tnLst>
-  </p:timing>
-</p:sld>
-</file>
-
-<file path=ppt/slides/slide44.xml><?xml version="1.0" encoding="utf-8"?>
-<p:sld xmlns:a="http://schemas.openxmlformats.org/drawingml/2006/main" xmlns:r="http://schemas.openxmlformats.org/officeDocument/2006/relationships" xmlns:p="http://schemas.openxmlformats.org/presentationml/2006/main">
-  <p:cSld>
-    <p:spTree>
-      <p:nvGrpSpPr>
-        <p:cNvPr id="1" name=""/>
-        <p:cNvGrpSpPr/>
-        <p:nvPr/>
-      </p:nvGrpSpPr>
-      <p:grpSpPr>
-        <a:xfrm>
-          <a:off x="0" y="0"/>
-          <a:ext cx="0" cy="0"/>
-          <a:chOff x="0" y="0"/>
-          <a:chExt cx="0" cy="0"/>
-        </a:xfrm>
-      </p:grpSpPr>
-      <p:pic>
-        <p:nvPicPr>
-          <p:cNvPr id="3" name="Picture 2">
-            <a:extLst>
-              <a:ext uri="{FF2B5EF4-FFF2-40B4-BE49-F238E27FC236}">
-                <a16:creationId xmlns:a16="http://schemas.microsoft.com/office/drawing/2014/main" xmlns="" id="{7E4ED65F-B8F7-C24A-8BF3-835815BCD9A2}"/>
-              </a:ext>
-            </a:extLst>
-          </p:cNvPr>
-          <p:cNvPicPr>
-            <a:picLocks noChangeAspect="1"/>
-          </p:cNvPicPr>
-          <p:nvPr/>
-        </p:nvPicPr>
-        <p:blipFill>
-          <a:blip r:embed="rId2"/>
-          <a:stretch>
-            <a:fillRect/>
-          </a:stretch>
-        </p:blipFill>
-        <p:spPr>
-          <a:xfrm>
-            <a:off x="0" y="0"/>
-            <a:ext cx="9144000" cy="5143500"/>
-          </a:xfrm>
-          <a:prstGeom prst="rect">
-            <a:avLst/>
-          </a:prstGeom>
-        </p:spPr>
-      </p:pic>
-      <p:sp>
-        <p:nvSpPr>
-          <p:cNvPr id="4" name="Title 3"/>
-          <p:cNvSpPr>
-            <a:spLocks noGrp="1"/>
-          </p:cNvSpPr>
-          <p:nvPr>
-            <p:ph type="title"/>
-          </p:nvPr>
-        </p:nvSpPr>
-        <p:spPr>
-          <a:prstGeom prst="rect">
-            <a:avLst/>
-          </a:prstGeom>
-        </p:spPr>
-        <p:txBody>
-          <a:bodyPr>
-            <a:normAutofit fontScale="90000"/>
-          </a:bodyPr>
-          <a:lstStyle/>
-          <a:p>
-            <a:r>
-              <a:rPr lang="en-US" dirty="0" smtClean="0"/>
-              <a:t>Logistical Regression</a:t>
-            </a:r>
-            <a:endParaRPr lang="en-US" dirty="0"/>
-          </a:p>
-        </p:txBody>
-      </p:sp>
-      <p:sp>
-        <p:nvSpPr>
-          <p:cNvPr id="5" name="Espace réservé du contenu 4"/>
-          <p:cNvSpPr>
-            <a:spLocks noGrp="1"/>
-          </p:cNvSpPr>
-          <p:nvPr>
-            <p:ph idx="1"/>
-          </p:nvPr>
-        </p:nvSpPr>
-        <p:spPr/>
-        <p:txBody>
-          <a:bodyPr>
-            <a:normAutofit fontScale="92500"/>
-          </a:bodyPr>
-          <a:lstStyle/>
-          <a:p>
-            <a:r>
-              <a:rPr lang="fr-FR" dirty="0"/>
-              <a:t>La régression logistique ou modèle </a:t>
-            </a:r>
-            <a:r>
-              <a:rPr lang="fr-FR" dirty="0" err="1"/>
-              <a:t>logit</a:t>
-            </a:r>
-            <a:r>
-              <a:rPr lang="fr-FR" dirty="0"/>
-              <a:t> est un modèle de régression binomiale. Comme pour tous les modèles de régression binomiale, il s'agit de modéliser au mieux un modèle mathématique simple à des observations réelles nombreuses. </a:t>
-            </a:r>
-            <a:r>
-              <a:rPr lang="fr-FR" dirty="0">
-                <a:hlinkClick r:id="rId3"/>
-              </a:rPr>
-              <a:t>Wikipédia</a:t>
-            </a:r>
-            <a:endParaRPr lang="en-US" dirty="0"/>
-          </a:p>
-        </p:txBody>
-      </p:sp>
-      <p:sp>
-        <p:nvSpPr>
-          <p:cNvPr id="2" name="Espace réservé du contenu 1"/>
-          <p:cNvSpPr>
-            <a:spLocks noGrp="1"/>
-          </p:cNvSpPr>
-          <p:nvPr>
-            <p:ph idx="10"/>
-          </p:nvPr>
-        </p:nvSpPr>
-        <p:spPr/>
-        <p:txBody>
-          <a:bodyPr/>
-          <a:lstStyle/>
-          <a:p>
-            <a:r>
-              <a:rPr lang="en-US" dirty="0" err="1" smtClean="0">
-                <a:solidFill>
-                  <a:schemeClr val="tx1"/>
-                </a:solidFill>
-              </a:rPr>
-              <a:t>Selon</a:t>
-            </a:r>
-            <a:r>
-              <a:rPr lang="en-US" dirty="0" smtClean="0">
-                <a:solidFill>
-                  <a:schemeClr val="tx1"/>
-                </a:solidFill>
-              </a:rPr>
-              <a:t> le type de la variable en sortie</a:t>
-            </a:r>
-          </a:p>
-          <a:p>
-            <a:pPr marL="857250" lvl="1" indent="-514350">
-              <a:buFont typeface="+mj-lt"/>
-              <a:buAutoNum type="arabicPeriod"/>
-            </a:pPr>
-            <a:r>
-              <a:rPr lang="en-US" b="1" i="1" dirty="0" smtClean="0">
-                <a:solidFill>
-                  <a:schemeClr val="tx1"/>
-                </a:solidFill>
-              </a:rPr>
-              <a:t>Regression</a:t>
-            </a:r>
-          </a:p>
-          <a:p>
-            <a:pPr marL="857250" lvl="1" indent="-514350">
-              <a:buFont typeface="+mj-lt"/>
-              <a:buAutoNum type="arabicPeriod"/>
-            </a:pPr>
-            <a:r>
-              <a:rPr lang="en-US" b="1" i="1" dirty="0" smtClean="0">
-                <a:solidFill>
-                  <a:schemeClr val="tx1"/>
-                </a:solidFill>
-              </a:rPr>
-              <a:t>Classification</a:t>
-            </a:r>
-          </a:p>
-          <a:p>
-            <a:endParaRPr lang="en-US" dirty="0" smtClean="0">
-              <a:solidFill>
-                <a:schemeClr val="tx1"/>
-              </a:solidFill>
-            </a:endParaRPr>
-          </a:p>
-          <a:p>
-            <a:endParaRPr lang="en-US" dirty="0">
-              <a:solidFill>
-                <a:schemeClr val="tx1"/>
-              </a:solidFill>
-            </a:endParaRPr>
-          </a:p>
-        </p:txBody>
-      </p:sp>
-    </p:spTree>
-    <p:extLst>
-      <p:ext uri="{BB962C8B-B14F-4D97-AF65-F5344CB8AC3E}">
-        <p14:creationId xmlns:p14="http://schemas.microsoft.com/office/powerpoint/2010/main" val="3568812955"/>
-      </p:ext>
-    </p:extLst>
-  </p:cSld>
-  <p:clrMapOvr>
-    <a:masterClrMapping/>
-  </p:clrMapOvr>
-  <p:timing>
-    <p:tnLst>
-      <p:par>
-        <p:cTn id="1" dur="indefinite" restart="never" nodeType="tmRoot"/>
-      </p:par>
-    </p:tnLst>
-  </p:timing>
-</p:sld>
-</file>
-
-<file path=ppt/slides/slide45.xml><?xml version="1.0" encoding="utf-8"?>
-<p:sld xmlns:a="http://schemas.openxmlformats.org/drawingml/2006/main" xmlns:r="http://schemas.openxmlformats.org/officeDocument/2006/relationships" xmlns:p="http://schemas.openxmlformats.org/presentationml/2006/main">
-  <p:cSld>
-    <p:spTree>
-      <p:nvGrpSpPr>
-        <p:cNvPr id="1" name=""/>
-        <p:cNvGrpSpPr/>
-        <p:nvPr/>
-      </p:nvGrpSpPr>
-      <p:grpSpPr>
-        <a:xfrm>
-          <a:off x="0" y="0"/>
-          <a:ext cx="0" cy="0"/>
-          <a:chOff x="0" y="0"/>
-          <a:chExt cx="0" cy="0"/>
-        </a:xfrm>
-      </p:grpSpPr>
-      <p:pic>
-        <p:nvPicPr>
-          <p:cNvPr id="3" name="Picture 2">
-            <a:extLst>
-              <a:ext uri="{FF2B5EF4-FFF2-40B4-BE49-F238E27FC236}">
-                <a16:creationId xmlns:a16="http://schemas.microsoft.com/office/drawing/2014/main" xmlns="" id="{7E4ED65F-B8F7-C24A-8BF3-835815BCD9A2}"/>
-              </a:ext>
-            </a:extLst>
-          </p:cNvPr>
-          <p:cNvPicPr>
-            <a:picLocks noChangeAspect="1"/>
-          </p:cNvPicPr>
-          <p:nvPr/>
-        </p:nvPicPr>
-        <p:blipFill>
-          <a:blip r:embed="rId2"/>
-          <a:stretch>
-            <a:fillRect/>
-          </a:stretch>
-        </p:blipFill>
-        <p:spPr>
-          <a:xfrm>
-            <a:off x="0" y="0"/>
-            <a:ext cx="9144000" cy="5143500"/>
-          </a:xfrm>
-          <a:prstGeom prst="rect">
-            <a:avLst/>
-          </a:prstGeom>
-        </p:spPr>
-      </p:pic>
-      <p:sp>
-        <p:nvSpPr>
-          <p:cNvPr id="4" name="Title 3"/>
-          <p:cNvSpPr>
-            <a:spLocks noGrp="1"/>
-          </p:cNvSpPr>
-          <p:nvPr>
-            <p:ph type="title"/>
-          </p:nvPr>
-        </p:nvSpPr>
-        <p:spPr>
-          <a:prstGeom prst="rect">
-            <a:avLst/>
-          </a:prstGeom>
-        </p:spPr>
-        <p:txBody>
-          <a:bodyPr>
-            <a:normAutofit fontScale="90000"/>
-          </a:bodyPr>
-          <a:lstStyle/>
-          <a:p>
-            <a:r>
-              <a:rPr lang="en-US" dirty="0" smtClean="0"/>
-              <a:t>Linear Regression</a:t>
-            </a:r>
-            <a:endParaRPr lang="en-US" dirty="0"/>
-          </a:p>
-        </p:txBody>
-      </p:sp>
-      <p:sp>
-        <p:nvSpPr>
-          <p:cNvPr id="5" name="Espace réservé du contenu 4"/>
-          <p:cNvSpPr>
-            <a:spLocks noGrp="1"/>
-          </p:cNvSpPr>
-          <p:nvPr>
-            <p:ph idx="1"/>
-          </p:nvPr>
-        </p:nvSpPr>
-        <p:spPr/>
-        <p:txBody>
-          <a:bodyPr>
-            <a:normAutofit/>
-          </a:bodyPr>
-          <a:lstStyle/>
-          <a:p>
-            <a:r>
-              <a:rPr lang="en-US" dirty="0" smtClean="0"/>
-              <a:t>X : variable </a:t>
-            </a:r>
-            <a:r>
-              <a:rPr lang="en-US" dirty="0" err="1" smtClean="0"/>
-              <a:t>indépendante</a:t>
-            </a:r>
-            <a:endParaRPr lang="en-US" dirty="0" smtClean="0"/>
-          </a:p>
-          <a:p>
-            <a:pPr marL="857250" lvl="1" indent="-514350">
-              <a:buFont typeface="+mj-lt"/>
-              <a:buAutoNum type="arabicPeriod"/>
-            </a:pPr>
-            <a:r>
-              <a:rPr lang="en-US" dirty="0" smtClean="0"/>
-              <a:t>Surface</a:t>
-            </a:r>
-          </a:p>
-          <a:p>
-            <a:pPr marL="857250" lvl="1" indent="-514350">
-              <a:buFont typeface="+mj-lt"/>
-              <a:buAutoNum type="arabicPeriod"/>
-            </a:pPr>
-            <a:r>
-              <a:rPr lang="en-US" dirty="0" smtClean="0"/>
-              <a:t>Le temps</a:t>
-            </a:r>
-          </a:p>
-          <a:p>
-            <a:r>
-              <a:rPr lang="en-US" dirty="0" smtClean="0"/>
-              <a:t>Y : variable </a:t>
-            </a:r>
-            <a:r>
-              <a:rPr lang="en-US" dirty="0" err="1" smtClean="0"/>
-              <a:t>dépendante</a:t>
-            </a:r>
-            <a:endParaRPr lang="en-US" dirty="0" smtClean="0"/>
-          </a:p>
-          <a:p>
-            <a:pPr marL="857250" lvl="1" indent="-514350">
-              <a:buFont typeface="+mj-lt"/>
-              <a:buAutoNum type="arabicPeriod"/>
-            </a:pPr>
-            <a:r>
-              <a:rPr lang="en-US" dirty="0" smtClean="0"/>
-              <a:t>Prix</a:t>
-            </a:r>
-          </a:p>
-          <a:p>
-            <a:pPr marL="857250" lvl="1" indent="-514350">
-              <a:buFont typeface="+mj-lt"/>
-              <a:buAutoNum type="arabicPeriod"/>
-            </a:pPr>
-            <a:r>
-              <a:rPr lang="en-US" dirty="0" smtClean="0"/>
-              <a:t>prix</a:t>
-            </a:r>
-            <a:endParaRPr lang="en-US" dirty="0"/>
-          </a:p>
-        </p:txBody>
-      </p:sp>
-      <p:graphicFrame>
-        <p:nvGraphicFramePr>
-          <p:cNvPr id="7" name="Espace réservé du contenu 6"/>
-          <p:cNvGraphicFramePr>
-            <a:graphicFrameLocks noGrp="1"/>
-          </p:cNvGraphicFramePr>
-          <p:nvPr>
-            <p:ph idx="10"/>
-            <p:extLst>
-              <p:ext uri="{D42A27DB-BD31-4B8C-83A1-F6EECF244321}">
-                <p14:modId xmlns:p14="http://schemas.microsoft.com/office/powerpoint/2010/main" val="2907025554"/>
-              </p:ext>
-            </p:extLst>
-          </p:nvPr>
-        </p:nvGraphicFramePr>
-        <p:xfrm>
-          <a:off x="4576763" y="925513"/>
-          <a:ext cx="4343400" cy="1483360"/>
-        </p:xfrm>
-        <a:graphic>
-          <a:graphicData uri="http://schemas.openxmlformats.org/drawingml/2006/table">
-            <a:tbl>
-              <a:tblPr firstRow="1" bandRow="1">
-                <a:tableStyleId>{5C22544A-7EE6-4342-B048-85BDC9FD1C3A}</a:tableStyleId>
-              </a:tblPr>
-              <a:tblGrid>
-                <a:gridCol w="2171700"/>
-                <a:gridCol w="2171700"/>
-              </a:tblGrid>
-              <a:tr h="370840">
-                <a:tc>
-                  <a:txBody>
-                    <a:bodyPr/>
-                    <a:lstStyle/>
-                    <a:p>
-                      <a:r>
-                        <a:rPr lang="en-US" dirty="0" smtClean="0"/>
-                        <a:t>X</a:t>
-                      </a:r>
-                      <a:r>
-                        <a:rPr lang="en-US" baseline="0" dirty="0" smtClean="0"/>
-                        <a:t> : data</a:t>
-                      </a:r>
-                      <a:endParaRPr lang="en-US" dirty="0"/>
-                    </a:p>
-                  </a:txBody>
-                  <a:tcPr/>
-                </a:tc>
-                <a:tc>
-                  <a:txBody>
-                    <a:bodyPr/>
-                    <a:lstStyle/>
-                    <a:p>
-                      <a:r>
-                        <a:rPr lang="en-US" dirty="0" smtClean="0"/>
-                        <a:t>Y : label</a:t>
-                      </a:r>
-                      <a:endParaRPr lang="en-US" dirty="0"/>
-                    </a:p>
-                  </a:txBody>
-                  <a:tcPr/>
-                </a:tc>
-              </a:tr>
-              <a:tr h="370840">
-                <a:tc>
-                  <a:txBody>
-                    <a:bodyPr/>
-                    <a:lstStyle/>
-                    <a:p>
-                      <a:r>
-                        <a:rPr lang="en-US" dirty="0" smtClean="0"/>
-                        <a:t>1</a:t>
-                      </a:r>
-                      <a:endParaRPr lang="en-US" dirty="0"/>
-                    </a:p>
-                  </a:txBody>
-                  <a:tcPr/>
-                </a:tc>
-                <a:tc>
-                  <a:txBody>
-                    <a:bodyPr/>
-                    <a:lstStyle/>
-                    <a:p>
-                      <a:r>
-                        <a:rPr lang="en-US" dirty="0" smtClean="0"/>
-                        <a:t>3</a:t>
-                      </a:r>
-                      <a:endParaRPr lang="en-US" dirty="0"/>
-                    </a:p>
-                  </a:txBody>
-                  <a:tcPr/>
-                </a:tc>
-              </a:tr>
-              <a:tr h="370840">
-                <a:tc>
-                  <a:txBody>
-                    <a:bodyPr/>
-                    <a:lstStyle/>
-                    <a:p>
-                      <a:r>
-                        <a:rPr lang="en-US" dirty="0" smtClean="0"/>
-                        <a:t>2</a:t>
-                      </a:r>
-                      <a:endParaRPr lang="en-US" dirty="0"/>
-                    </a:p>
-                  </a:txBody>
-                  <a:tcPr/>
-                </a:tc>
-                <a:tc>
-                  <a:txBody>
-                    <a:bodyPr/>
-                    <a:lstStyle/>
-                    <a:p>
-                      <a:r>
-                        <a:rPr lang="en-US" dirty="0" smtClean="0"/>
-                        <a:t>5</a:t>
-                      </a:r>
-                      <a:endParaRPr lang="en-US" dirty="0"/>
-                    </a:p>
-                  </a:txBody>
-                  <a:tcPr/>
-                </a:tc>
-              </a:tr>
-              <a:tr h="370840">
-                <a:tc>
-                  <a:txBody>
-                    <a:bodyPr/>
-                    <a:lstStyle/>
-                    <a:p>
-                      <a:r>
-                        <a:rPr lang="en-US" dirty="0" smtClean="0"/>
-                        <a:t>3</a:t>
-                      </a:r>
-                      <a:endParaRPr lang="en-US" dirty="0"/>
-                    </a:p>
-                  </a:txBody>
-                  <a:tcPr/>
-                </a:tc>
-                <a:tc>
-                  <a:txBody>
-                    <a:bodyPr/>
-                    <a:lstStyle/>
-                    <a:p>
-                      <a:r>
-                        <a:rPr lang="en-US" dirty="0" smtClean="0"/>
-                        <a:t>7</a:t>
-                      </a:r>
-                      <a:endParaRPr lang="en-US" dirty="0"/>
-                    </a:p>
-                  </a:txBody>
-                  <a:tcPr/>
-                </a:tc>
-              </a:tr>
-            </a:tbl>
-          </a:graphicData>
-        </a:graphic>
-      </p:graphicFrame>
-      <p:sp>
-        <p:nvSpPr>
-          <p:cNvPr id="8" name="ZoneTexte 7"/>
-          <p:cNvSpPr txBox="1"/>
-          <p:nvPr/>
-        </p:nvSpPr>
-        <p:spPr>
-          <a:xfrm>
-            <a:off x="5010412" y="2571750"/>
-            <a:ext cx="4068934" cy="2185214"/>
-          </a:xfrm>
-          <a:prstGeom prst="rect">
-            <a:avLst/>
-          </a:prstGeom>
-          <a:noFill/>
-        </p:spPr>
-        <p:txBody>
-          <a:bodyPr wrap="none" rtlCol="0">
-            <a:spAutoFit/>
-          </a:bodyPr>
-          <a:lstStyle/>
-          <a:p>
-            <a:r>
-              <a:rPr lang="en-US" sz="4000" dirty="0" smtClean="0"/>
-              <a:t>Label  = 2*data + 1</a:t>
-            </a:r>
-            <a:endParaRPr lang="en-US" sz="4000" dirty="0"/>
-          </a:p>
-          <a:p>
-            <a:r>
-              <a:rPr lang="en-US" sz="4800" dirty="0"/>
-              <a:t>y</a:t>
-            </a:r>
-            <a:r>
-              <a:rPr lang="en-US" sz="4800" dirty="0" smtClean="0"/>
-              <a:t> = ax + b</a:t>
-            </a:r>
-          </a:p>
-          <a:p>
-            <a:r>
-              <a:rPr lang="en-US" sz="4800" dirty="0" smtClean="0"/>
-              <a:t>Y = f(x)</a:t>
-            </a:r>
-            <a:endParaRPr lang="en-US" sz="4800" dirty="0"/>
-          </a:p>
-        </p:txBody>
-      </p:sp>
-    </p:spTree>
-    <p:extLst>
-      <p:ext uri="{BB962C8B-B14F-4D97-AF65-F5344CB8AC3E}">
-        <p14:creationId xmlns:p14="http://schemas.microsoft.com/office/powerpoint/2010/main" val="1500421387"/>
-      </p:ext>
-    </p:extLst>
-  </p:cSld>
-  <p:clrMapOvr>
-    <a:masterClrMapping/>
-  </p:clrMapOvr>
-  <p:timing>
-    <p:tnLst>
-      <p:par>
-        <p:cTn id="1" dur="indefinite" restart="never" nodeType="tmRoot"/>
-      </p:par>
-    </p:tnLst>
-  </p:timing>
-</p:sld>
-</file>
-
-<file path=ppt/slides/slide46.xml><?xml version="1.0" encoding="utf-8"?>
-<p:sld xmlns:a="http://schemas.openxmlformats.org/drawingml/2006/main" xmlns:r="http://schemas.openxmlformats.org/officeDocument/2006/relationships" xmlns:p="http://schemas.openxmlformats.org/presentationml/2006/main">
-  <p:cSld>
-    <p:spTree>
-      <p:nvGrpSpPr>
-        <p:cNvPr id="1" name=""/>
-        <p:cNvGrpSpPr/>
-        <p:nvPr/>
-      </p:nvGrpSpPr>
-      <p:grpSpPr>
-        <a:xfrm>
-          <a:off x="0" y="0"/>
-          <a:ext cx="0" cy="0"/>
-          <a:chOff x="0" y="0"/>
-          <a:chExt cx="0" cy="0"/>
-        </a:xfrm>
-      </p:grpSpPr>
-      <p:pic>
-        <p:nvPicPr>
-          <p:cNvPr id="3" name="Picture 2">
-            <a:extLst>
-              <a:ext uri="{FF2B5EF4-FFF2-40B4-BE49-F238E27FC236}">
-                <a16:creationId xmlns:a16="http://schemas.microsoft.com/office/drawing/2014/main" xmlns="" id="{7E4ED65F-B8F7-C24A-8BF3-835815BCD9A2}"/>
-              </a:ext>
-            </a:extLst>
-          </p:cNvPr>
-          <p:cNvPicPr>
-            <a:picLocks noChangeAspect="1"/>
-          </p:cNvPicPr>
-          <p:nvPr/>
-        </p:nvPicPr>
-        <p:blipFill>
-          <a:blip r:embed="rId2"/>
-          <a:stretch>
-            <a:fillRect/>
-          </a:stretch>
-        </p:blipFill>
-        <p:spPr>
-          <a:xfrm>
-            <a:off x="0" y="0"/>
-            <a:ext cx="9144000" cy="5143500"/>
-          </a:xfrm>
-          <a:prstGeom prst="rect">
-            <a:avLst/>
-          </a:prstGeom>
-        </p:spPr>
-      </p:pic>
-      <p:sp>
-        <p:nvSpPr>
-          <p:cNvPr id="4" name="Title 3"/>
-          <p:cNvSpPr>
-            <a:spLocks noGrp="1"/>
-          </p:cNvSpPr>
-          <p:nvPr>
-            <p:ph type="title"/>
-          </p:nvPr>
-        </p:nvSpPr>
-        <p:spPr>
-          <a:prstGeom prst="rect">
-            <a:avLst/>
-          </a:prstGeom>
-        </p:spPr>
-        <p:txBody>
-          <a:bodyPr>
-            <a:normAutofit fontScale="90000"/>
-          </a:bodyPr>
-          <a:lstStyle/>
-          <a:p>
-            <a:r>
-              <a:rPr lang="en-US" dirty="0" smtClean="0"/>
-              <a:t>Linear Regression</a:t>
-            </a:r>
-            <a:endParaRPr lang="en-US" dirty="0"/>
-          </a:p>
-        </p:txBody>
-      </p:sp>
-      <p:sp>
-        <p:nvSpPr>
-          <p:cNvPr id="5" name="Espace réservé du contenu 4"/>
-          <p:cNvSpPr>
-            <a:spLocks noGrp="1"/>
-          </p:cNvSpPr>
-          <p:nvPr>
-            <p:ph idx="1"/>
-          </p:nvPr>
-        </p:nvSpPr>
-        <p:spPr/>
-        <p:txBody>
-          <a:bodyPr>
-            <a:normAutofit/>
-          </a:bodyPr>
-          <a:lstStyle/>
-          <a:p>
-            <a:r>
-              <a:rPr lang="en-US" dirty="0" smtClean="0"/>
-              <a:t>Cost</a:t>
-            </a:r>
-            <a:endParaRPr lang="en-US" dirty="0"/>
-          </a:p>
-        </p:txBody>
-      </p:sp>
-      <p:pic>
-        <p:nvPicPr>
-          <p:cNvPr id="2" name="Image 1"/>
-          <p:cNvPicPr>
-            <a:picLocks noChangeAspect="1"/>
-          </p:cNvPicPr>
-          <p:nvPr/>
-        </p:nvPicPr>
-        <p:blipFill>
-          <a:blip r:embed="rId3">
-            <a:extLst>
-              <a:ext uri="{28A0092B-C50C-407E-A947-70E740481C1C}">
-                <a14:useLocalDpi xmlns:a14="http://schemas.microsoft.com/office/drawing/2010/main" val="0"/>
-              </a:ext>
-            </a:extLst>
-          </a:blip>
-          <a:stretch>
-            <a:fillRect/>
-          </a:stretch>
-        </p:blipFill>
-        <p:spPr>
-          <a:xfrm>
-            <a:off x="87682" y="1380173"/>
-            <a:ext cx="4077222" cy="3289108"/>
-          </a:xfrm>
-          <a:prstGeom prst="rect">
-            <a:avLst/>
-          </a:prstGeom>
-        </p:spPr>
-      </p:pic>
-      <p:pic>
-        <p:nvPicPr>
-          <p:cNvPr id="9" name="Espace réservé du contenu 8"/>
-          <p:cNvPicPr>
-            <a:picLocks noGrp="1" noChangeAspect="1"/>
-          </p:cNvPicPr>
-          <p:nvPr>
-            <p:ph idx="10"/>
-          </p:nvPr>
-        </p:nvPicPr>
-        <p:blipFill>
-          <a:blip r:embed="rId4">
-            <a:extLst>
-              <a:ext uri="{28A0092B-C50C-407E-A947-70E740481C1C}">
-                <a14:useLocalDpi xmlns:a14="http://schemas.microsoft.com/office/drawing/2010/main" val="0"/>
-              </a:ext>
-            </a:extLst>
-          </a:blip>
-          <a:stretch>
-            <a:fillRect/>
-          </a:stretch>
-        </p:blipFill>
-        <p:spPr>
-          <a:xfrm>
-            <a:off x="4490582" y="925513"/>
-            <a:ext cx="4258848" cy="3828113"/>
-          </a:xfrm>
-        </p:spPr>
-      </p:pic>
-    </p:spTree>
-    <p:extLst>
-      <p:ext uri="{BB962C8B-B14F-4D97-AF65-F5344CB8AC3E}">
-        <p14:creationId xmlns:p14="http://schemas.microsoft.com/office/powerpoint/2010/main" val="746344047"/>
-      </p:ext>
-    </p:extLst>
-  </p:cSld>
-  <p:clrMapOvr>
-    <a:masterClrMapping/>
-  </p:clrMapOvr>
-  <p:timing>
-    <p:tnLst>
-      <p:par>
-        <p:cTn id="1" dur="indefinite" restart="never" nodeType="tmRoot"/>
-      </p:par>
-    </p:tnLst>
-  </p:timing>
-</p:sld>
-</file>
-
-<file path=ppt/slides/slide47.xml><?xml version="1.0" encoding="utf-8"?>
-<p:sld xmlns:a="http://schemas.openxmlformats.org/drawingml/2006/main" xmlns:r="http://schemas.openxmlformats.org/officeDocument/2006/relationships" xmlns:p="http://schemas.openxmlformats.org/presentationml/2006/main">
-  <p:cSld>
-    <p:spTree>
-      <p:nvGrpSpPr>
-        <p:cNvPr id="1" name=""/>
-        <p:cNvGrpSpPr/>
-        <p:nvPr/>
-      </p:nvGrpSpPr>
-      <p:grpSpPr>
-        <a:xfrm>
-          <a:off x="0" y="0"/>
-          <a:ext cx="0" cy="0"/>
-          <a:chOff x="0" y="0"/>
-          <a:chExt cx="0" cy="0"/>
-        </a:xfrm>
-      </p:grpSpPr>
-      <p:pic>
-        <p:nvPicPr>
-          <p:cNvPr id="3" name="Picture 2">
-            <a:extLst>
-              <a:ext uri="{FF2B5EF4-FFF2-40B4-BE49-F238E27FC236}">
-                <a16:creationId xmlns:a16="http://schemas.microsoft.com/office/drawing/2014/main" xmlns="" id="{7E4ED65F-B8F7-C24A-8BF3-835815BCD9A2}"/>
-              </a:ext>
-            </a:extLst>
-          </p:cNvPr>
-          <p:cNvPicPr>
-            <a:picLocks noChangeAspect="1"/>
-          </p:cNvPicPr>
-          <p:nvPr/>
-        </p:nvPicPr>
-        <p:blipFill>
-          <a:blip r:embed="rId2"/>
-          <a:stretch>
-            <a:fillRect/>
-          </a:stretch>
-        </p:blipFill>
-        <p:spPr>
-          <a:xfrm>
-            <a:off x="0" y="0"/>
-            <a:ext cx="9144000" cy="5143500"/>
-          </a:xfrm>
-          <a:prstGeom prst="rect">
-            <a:avLst/>
-          </a:prstGeom>
-        </p:spPr>
-      </p:pic>
-      <p:sp>
-        <p:nvSpPr>
-          <p:cNvPr id="4" name="Title 3"/>
-          <p:cNvSpPr>
-            <a:spLocks noGrp="1"/>
-          </p:cNvSpPr>
-          <p:nvPr>
-            <p:ph type="title"/>
-          </p:nvPr>
-        </p:nvSpPr>
-        <p:spPr>
-          <a:prstGeom prst="rect">
-            <a:avLst/>
-          </a:prstGeom>
-        </p:spPr>
-        <p:txBody>
-          <a:bodyPr>
-            <a:normAutofit fontScale="90000"/>
-          </a:bodyPr>
-          <a:lstStyle/>
-          <a:p>
-            <a:r>
-              <a:rPr lang="en-US" dirty="0" smtClean="0"/>
-              <a:t>Linear Regression</a:t>
-            </a:r>
-            <a:endParaRPr lang="en-US" dirty="0"/>
-          </a:p>
-        </p:txBody>
-      </p:sp>
-      <p:sp>
-        <p:nvSpPr>
-          <p:cNvPr id="5" name="Espace réservé du contenu 4"/>
-          <p:cNvSpPr>
-            <a:spLocks noGrp="1"/>
-          </p:cNvSpPr>
-          <p:nvPr>
-            <p:ph idx="1"/>
-          </p:nvPr>
-        </p:nvSpPr>
-        <p:spPr/>
-        <p:txBody>
-          <a:bodyPr>
-            <a:normAutofit/>
-          </a:bodyPr>
-          <a:lstStyle/>
-          <a:p>
-            <a:r>
-              <a:rPr lang="en-US" dirty="0" smtClean="0"/>
-              <a:t>Optimization</a:t>
-            </a:r>
-            <a:endParaRPr lang="en-US" dirty="0"/>
-          </a:p>
-        </p:txBody>
-      </p:sp>
-      <p:pic>
-        <p:nvPicPr>
-          <p:cNvPr id="6" name="Espace réservé du contenu 5"/>
-          <p:cNvPicPr>
-            <a:picLocks noGrp="1" noChangeAspect="1"/>
-          </p:cNvPicPr>
-          <p:nvPr>
-            <p:ph idx="10"/>
-          </p:nvPr>
-        </p:nvPicPr>
-        <p:blipFill>
-          <a:blip r:embed="rId3">
-            <a:extLst>
-              <a:ext uri="{28A0092B-C50C-407E-A947-70E740481C1C}">
-                <a14:useLocalDpi xmlns:a14="http://schemas.microsoft.com/office/drawing/2010/main" val="0"/>
-              </a:ext>
-            </a:extLst>
-          </a:blip>
-          <a:stretch>
-            <a:fillRect/>
-          </a:stretch>
-        </p:blipFill>
-        <p:spPr>
-          <a:xfrm>
-            <a:off x="2453601" y="770427"/>
-            <a:ext cx="4343400" cy="3602646"/>
-          </a:xfrm>
-        </p:spPr>
-      </p:pic>
-    </p:spTree>
-    <p:extLst>
-      <p:ext uri="{BB962C8B-B14F-4D97-AF65-F5344CB8AC3E}">
-        <p14:creationId xmlns:p14="http://schemas.microsoft.com/office/powerpoint/2010/main" val="1495779085"/>
-      </p:ext>
-    </p:extLst>
-  </p:cSld>
-  <p:clrMapOvr>
-    <a:masterClrMapping/>
-  </p:clrMapOvr>
-  <p:timing>
-    <p:tnLst>
-      <p:par>
-        <p:cTn id="1" dur="indefinite" restart="never" nodeType="tmRoot"/>
-      </p:par>
-    </p:tnLst>
-  </p:timing>
-</p:sld>
-</file>
-
-<file path=ppt/slides/slide48.xml><?xml version="1.0" encoding="utf-8"?>
-<p:sld xmlns:a="http://schemas.openxmlformats.org/drawingml/2006/main" xmlns:r="http://schemas.openxmlformats.org/officeDocument/2006/relationships" xmlns:p="http://schemas.openxmlformats.org/presentationml/2006/main">
-  <p:cSld>
-    <p:spTree>
-      <p:nvGrpSpPr>
-        <p:cNvPr id="1" name=""/>
-        <p:cNvGrpSpPr/>
-        <p:nvPr/>
-      </p:nvGrpSpPr>
-      <p:grpSpPr>
-        <a:xfrm>
-          <a:off x="0" y="0"/>
-          <a:ext cx="0" cy="0"/>
-          <a:chOff x="0" y="0"/>
-          <a:chExt cx="0" cy="0"/>
-        </a:xfrm>
-      </p:grpSpPr>
-      <p:pic>
-        <p:nvPicPr>
-          <p:cNvPr id="3" name="Picture 2">
-            <a:extLst>
-              <a:ext uri="{FF2B5EF4-FFF2-40B4-BE49-F238E27FC236}">
-                <a16:creationId xmlns:a16="http://schemas.microsoft.com/office/drawing/2014/main" xmlns="" id="{2A456100-564B-3744-BE2D-55C75AE036BE}"/>
-              </a:ext>
-            </a:extLst>
-          </p:cNvPr>
-          <p:cNvPicPr>
-            <a:picLocks noChangeAspect="1"/>
-          </p:cNvPicPr>
-          <p:nvPr/>
-        </p:nvPicPr>
-        <p:blipFill>
-          <a:blip r:embed="rId2"/>
-          <a:stretch>
-            <a:fillRect/>
-          </a:stretch>
-        </p:blipFill>
-        <p:spPr>
-          <a:xfrm>
-            <a:off x="0" y="0"/>
-            <a:ext cx="9144000" cy="5143500"/>
-          </a:xfrm>
-          <a:prstGeom prst="rect">
-            <a:avLst/>
-          </a:prstGeom>
-        </p:spPr>
-      </p:pic>
-      <p:sp>
-        <p:nvSpPr>
-          <p:cNvPr id="4" name="Title 3"/>
-          <p:cNvSpPr>
-            <a:spLocks noGrp="1"/>
-          </p:cNvSpPr>
-          <p:nvPr>
-            <p:ph type="title"/>
-          </p:nvPr>
-        </p:nvSpPr>
-        <p:spPr>
-          <a:xfrm>
-            <a:off x="233169" y="141555"/>
-            <a:ext cx="6362158" cy="406715"/>
-          </a:xfrm>
-          <a:prstGeom prst="rect">
-            <a:avLst/>
-          </a:prstGeom>
-        </p:spPr>
-        <p:txBody>
-          <a:bodyPr>
-            <a:normAutofit fontScale="90000"/>
-          </a:bodyPr>
-          <a:lstStyle/>
-          <a:p>
-            <a:r>
-              <a:rPr lang="en-US" dirty="0" smtClean="0"/>
-              <a:t>Problem to solve</a:t>
-            </a:r>
-            <a:endParaRPr lang="en-US" dirty="0"/>
-          </a:p>
-        </p:txBody>
-      </p:sp>
-      <p:sp>
-        <p:nvSpPr>
-          <p:cNvPr id="2" name="Espace réservé du contenu 1"/>
-          <p:cNvSpPr>
-            <a:spLocks noGrp="1"/>
-          </p:cNvSpPr>
-          <p:nvPr>
-            <p:ph idx="1"/>
-          </p:nvPr>
-        </p:nvSpPr>
-        <p:spPr/>
-        <p:txBody>
-          <a:bodyPr/>
-          <a:lstStyle/>
-          <a:p>
-            <a:r>
-              <a:rPr lang="en-US" dirty="0" err="1" smtClean="0"/>
-              <a:t>Prédire</a:t>
-            </a:r>
-            <a:r>
-              <a:rPr lang="en-US" dirty="0" smtClean="0"/>
-              <a:t> le </a:t>
-            </a:r>
-            <a:r>
-              <a:rPr lang="en-US" dirty="0" err="1" smtClean="0"/>
-              <a:t>salaire</a:t>
-            </a:r>
-            <a:r>
-              <a:rPr lang="en-US" dirty="0" smtClean="0"/>
-              <a:t> d’un </a:t>
-            </a:r>
-            <a:r>
-              <a:rPr lang="en-US" dirty="0" err="1" smtClean="0"/>
-              <a:t>employé</a:t>
-            </a:r>
-            <a:r>
-              <a:rPr lang="en-US" dirty="0" smtClean="0"/>
-              <a:t> en </a:t>
-            </a:r>
-            <a:r>
-              <a:rPr lang="en-US" dirty="0" err="1" smtClean="0"/>
-              <a:t>connaissant</a:t>
-            </a:r>
-            <a:r>
-              <a:rPr lang="en-US" dirty="0" smtClean="0"/>
-              <a:t> son experience de travail [</a:t>
-            </a:r>
-            <a:r>
-              <a:rPr lang="en-US" dirty="0" err="1" smtClean="0"/>
-              <a:t>années</a:t>
-            </a:r>
-            <a:r>
-              <a:rPr lang="en-US" dirty="0" smtClean="0"/>
-              <a:t> de travail]</a:t>
-            </a:r>
-          </a:p>
-          <a:p>
-            <a:pPr lvl="1"/>
-            <a:r>
-              <a:rPr lang="en-US" dirty="0" smtClean="0"/>
-              <a:t>Experience : Variable </a:t>
-            </a:r>
-            <a:r>
-              <a:rPr lang="en-US" dirty="0" err="1" smtClean="0"/>
-              <a:t>Indépendante</a:t>
-            </a:r>
-            <a:endParaRPr lang="en-US" dirty="0" smtClean="0"/>
-          </a:p>
-          <a:p>
-            <a:pPr lvl="1"/>
-            <a:r>
-              <a:rPr lang="en-US" dirty="0" err="1" smtClean="0"/>
-              <a:t>Salaire</a:t>
-            </a:r>
-            <a:r>
-              <a:rPr lang="en-US" dirty="0" smtClean="0"/>
-              <a:t> : Variable </a:t>
-            </a:r>
-            <a:r>
-              <a:rPr lang="en-US" dirty="0" err="1" smtClean="0"/>
-              <a:t>dépendante</a:t>
-            </a:r>
-            <a:endParaRPr lang="en-US" dirty="0"/>
-          </a:p>
-        </p:txBody>
-      </p:sp>
-    </p:spTree>
-    <p:extLst>
-      <p:ext uri="{BB962C8B-B14F-4D97-AF65-F5344CB8AC3E}">
-        <p14:creationId xmlns:p14="http://schemas.microsoft.com/office/powerpoint/2010/main" val="2445259394"/>
-      </p:ext>
-    </p:extLst>
-  </p:cSld>
-  <p:clrMapOvr>
-    <a:masterClrMapping/>
-  </p:clrMapOvr>
-  <p:timing>
-    <p:tnLst>
-      <p:par>
-        <p:cTn id="1" dur="indefinite" restart="never" nodeType="tmRoot">
-          <p:childTnLst>
-            <p:seq concurrent="1" nextAc="seek">
-              <p:cTn id="2" dur="indefinite" nodeType="mainSeq">
-                <p:childTnLst>
-                  <p:par>
-                    <p:cTn id="3" fill="hold">
-                      <p:stCondLst>
-                        <p:cond delay="indefinite"/>
-                      </p:stCondLst>
-                      <p:childTnLst>
-                        <p:par>
-                          <p:cTn id="4" fill="hold">
-                            <p:stCondLst>
-                              <p:cond delay="0"/>
-                            </p:stCondLst>
-                            <p:childTnLst>
-                              <p:par>
-                                <p:cTn id="5" presetID="42" presetClass="entr" presetSubtype="0" fill="hold" nodeType="clickEffect">
-                                  <p:stCondLst>
-                                    <p:cond delay="0"/>
-                                  </p:stCondLst>
-                                  <p:childTnLst>
-                                    <p:set>
-                                      <p:cBhvr>
-                                        <p:cTn id="6" dur="1" fill="hold">
-                                          <p:stCondLst>
-                                            <p:cond delay="0"/>
-                                          </p:stCondLst>
-                                        </p:cTn>
-                                        <p:tgtEl>
-                                          <p:spTgt spid="2">
-                                            <p:txEl>
-                                              <p:pRg st="0" end="0"/>
-                                            </p:txEl>
-                                          </p:spTgt>
-                                        </p:tgtEl>
-                                        <p:attrNameLst>
-                                          <p:attrName>style.visibility</p:attrName>
-                                        </p:attrNameLst>
-                                      </p:cBhvr>
-                                      <p:to>
-                                        <p:strVal val="visible"/>
-                                      </p:to>
-                                    </p:set>
-                                    <p:animEffect transition="in" filter="fade">
-                                      <p:cBhvr>
-                                        <p:cTn id="7" dur="1000"/>
-                                        <p:tgtEl>
-                                          <p:spTgt spid="2">
-                                            <p:txEl>
-                                              <p:pRg st="0" end="0"/>
-                                            </p:txEl>
-                                          </p:spTgt>
-                                        </p:tgtEl>
-                                      </p:cBhvr>
-                                    </p:animEffect>
-                                    <p:anim calcmode="lin" valueType="num">
-                                      <p:cBhvr>
-                                        <p:cTn id="8" dur="1000" fill="hold"/>
-                                        <p:tgtEl>
-                                          <p:spTgt spid="2">
-                                            <p:txEl>
-                                              <p:pRg st="0" end="0"/>
-                                            </p:txEl>
-                                          </p:spTgt>
-                                        </p:tgtEl>
-                                        <p:attrNameLst>
-                                          <p:attrName>ppt_x</p:attrName>
-                                        </p:attrNameLst>
-                                      </p:cBhvr>
-                                      <p:tavLst>
-                                        <p:tav tm="0">
-                                          <p:val>
-                                            <p:strVal val="#ppt_x"/>
-                                          </p:val>
-                                        </p:tav>
-                                        <p:tav tm="100000">
-                                          <p:val>
-                                            <p:strVal val="#ppt_x"/>
-                                          </p:val>
-                                        </p:tav>
-                                      </p:tavLst>
-                                    </p:anim>
-                                    <p:anim calcmode="lin" valueType="num">
-                                      <p:cBhvr>
-                                        <p:cTn id="9" dur="1000" fill="hold"/>
-                                        <p:tgtEl>
-                                          <p:spTgt spid="2">
-                                            <p:txEl>
-                                              <p:pRg st="0" end="0"/>
-                                            </p:txEl>
-                                          </p:spTgt>
-                                        </p:tgtEl>
-                                        <p:attrNameLst>
-                                          <p:attrName>ppt_y</p:attrName>
-                                        </p:attrNameLst>
-                                      </p:cBhvr>
-                                      <p:tavLst>
-                                        <p:tav tm="0">
-                                          <p:val>
-                                            <p:strVal val="#ppt_y+.1"/>
-                                          </p:val>
-                                        </p:tav>
-                                        <p:tav tm="100000">
-                                          <p:val>
-                                            <p:strVal val="#ppt_y"/>
-                                          </p:val>
-                                        </p:tav>
-                                      </p:tavLst>
-                                    </p:anim>
-                                  </p:childTnLst>
-                                </p:cTn>
-                              </p:par>
-                            </p:childTnLst>
-                          </p:cTn>
-                        </p:par>
-                      </p:childTnLst>
-                    </p:cTn>
-                  </p:par>
-                  <p:par>
-                    <p:cTn id="10" fill="hold">
-                      <p:stCondLst>
-                        <p:cond delay="indefinite"/>
-                      </p:stCondLst>
-                      <p:childTnLst>
-                        <p:par>
-                          <p:cTn id="11" fill="hold">
-                            <p:stCondLst>
-                              <p:cond delay="0"/>
-                            </p:stCondLst>
-                            <p:childTnLst>
-                              <p:par>
-                                <p:cTn id="12" presetID="42" presetClass="entr" presetSubtype="0" fill="hold" nodeType="clickEffect">
-                                  <p:stCondLst>
-                                    <p:cond delay="0"/>
-                                  </p:stCondLst>
-                                  <p:childTnLst>
-                                    <p:set>
-                                      <p:cBhvr>
-                                        <p:cTn id="13" dur="1" fill="hold">
-                                          <p:stCondLst>
-                                            <p:cond delay="0"/>
-                                          </p:stCondLst>
-                                        </p:cTn>
-                                        <p:tgtEl>
-                                          <p:spTgt spid="2">
-                                            <p:txEl>
-                                              <p:pRg st="1" end="1"/>
-                                            </p:txEl>
-                                          </p:spTgt>
-                                        </p:tgtEl>
-                                        <p:attrNameLst>
-                                          <p:attrName>style.visibility</p:attrName>
-                                        </p:attrNameLst>
-                                      </p:cBhvr>
-                                      <p:to>
-                                        <p:strVal val="visible"/>
-                                      </p:to>
-                                    </p:set>
-                                    <p:animEffect transition="in" filter="fade">
-                                      <p:cBhvr>
-                                        <p:cTn id="14" dur="1000"/>
-                                        <p:tgtEl>
-                                          <p:spTgt spid="2">
-                                            <p:txEl>
-                                              <p:pRg st="1" end="1"/>
-                                            </p:txEl>
-                                          </p:spTgt>
-                                        </p:tgtEl>
-                                      </p:cBhvr>
-                                    </p:animEffect>
-                                    <p:anim calcmode="lin" valueType="num">
-                                      <p:cBhvr>
-                                        <p:cTn id="15" dur="1000" fill="hold"/>
-                                        <p:tgtEl>
-                                          <p:spTgt spid="2">
-                                            <p:txEl>
-                                              <p:pRg st="1" end="1"/>
-                                            </p:txEl>
-                                          </p:spTgt>
-                                        </p:tgtEl>
-                                        <p:attrNameLst>
-                                          <p:attrName>ppt_x</p:attrName>
-                                        </p:attrNameLst>
-                                      </p:cBhvr>
-                                      <p:tavLst>
-                                        <p:tav tm="0">
-                                          <p:val>
-                                            <p:strVal val="#ppt_x"/>
-                                          </p:val>
-                                        </p:tav>
-                                        <p:tav tm="100000">
-                                          <p:val>
-                                            <p:strVal val="#ppt_x"/>
-                                          </p:val>
-                                        </p:tav>
-                                      </p:tavLst>
-                                    </p:anim>
-                                    <p:anim calcmode="lin" valueType="num">
-                                      <p:cBhvr>
-                                        <p:cTn id="16" dur="1000" fill="hold"/>
-                                        <p:tgtEl>
-                                          <p:spTgt spid="2">
-                                            <p:txEl>
-                                              <p:pRg st="1" end="1"/>
-                                            </p:txEl>
-                                          </p:spTgt>
-                                        </p:tgtEl>
-                                        <p:attrNameLst>
-                                          <p:attrName>ppt_y</p:attrName>
-                                        </p:attrNameLst>
-                                      </p:cBhvr>
-                                      <p:tavLst>
-                                        <p:tav tm="0">
-                                          <p:val>
-                                            <p:strVal val="#ppt_y+.1"/>
-                                          </p:val>
-                                        </p:tav>
-                                        <p:tav tm="100000">
-                                          <p:val>
-                                            <p:strVal val="#ppt_y"/>
-                                          </p:val>
-                                        </p:tav>
-                                      </p:tavLst>
-                                    </p:anim>
-                                  </p:childTnLst>
-                                </p:cTn>
-                              </p:par>
-                            </p:childTnLst>
-                          </p:cTn>
-                        </p:par>
-                      </p:childTnLst>
-                    </p:cTn>
-                  </p:par>
-                  <p:par>
-                    <p:cTn id="17" fill="hold">
-                      <p:stCondLst>
-                        <p:cond delay="indefinite"/>
-                      </p:stCondLst>
-                      <p:childTnLst>
-                        <p:par>
-                          <p:cTn id="18" fill="hold">
-                            <p:stCondLst>
-                              <p:cond delay="0"/>
-                            </p:stCondLst>
-                            <p:childTnLst>
-                              <p:par>
-                                <p:cTn id="19" presetID="42" presetClass="entr" presetSubtype="0" fill="hold" nodeType="clickEffect">
-                                  <p:stCondLst>
-                                    <p:cond delay="0"/>
-                                  </p:stCondLst>
-                                  <p:childTnLst>
-                                    <p:set>
-                                      <p:cBhvr>
-                                        <p:cTn id="20" dur="1" fill="hold">
-                                          <p:stCondLst>
-                                            <p:cond delay="0"/>
-                                          </p:stCondLst>
-                                        </p:cTn>
-                                        <p:tgtEl>
-                                          <p:spTgt spid="2">
-                                            <p:txEl>
-                                              <p:pRg st="2" end="2"/>
-                                            </p:txEl>
-                                          </p:spTgt>
-                                        </p:tgtEl>
-                                        <p:attrNameLst>
-                                          <p:attrName>style.visibility</p:attrName>
-                                        </p:attrNameLst>
-                                      </p:cBhvr>
-                                      <p:to>
-                                        <p:strVal val="visible"/>
-                                      </p:to>
-                                    </p:set>
-                                    <p:animEffect transition="in" filter="fade">
-                                      <p:cBhvr>
-                                        <p:cTn id="21" dur="1000"/>
-                                        <p:tgtEl>
-                                          <p:spTgt spid="2">
-                                            <p:txEl>
-                                              <p:pRg st="2" end="2"/>
-                                            </p:txEl>
-                                          </p:spTgt>
-                                        </p:tgtEl>
-                                      </p:cBhvr>
-                                    </p:animEffect>
-                                    <p:anim calcmode="lin" valueType="num">
-                                      <p:cBhvr>
-                                        <p:cTn id="22" dur="1000" fill="hold"/>
-                                        <p:tgtEl>
-                                          <p:spTgt spid="2">
-                                            <p:txEl>
-                                              <p:pRg st="2" end="2"/>
-                                            </p:txEl>
-                                          </p:spTgt>
-                                        </p:tgtEl>
-                                        <p:attrNameLst>
-                                          <p:attrName>ppt_x</p:attrName>
-                                        </p:attrNameLst>
-                                      </p:cBhvr>
-                                      <p:tavLst>
-                                        <p:tav tm="0">
-                                          <p:val>
-                                            <p:strVal val="#ppt_x"/>
-                                          </p:val>
-                                        </p:tav>
-                                        <p:tav tm="100000">
-                                          <p:val>
-                                            <p:strVal val="#ppt_x"/>
-                                          </p:val>
-                                        </p:tav>
-                                      </p:tavLst>
-                                    </p:anim>
-                                    <p:anim calcmode="lin" valueType="num">
-                                      <p:cBhvr>
-                                        <p:cTn id="23" dur="1000" fill="hold"/>
-                                        <p:tgtEl>
-                                          <p:spTgt spid="2">
-                                            <p:txEl>
-                                              <p:pRg st="2" end="2"/>
-                                            </p:txEl>
-                                          </p:spTgt>
-                                        </p:tgtEl>
-                                        <p:attrNameLst>
-                                          <p:attrName>ppt_y</p:attrName>
-                                        </p:attrNameLst>
-                                      </p:cBhvr>
-                                      <p:tavLst>
-                                        <p:tav tm="0">
-                                          <p:val>
-                                            <p:strVal val="#ppt_y+.1"/>
-                                          </p:val>
-                                        </p:tav>
-                                        <p:tav tm="100000">
-                                          <p:val>
-                                            <p:strVal val="#ppt_y"/>
-                                          </p:val>
-                                        </p:tav>
-                                      </p:tavLst>
-                                    </p:anim>
-                                  </p:childTnLst>
-                                </p:cTn>
-                              </p:par>
-                            </p:childTnLst>
-                          </p:cTn>
-                        </p:par>
-                      </p:childTnLst>
-                    </p:cTn>
-                  </p:par>
-                </p:childTnLst>
-              </p:cTn>
-              <p:prevCondLst>
-                <p:cond evt="onPrev" delay="0">
-                  <p:tgtEl>
-                    <p:sldTgt/>
-                  </p:tgtEl>
-                </p:cond>
-              </p:prevCondLst>
-              <p:nextCondLst>
-                <p:cond evt="onNext" delay="0">
-                  <p:tgtEl>
-                    <p:sldTgt/>
-                  </p:tgtEl>
-                </p:cond>
-              </p:nextCondLst>
-            </p:seq>
-          </p:childTnLst>
-        </p:cTn>
-      </p:par>
-    </p:tnLst>
-  </p:timing>
-</p:sld>
-</file>
-
-<file path=ppt/slides/slide49.xml><?xml version="1.0" encoding="utf-8"?>
 <p:sld xmlns:a="http://schemas.openxmlformats.org/drawingml/2006/main" xmlns:r="http://schemas.openxmlformats.org/officeDocument/2006/relationships" xmlns:p="http://schemas.openxmlformats.org/presentationml/2006/main">
   <p:cSld>
     <p:spTree>
@@ -19748,134 +18215,6 @@
           </a:prstGeom>
         </p:spPr>
       </p:pic>
-      <p:pic>
-        <p:nvPicPr>
-          <p:cNvPr id="2" name="Espace réservé du contenu 1"/>
-          <p:cNvPicPr>
-            <a:picLocks noGrp="1" noChangeAspect="1"/>
-          </p:cNvPicPr>
-          <p:nvPr>
-            <p:ph idx="1"/>
-          </p:nvPr>
-        </p:nvPicPr>
-        <p:blipFill>
-          <a:blip r:embed="rId3">
-            <a:extLst>
-              <a:ext uri="{28A0092B-C50C-407E-A947-70E740481C1C}">
-                <a14:useLocalDpi xmlns:a14="http://schemas.microsoft.com/office/drawing/2010/main" val="0"/>
-              </a:ext>
-            </a:extLst>
-          </a:blip>
-          <a:stretch>
-            <a:fillRect/>
-          </a:stretch>
-        </p:blipFill>
-        <p:spPr>
-          <a:xfrm>
-            <a:off x="369518" y="925513"/>
-            <a:ext cx="8724378" cy="3554412"/>
-          </a:xfrm>
-        </p:spPr>
-      </p:pic>
-      <p:sp>
-        <p:nvSpPr>
-          <p:cNvPr id="4" name="Title 3"/>
-          <p:cNvSpPr>
-            <a:spLocks noGrp="1"/>
-          </p:cNvSpPr>
-          <p:nvPr>
-            <p:ph type="title"/>
-          </p:nvPr>
-        </p:nvSpPr>
-        <p:spPr>
-          <a:xfrm>
-            <a:off x="233169" y="141555"/>
-            <a:ext cx="6362158" cy="406715"/>
-          </a:xfrm>
-          <a:prstGeom prst="rect">
-            <a:avLst/>
-          </a:prstGeom>
-        </p:spPr>
-        <p:txBody>
-          <a:bodyPr>
-            <a:normAutofit fontScale="90000"/>
-          </a:bodyPr>
-          <a:lstStyle/>
-          <a:p>
-            <a:r>
-              <a:rPr lang="en-US" dirty="0"/>
-              <a:t>What’s Machine Learning???</a:t>
-            </a:r>
-          </a:p>
-        </p:txBody>
-      </p:sp>
-    </p:spTree>
-    <p:extLst>
-      <p:ext uri="{BB962C8B-B14F-4D97-AF65-F5344CB8AC3E}">
-        <p14:creationId xmlns:p14="http://schemas.microsoft.com/office/powerpoint/2010/main" val="452527284"/>
-      </p:ext>
-    </p:extLst>
-  </p:cSld>
-  <p:clrMapOvr>
-    <a:masterClrMapping/>
-  </p:clrMapOvr>
-  <p:timing>
-    <p:tnLst>
-      <p:par>
-        <p:cTn id="1" dur="indefinite" restart="never" nodeType="tmRoot"/>
-      </p:par>
-    </p:tnLst>
-  </p:timing>
-</p:sld>
-</file>
-
-<file path=ppt/slides/slide6.xml><?xml version="1.0" encoding="utf-8"?>
-<p:sld xmlns:a="http://schemas.openxmlformats.org/drawingml/2006/main" xmlns:r="http://schemas.openxmlformats.org/officeDocument/2006/relationships" xmlns:p="http://schemas.openxmlformats.org/presentationml/2006/main">
-  <p:cSld>
-    <p:spTree>
-      <p:nvGrpSpPr>
-        <p:cNvPr id="1" name=""/>
-        <p:cNvGrpSpPr/>
-        <p:nvPr/>
-      </p:nvGrpSpPr>
-      <p:grpSpPr>
-        <a:xfrm>
-          <a:off x="0" y="0"/>
-          <a:ext cx="0" cy="0"/>
-          <a:chOff x="0" y="0"/>
-          <a:chExt cx="0" cy="0"/>
-        </a:xfrm>
-      </p:grpSpPr>
-      <p:pic>
-        <p:nvPicPr>
-          <p:cNvPr id="3" name="Picture 2">
-            <a:extLst>
-              <a:ext uri="{FF2B5EF4-FFF2-40B4-BE49-F238E27FC236}">
-                <a16:creationId xmlns:a16="http://schemas.microsoft.com/office/drawing/2014/main" xmlns="" id="{2A456100-564B-3744-BE2D-55C75AE036BE}"/>
-              </a:ext>
-            </a:extLst>
-          </p:cNvPr>
-          <p:cNvPicPr>
-            <a:picLocks noChangeAspect="1"/>
-          </p:cNvPicPr>
-          <p:nvPr/>
-        </p:nvPicPr>
-        <p:blipFill>
-          <a:blip r:embed="rId2"/>
-          <a:stretch>
-            <a:fillRect/>
-          </a:stretch>
-        </p:blipFill>
-        <p:spPr>
-          <a:xfrm>
-            <a:off x="0" y="0"/>
-            <a:ext cx="9144000" cy="5143500"/>
-          </a:xfrm>
-          <a:prstGeom prst="rect">
-            <a:avLst/>
-          </a:prstGeom>
-        </p:spPr>
-      </p:pic>
       <p:sp>
         <p:nvSpPr>
           <p:cNvPr id="4" name="Title 3"/>
@@ -20110,7 +18449,7 @@
 </p:sld>
 </file>
 
-<file path=ppt/slides/slide7.xml><?xml version="1.0" encoding="utf-8"?>
+<file path=ppt/slides/slide6.xml><?xml version="1.0" encoding="utf-8"?>
 <p:sld xmlns:a="http://schemas.openxmlformats.org/drawingml/2006/main" xmlns:r="http://schemas.openxmlformats.org/officeDocument/2006/relationships" xmlns:p="http://schemas.openxmlformats.org/presentationml/2006/main">
   <p:cSld>
     <p:bg>
@@ -20331,6 +18670,193 @@
             </p:seq>
           </p:childTnLst>
         </p:cTn>
+      </p:par>
+    </p:tnLst>
+  </p:timing>
+</p:sld>
+</file>
+
+<file path=ppt/slides/slide7.xml><?xml version="1.0" encoding="utf-8"?>
+<p:sld xmlns:a="http://schemas.openxmlformats.org/drawingml/2006/main" xmlns:r="http://schemas.openxmlformats.org/officeDocument/2006/relationships" xmlns:p="http://schemas.openxmlformats.org/presentationml/2006/main">
+  <p:cSld>
+    <p:spTree>
+      <p:nvGrpSpPr>
+        <p:cNvPr id="1" name=""/>
+        <p:cNvGrpSpPr/>
+        <p:nvPr/>
+      </p:nvGrpSpPr>
+      <p:grpSpPr>
+        <a:xfrm>
+          <a:off x="0" y="0"/>
+          <a:ext cx="0" cy="0"/>
+          <a:chOff x="0" y="0"/>
+          <a:chExt cx="0" cy="0"/>
+        </a:xfrm>
+      </p:grpSpPr>
+      <p:pic>
+        <p:nvPicPr>
+          <p:cNvPr id="3" name="Picture 2">
+            <a:extLst>
+              <a:ext uri="{FF2B5EF4-FFF2-40B4-BE49-F238E27FC236}">
+                <a16:creationId xmlns:a16="http://schemas.microsoft.com/office/drawing/2014/main" xmlns="" id="{7E4ED65F-B8F7-C24A-8BF3-835815BCD9A2}"/>
+              </a:ext>
+            </a:extLst>
+          </p:cNvPr>
+          <p:cNvPicPr>
+            <a:picLocks noChangeAspect="1"/>
+          </p:cNvPicPr>
+          <p:nvPr/>
+        </p:nvPicPr>
+        <p:blipFill>
+          <a:blip r:embed="rId2"/>
+          <a:stretch>
+            <a:fillRect/>
+          </a:stretch>
+        </p:blipFill>
+        <p:spPr>
+          <a:xfrm>
+            <a:off x="0" y="0"/>
+            <a:ext cx="9144000" cy="5143500"/>
+          </a:xfrm>
+          <a:prstGeom prst="rect">
+            <a:avLst/>
+          </a:prstGeom>
+        </p:spPr>
+      </p:pic>
+      <p:sp>
+        <p:nvSpPr>
+          <p:cNvPr id="4" name="Title 3"/>
+          <p:cNvSpPr>
+            <a:spLocks noGrp="1"/>
+          </p:cNvSpPr>
+          <p:nvPr>
+            <p:ph type="title"/>
+          </p:nvPr>
+        </p:nvSpPr>
+        <p:spPr>
+          <a:prstGeom prst="rect">
+            <a:avLst/>
+          </a:prstGeom>
+        </p:spPr>
+        <p:txBody>
+          <a:bodyPr>
+            <a:normAutofit fontScale="90000"/>
+          </a:bodyPr>
+          <a:lstStyle/>
+          <a:p>
+            <a:r>
+              <a:rPr lang="en-US" dirty="0"/>
+              <a:t>What’s Machine Learning???</a:t>
+            </a:r>
+          </a:p>
+        </p:txBody>
+      </p:sp>
+      <p:sp>
+        <p:nvSpPr>
+          <p:cNvPr id="5" name="Espace réservé du contenu 4"/>
+          <p:cNvSpPr>
+            <a:spLocks noGrp="1"/>
+          </p:cNvSpPr>
+          <p:nvPr>
+            <p:ph idx="1"/>
+          </p:nvPr>
+        </p:nvSpPr>
+        <p:spPr/>
+        <p:txBody>
+          <a:bodyPr>
+            <a:normAutofit fontScale="85000" lnSpcReduction="20000"/>
+          </a:bodyPr>
+          <a:lstStyle/>
+          <a:p>
+            <a:r>
+              <a:rPr lang="en-US" dirty="0" smtClean="0"/>
+              <a:t>RULES {ML 7 : 7}</a:t>
+            </a:r>
+          </a:p>
+          <a:p>
+            <a:pPr lvl="1">
+              <a:buSzPct val="45000"/>
+              <a:buFont typeface="StarSymbol"/>
+              <a:buChar char="●"/>
+            </a:pPr>
+            <a:r>
+              <a:rPr lang="fr-FR" dirty="0"/>
+              <a:t>Étant donnée une tâche T à effectuer par un programme informatique donné et une mesure de performance par rapport à cette tâche P, on dit que ce programme apprend à partir d’une expérience E si la valeur de la mesure P augmente avec l’expérience.</a:t>
+            </a:r>
+          </a:p>
+          <a:p>
+            <a:pPr lvl="0">
+              <a:buSzPct val="45000"/>
+              <a:buFont typeface="StarSymbol"/>
+              <a:buChar char="●"/>
+            </a:pPr>
+            <a:endParaRPr lang="fr-FR" dirty="0"/>
+          </a:p>
+          <a:p>
+            <a:pPr marL="0" lvl="8" indent="0" algn="ctr" hangingPunct="0">
+              <a:spcBef>
+                <a:spcPts val="0"/>
+              </a:spcBef>
+              <a:spcAft>
+                <a:spcPts val="1046"/>
+              </a:spcAft>
+              <a:buNone/>
+            </a:pPr>
+            <a:r>
+              <a:rPr lang="fr-FR" sz="2400" b="1" dirty="0">
+                <a:latin typeface="FreeMono" pitchFamily="49"/>
+              </a:rPr>
+              <a:t>Tom Mitchell, 1997</a:t>
+            </a:r>
+          </a:p>
+          <a:p>
+            <a:endParaRPr lang="en-US" dirty="0"/>
+          </a:p>
+        </p:txBody>
+      </p:sp>
+      <p:pic>
+        <p:nvPicPr>
+          <p:cNvPr id="8" name="Espace réservé du contenu 7"/>
+          <p:cNvPicPr>
+            <a:picLocks noGrp="1" noChangeAspect="1"/>
+          </p:cNvPicPr>
+          <p:nvPr>
+            <p:ph idx="10"/>
+          </p:nvPr>
+        </p:nvPicPr>
+        <p:blipFill>
+          <a:blip r:embed="rId3">
+            <a:extLst>
+              <a:ext uri="{28A0092B-C50C-407E-A947-70E740481C1C}">
+                <a14:useLocalDpi xmlns:a14="http://schemas.microsoft.com/office/drawing/2010/main" val="0"/>
+              </a:ext>
+            </a:extLst>
+          </a:blip>
+          <a:stretch>
+            <a:fillRect/>
+          </a:stretch>
+        </p:blipFill>
+        <p:spPr>
+          <a:xfrm>
+            <a:off x="4576763" y="925514"/>
+            <a:ext cx="4343400" cy="3483648"/>
+          </a:xfrm>
+        </p:spPr>
+      </p:pic>
+    </p:spTree>
+    <p:extLst>
+      <p:ext uri="{BB962C8B-B14F-4D97-AF65-F5344CB8AC3E}">
+        <p14:creationId xmlns:p14="http://schemas.microsoft.com/office/powerpoint/2010/main" val="3865494380"/>
+      </p:ext>
+    </p:extLst>
+  </p:cSld>
+  <p:clrMapOvr>
+    <a:masterClrMapping/>
+  </p:clrMapOvr>
+  <p:timing>
+    <p:tnLst>
+      <p:par>
+        <p:cTn id="1" dur="indefinite" restart="never" nodeType="tmRoot"/>
       </p:par>
     </p:tnLst>
   </p:timing>
@@ -20406,9 +18932,18 @@
           <a:lstStyle/>
           <a:p>
             <a:r>
+              <a:rPr lang="en-US" dirty="0" smtClean="0"/>
+              <a:t>Machine Learning</a:t>
+            </a:r>
+            <a:r>
               <a:rPr lang="en-US" dirty="0"/>
-              <a:t>What’s Machine Learning???</a:t>
-            </a:r>
+              <a:t> </a:t>
+            </a:r>
+            <a:r>
+              <a:rPr lang="en-US" dirty="0" smtClean="0"/>
+              <a:t>RULES</a:t>
+            </a:r>
+            <a:endParaRPr lang="en-US" dirty="0"/>
           </a:p>
         </p:txBody>
       </p:sp>
@@ -20425,13 +18960,19 @@
         <p:spPr/>
         <p:txBody>
           <a:bodyPr>
-            <a:normAutofit fontScale="85000" lnSpcReduction="20000"/>
+            <a:normAutofit/>
           </a:bodyPr>
           <a:lstStyle/>
           <a:p>
-            <a:r>
-              <a:rPr lang="en-US" dirty="0" smtClean="0"/>
-              <a:t>RULES {ML 7 : 7}</a:t>
+            <a:pPr marL="0" indent="0">
+              <a:buSzPct val="45000"/>
+              <a:buNone/>
+            </a:pPr>
+            <a:r>
+              <a:rPr lang="fr-FR" b="1" dirty="0" smtClean="0">
+                <a:latin typeface="+mj-lt"/>
+              </a:rPr>
+              <a:t>1. TASK</a:t>
             </a:r>
           </a:p>
           <a:p>
@@ -20441,34 +18982,103 @@
               <a:buChar char="●"/>
             </a:pPr>
             <a:r>
-              <a:rPr lang="fr-FR" dirty="0"/>
-              <a:t>Étant donnée une tâche T à effectuer par un programme informatique donné et une mesure de performance par rapport à cette tâche P, on dit que ce programme apprend à partir d’une expérience E si la valeur de la mesure P augmente avec l’expérience.</a:t>
-            </a:r>
-          </a:p>
-          <a:p>
-            <a:pPr lvl="0">
+              <a:rPr lang="fr-FR" sz="2400" b="1" dirty="0" smtClean="0">
+                <a:latin typeface="+mj-lt"/>
+              </a:rPr>
+              <a:t>Objectif </a:t>
+            </a:r>
+            <a:r>
+              <a:rPr lang="en-US" sz="2400" b="1" dirty="0" smtClean="0">
+                <a:latin typeface="+mj-lt"/>
+              </a:rPr>
+              <a:t>à </a:t>
+            </a:r>
+            <a:r>
+              <a:rPr lang="en-US" sz="2400" b="1" dirty="0" err="1" smtClean="0">
+                <a:latin typeface="+mj-lt"/>
+              </a:rPr>
+              <a:t>atteindre</a:t>
+            </a:r>
+            <a:endParaRPr lang="en-US" sz="2400" b="1" dirty="0" smtClean="0">
+              <a:latin typeface="+mj-lt"/>
+            </a:endParaRPr>
+          </a:p>
+          <a:p>
+            <a:pPr lvl="2">
               <a:buSzPct val="45000"/>
               <a:buFont typeface="StarSymbol"/>
               <a:buChar char="●"/>
             </a:pPr>
-            <a:endParaRPr lang="fr-FR" dirty="0"/>
-          </a:p>
-          <a:p>
-            <a:pPr marL="0" lvl="8" indent="0" algn="ctr" hangingPunct="0">
-              <a:spcBef>
-                <a:spcPts val="0"/>
-              </a:spcBef>
-              <a:spcAft>
-                <a:spcPts val="1046"/>
-              </a:spcAft>
-              <a:buNone/>
+            <a:r>
+              <a:rPr lang="en-US" sz="2000" b="1" dirty="0" smtClean="0">
+                <a:latin typeface="+mj-lt"/>
+              </a:rPr>
+              <a:t>Face </a:t>
+            </a:r>
+            <a:r>
+              <a:rPr lang="en-US" sz="2000" b="1" dirty="0" err="1" smtClean="0">
+                <a:latin typeface="+mj-lt"/>
+              </a:rPr>
+              <a:t>recogniton</a:t>
+            </a:r>
+            <a:endParaRPr lang="en-US" sz="2000" b="1" dirty="0" smtClean="0">
+              <a:latin typeface="+mj-lt"/>
+            </a:endParaRPr>
+          </a:p>
+          <a:p>
+            <a:pPr lvl="2">
+              <a:buSzPct val="45000"/>
+              <a:buFont typeface="StarSymbol"/>
+              <a:buChar char="●"/>
             </a:pPr>
             <a:r>
-              <a:rPr lang="fr-FR" sz="2400" b="1" dirty="0">
-                <a:latin typeface="FreeMono" pitchFamily="49"/>
-              </a:rPr>
-              <a:t>Tom Mitchell, 1997</a:t>
-            </a:r>
+              <a:rPr lang="en-US" sz="2000" b="1" dirty="0" smtClean="0">
+                <a:latin typeface="+mj-lt"/>
+              </a:rPr>
+              <a:t>Speech recognition</a:t>
+            </a:r>
+          </a:p>
+          <a:p>
+            <a:pPr lvl="2">
+              <a:buSzPct val="45000"/>
+              <a:buFont typeface="StarSymbol"/>
+              <a:buChar char="●"/>
+            </a:pPr>
+            <a:r>
+              <a:rPr lang="en-US" sz="2000" b="1" dirty="0" smtClean="0">
+                <a:latin typeface="+mj-lt"/>
+              </a:rPr>
+              <a:t>Price prediction</a:t>
+            </a:r>
+          </a:p>
+          <a:p>
+            <a:pPr lvl="2">
+              <a:buSzPct val="45000"/>
+              <a:buFont typeface="StarSymbol"/>
+              <a:buChar char="●"/>
+            </a:pPr>
+            <a:r>
+              <a:rPr lang="en-US" sz="2000" b="1" dirty="0" smtClean="0">
+                <a:latin typeface="+mj-lt"/>
+              </a:rPr>
+              <a:t>Self-driving</a:t>
+            </a:r>
+          </a:p>
+          <a:p>
+            <a:pPr lvl="2">
+              <a:buSzPct val="45000"/>
+              <a:buFont typeface="StarSymbol"/>
+              <a:buChar char="●"/>
+            </a:pPr>
+            <a:r>
+              <a:rPr lang="en-US" sz="2000" b="1" dirty="0" smtClean="0">
+                <a:latin typeface="+mj-lt"/>
+              </a:rPr>
+              <a:t>And much more</a:t>
+            </a:r>
+            <a:endParaRPr lang="fr-FR" sz="2000" b="1" dirty="0">
+              <a:latin typeface="+mj-lt"/>
+            </a:endParaRPr>
           </a:p>
           <a:p>
             <a:endParaRPr lang="en-US" dirty="0"/>
@@ -20507,7 +19117,7 @@
     </p:spTree>
     <p:extLst>
       <p:ext uri="{BB962C8B-B14F-4D97-AF65-F5344CB8AC3E}">
-        <p14:creationId xmlns:p14="http://schemas.microsoft.com/office/powerpoint/2010/main" val="3865494380"/>
+        <p14:creationId xmlns:p14="http://schemas.microsoft.com/office/powerpoint/2010/main" val="775580301"/>
       </p:ext>
     </p:extLst>
   </p:cSld>
@@ -20593,18 +19203,9 @@
           <a:lstStyle/>
           <a:p>
             <a:r>
-              <a:rPr lang="en-US" dirty="0" smtClean="0"/>
-              <a:t>Machine Learning</a:t>
-            </a:r>
-            <a:r>
               <a:rPr lang="en-US" dirty="0"/>
-              <a:t> </a:t>
-            </a:r>
-            <a:r>
-              <a:rPr lang="en-US" dirty="0" smtClean="0"/>
-              <a:t>RULES</a:t>
-            </a:r>
-            <a:endParaRPr lang="en-US" dirty="0"/>
+              <a:t>Machine Learning RULES</a:t>
+            </a:r>
           </a:p>
         </p:txBody>
       </p:sp>
@@ -20633,7 +19234,7 @@
               <a:rPr lang="fr-FR" b="1" dirty="0" smtClean="0">
                 <a:latin typeface="+mj-lt"/>
               </a:rPr>
-              <a:t>1. TASK</a:t>
+              <a:t>2. EXPERIENCE</a:t>
             </a:r>
           </a:p>
           <a:p>
@@ -20643,24 +19244,18 @@
               <a:buChar char="●"/>
             </a:pPr>
             <a:r>
-              <a:rPr lang="fr-FR" sz="2400" b="1" dirty="0" smtClean="0">
-                <a:latin typeface="+mj-lt"/>
-              </a:rPr>
-              <a:t>Objectif </a:t>
-            </a:r>
-            <a:r>
               <a:rPr lang="en-US" sz="2400" b="1" dirty="0" smtClean="0">
                 <a:latin typeface="+mj-lt"/>
               </a:rPr>
-              <a:t>à </a:t>
+              <a:t>Training </a:t>
             </a:r>
             <a:r>
               <a:rPr lang="en-US" sz="2400" b="1" dirty="0" err="1" smtClean="0">
                 <a:latin typeface="+mj-lt"/>
               </a:rPr>
-              <a:t>atteindre</a:t>
-            </a:r>
-            <a:endParaRPr lang="en-US" sz="2400" b="1" dirty="0" smtClean="0">
+              <a:t>Datas</a:t>
+            </a:r>
+            <a:endParaRPr lang="en-US" sz="2000" b="1" dirty="0" smtClean="0">
               <a:latin typeface="+mj-lt"/>
             </a:endParaRPr>
           </a:p>
@@ -20674,17 +19269,8 @@
               <a:rPr lang="en-US" sz="2000" b="1" dirty="0" smtClean="0">
                 <a:latin typeface="+mj-lt"/>
               </a:rPr>
-              <a:t>Face </a:t>
-            </a:r>
-            <a:r>
-              <a:rPr lang="en-US" sz="2000" b="1" dirty="0" err="1" smtClean="0">
-                <a:latin typeface="+mj-lt"/>
-              </a:rPr>
-              <a:t>recogniton</a:t>
-            </a:r>
-            <a:endParaRPr lang="en-US" sz="2000" b="1" dirty="0" smtClean="0">
-              <a:latin typeface="+mj-lt"/>
-            </a:endParaRPr>
+              <a:t>Images, Sons</a:t>
+            </a:r>
           </a:p>
           <a:p>
             <a:pPr lvl="2">
@@ -20693,11 +19279,26 @@
               <a:buChar char="●"/>
             </a:pPr>
             <a:r>
+              <a:rPr lang="en-US" sz="2000" b="1" dirty="0" err="1" smtClean="0">
+                <a:latin typeface="+mj-lt"/>
+              </a:rPr>
+              <a:t>Données</a:t>
+            </a:r>
+            <a:r>
               <a:rPr lang="en-US" sz="2000" b="1" dirty="0" smtClean="0">
                 <a:latin typeface="+mj-lt"/>
               </a:rPr>
-              <a:t>Speech recognition</a:t>
-            </a:r>
+              <a:t> </a:t>
+            </a:r>
+            <a:r>
+              <a:rPr lang="en-US" sz="2000" b="1" dirty="0" err="1" smtClean="0">
+                <a:latin typeface="+mj-lt"/>
+              </a:rPr>
+              <a:t>financières</a:t>
+            </a:r>
+            <a:endParaRPr lang="en-US" sz="2000" b="1" dirty="0" smtClean="0">
+              <a:latin typeface="+mj-lt"/>
+            </a:endParaRPr>
           </a:p>
           <a:p>
             <a:pPr lvl="2">
@@ -20709,8 +19310,17 @@
               <a:rPr lang="en-US" sz="2000" b="1" dirty="0" smtClean="0">
                 <a:latin typeface="+mj-lt"/>
               </a:rPr>
-              <a:t>Price prediction</a:t>
-            </a:r>
+              <a:t>Obstacles </a:t>
+            </a:r>
+            <a:r>
+              <a:rPr lang="en-US" sz="2000" b="1" dirty="0" err="1" smtClean="0">
+                <a:latin typeface="+mj-lt"/>
+              </a:rPr>
+              <a:t>rencontrés</a:t>
+            </a:r>
+            <a:endParaRPr lang="en-US" sz="2000" b="1" dirty="0" smtClean="0">
+              <a:latin typeface="+mj-lt"/>
+            </a:endParaRPr>
           </a:p>
           <a:p>
             <a:pPr lvl="2">
@@ -20719,10 +19329,28 @@
               <a:buChar char="●"/>
             </a:pPr>
             <a:r>
+              <a:rPr lang="en-US" sz="2000" b="1" dirty="0" err="1" smtClean="0">
+                <a:latin typeface="+mj-lt"/>
+              </a:rPr>
+              <a:t>Echecs</a:t>
+            </a:r>
+            <a:r>
               <a:rPr lang="en-US" sz="2000" b="1" dirty="0" smtClean="0">
                 <a:latin typeface="+mj-lt"/>
               </a:rPr>
-              <a:t>Self-driving</a:t>
+              <a:t> (</a:t>
+            </a:r>
+            <a:r>
+              <a:rPr lang="en-US" sz="2000" b="1" dirty="0" err="1" smtClean="0">
+                <a:latin typeface="+mj-lt"/>
+              </a:rPr>
+              <a:t>réalisés</a:t>
+            </a:r>
+            <a:r>
+              <a:rPr lang="en-US" sz="2000" b="1" dirty="0" smtClean="0">
+                <a:latin typeface="+mj-lt"/>
+              </a:rPr>
+              <a:t>)</a:t>
             </a:r>
           </a:p>
           <a:p>
@@ -20778,7 +19406,7 @@
     </p:spTree>
     <p:extLst>
       <p:ext uri="{BB962C8B-B14F-4D97-AF65-F5344CB8AC3E}">
-        <p14:creationId xmlns:p14="http://schemas.microsoft.com/office/powerpoint/2010/main" val="775580301"/>
+        <p14:creationId xmlns:p14="http://schemas.microsoft.com/office/powerpoint/2010/main" val="3171493668"/>
       </p:ext>
     </p:extLst>
   </p:cSld>
@@ -21280,10 +19908,16 @@
 <file path=customXml/itemProps2.xml><?xml version="1.0" encoding="utf-8"?>
 <ds:datastoreItem xmlns:ds="http://schemas.openxmlformats.org/officeDocument/2006/customXml" ds:itemID="{7EF52303-DD41-4871-8221-5749C8E3EEE6}">
   <ds:schemaRefs>
+    <ds:schemaRef ds:uri="http://purl.org/dc/elements/1.1/"/>
     <ds:schemaRef ds:uri="http://schemas.microsoft.com/office/2006/metadata/properties"/>
+    <ds:schemaRef ds:uri="http://purl.org/dc/terms/"/>
+    <ds:schemaRef ds:uri="efd76e83-4173-4a26-b431-618a788339a8"/>
+    <ds:schemaRef ds:uri="http://purl.org/dc/dcmitype/"/>
+    <ds:schemaRef ds:uri="http://schemas.microsoft.com/office/2006/documentManagement/types"/>
     <ds:schemaRef ds:uri="http://schemas.microsoft.com/office/infopath/2007/PartnerControls"/>
-    <ds:schemaRef ds:uri="3fce3ed0-24d1-45d0-8014-96f22eb6b0fb"/>
-    <ds:schemaRef ds:uri="efd76e83-4173-4a26-b431-618a788339a8"/>
+    <ds:schemaRef ds:uri="http://schemas.openxmlformats.org/package/2006/metadata/core-properties"/>
+    <ds:schemaRef ds:uri="6dfb84fc-c783-47c9-928a-3d458849d261"/>
+    <ds:schemaRef ds:uri="http://www.w3.org/XML/1998/namespace"/>
   </ds:schemaRefs>
 </ds:datastoreItem>
 </file>
